--- a/presentation.pptx
+++ b/presentation.pptx
@@ -114,6 +114,11 @@
       </a:defRPr>
     </a:lvl9pPr>
   </p:defaultTextStyle>
+  <p:extLst>
+    <p:ext uri="{EFAFB233-063F-42B5-8137-9DF3F51BA10A}">
+      <p15:sldGuideLst xmlns:p15="http://schemas.microsoft.com/office/powerpoint/2012/main"/>
+    </p:ext>
+  </p:extLst>
 </p:presentation>
 </file>
 
@@ -199,7 +204,7 @@
           <a:p>
             <a:fld id="{EFD8F493-7405-4C36-AC30-86784F8B8D61}" type="datetimeFigureOut">
               <a:rPr lang="ru-RU" smtClean="0"/>
-              <a:t>21.04.2019</a:t>
+              <a:t>07.05.2019</a:t>
             </a:fld>
             <a:endParaRPr lang="ru-RU"/>
           </a:p>
@@ -562,7 +567,31 @@
                 <a:ea typeface="+mn-ea"/>
                 <a:cs typeface="+mn-cs"/>
               </a:rPr>
-              <a:t> - это лучший навык для экскурсоводов и путешественников. Здесь каждый может добавить экскурсию, если вдруг у него появится желание провести экскурсию и рассказать другим людям, например, о достопримечательностях своего города. Другие же могут увидеть все экскурсии, которые были добавлены в навык, на карте. А по номеру экскурсии могут получить всю информацию об этой экскурсии, которую указывал экскурсовод: адрес проведения, дата проведения, стоимость, описание экскурсии, ФИО экскурсовода, номер телефона экскурсовода и т.д. Активационное имя для навыка: "Запусти навык </a:t>
+              <a:t> – это</a:t>
+            </a:r>
+            <a:r>
+              <a:rPr lang="ru-RU" sz="1200" kern="1200" baseline="0" dirty="0" smtClean="0">
+                <a:solidFill>
+                  <a:schemeClr val="tx1"/>
+                </a:solidFill>
+                <a:effectLst/>
+                <a:latin typeface="+mn-lt"/>
+                <a:ea typeface="+mn-ea"/>
+                <a:cs typeface="+mn-cs"/>
+              </a:rPr>
+              <a:t> </a:t>
+            </a:r>
+            <a:r>
+              <a:rPr lang="ru-RU" sz="1200" kern="1200" dirty="0" smtClean="0">
+                <a:solidFill>
+                  <a:schemeClr val="tx1"/>
+                </a:solidFill>
+                <a:effectLst/>
+                <a:latin typeface="+mn-lt"/>
+                <a:ea typeface="+mn-ea"/>
+                <a:cs typeface="+mn-cs"/>
+              </a:rPr>
+              <a:t>навык для экскурсоводов и путешественников. Здесь каждый может добавить экскурсию, если вдруг у него появится желание провести экскурсию и рассказать другим людям, например, о достопримечательностях своего города. Другие же могут увидеть все экскурсии, которые были добавлены в навык, на карте. А по номеру экскурсии могут получить всю информацию об этой экскурсии, которую указывал экскурсовод: адрес проведения, дата проведения, стоимость, описание экскурсии, ФИО экскурсовода, номер телефона экскурсовода и т.д. Активационное имя для навыка: "Запусти навык </a:t>
             </a:r>
             <a:r>
               <a:rPr lang="ru-RU" sz="1200" kern="1200" dirty="0" err="1" smtClean="0">
@@ -685,8 +714,11 @@
                 <a:ea typeface="+mn-ea"/>
                 <a:cs typeface="+mn-cs"/>
               </a:rPr>
-              <a:t>1) </a:t>
-            </a:r>
+              <a:t>1) (анимация) Показать все экскурсии – будет показана карта с метками экскурсий в городах</a:t>
+            </a:r>
+          </a:p>
+          <a:p>
+            <a:pPr lvl="0"/>
             <a:r>
               <a:rPr lang="ru-RU" sz="1200" kern="1200" dirty="0" smtClean="0">
                 <a:solidFill>
@@ -697,8 +729,11 @@
                 <a:ea typeface="+mn-ea"/>
                 <a:cs typeface="+mn-cs"/>
               </a:rPr>
-              <a:t>(анимация) </a:t>
-            </a:r>
+              <a:t>2) (анимация) Добавить экскурсию</a:t>
+            </a:r>
+          </a:p>
+          <a:p>
+            <a:pPr lvl="0"/>
             <a:r>
               <a:rPr lang="ru-RU" sz="1200" kern="1200" dirty="0" smtClean="0">
                 <a:solidFill>
@@ -709,7 +744,7 @@
                 <a:ea typeface="+mn-ea"/>
                 <a:cs typeface="+mn-cs"/>
               </a:rPr>
-              <a:t>Показать все экскурсии – будет показана карта с метками экскурсий в городах</a:t>
+              <a:t>3) (анимация) Города, в которых есть экскурсии</a:t>
             </a:r>
           </a:p>
           <a:p>
@@ -724,8 +759,10 @@
                 <a:ea typeface="+mn-ea"/>
                 <a:cs typeface="+mn-cs"/>
               </a:rPr>
-              <a:t>2) </a:t>
-            </a:r>
+              <a:t>4) (анимация) Показать экскурсии в каком-либо городе – будет показана карта с метками, на которых будут номера экскурсий в данном городе</a:t>
+            </a:r>
+          </a:p>
+          <a:p>
             <a:r>
               <a:rPr lang="ru-RU" sz="1200" kern="1200" dirty="0" smtClean="0">
                 <a:solidFill>
@@ -736,8 +773,10 @@
                 <a:ea typeface="+mn-ea"/>
                 <a:cs typeface="+mn-cs"/>
               </a:rPr>
-              <a:t>(анимация) </a:t>
-            </a:r>
+              <a:t> </a:t>
+            </a:r>
+          </a:p>
+          <a:p>
             <a:r>
               <a:rPr lang="ru-RU" sz="1200" kern="1200" dirty="0" smtClean="0">
                 <a:solidFill>
@@ -748,11 +787,10 @@
                 <a:ea typeface="+mn-ea"/>
                 <a:cs typeface="+mn-cs"/>
               </a:rPr>
-              <a:t>Добавить экскурсию</a:t>
-            </a:r>
-          </a:p>
-          <a:p>
-            <a:pPr lvl="0"/>
+              <a:t>После показа экскурсий в каком-то городе, у каждой экскурсии будет свой номер в этом городе. По этому номеру можно выполнить следующие команды:</a:t>
+            </a:r>
+          </a:p>
+          <a:p>
             <a:r>
               <a:rPr lang="ru-RU" sz="1200" kern="1200" dirty="0" smtClean="0">
                 <a:solidFill>
@@ -763,8 +801,10 @@
                 <a:ea typeface="+mn-ea"/>
                 <a:cs typeface="+mn-cs"/>
               </a:rPr>
-              <a:t>3) </a:t>
-            </a:r>
+              <a:t> </a:t>
+            </a:r>
+          </a:p>
+          <a:p>
             <a:r>
               <a:rPr lang="ru-RU" sz="1200" kern="1200" dirty="0" smtClean="0">
                 <a:solidFill>
@@ -775,8 +815,10 @@
                 <a:ea typeface="+mn-ea"/>
                 <a:cs typeface="+mn-cs"/>
               </a:rPr>
-              <a:t>(анимация) </a:t>
-            </a:r>
+              <a:t>1) (анимация) Показать экскурсию номер &lt;номер экскурсии&gt; - будет показана информация об экскурсии</a:t>
+            </a:r>
+          </a:p>
+          <a:p>
             <a:r>
               <a:rPr lang="ru-RU" sz="1200" kern="1200" dirty="0" smtClean="0">
                 <a:solidFill>
@@ -787,11 +829,10 @@
                 <a:ea typeface="+mn-ea"/>
                 <a:cs typeface="+mn-cs"/>
               </a:rPr>
-              <a:t>Города, в которых есть экскурсии</a:t>
-            </a:r>
-          </a:p>
-          <a:p>
-            <a:pPr lvl="0"/>
+              <a:t>2) (анимация) Удалить экскурсию номер &lt;номер экскурсии&gt; - будет вызвана команда удаления экскурсии, но для этого нужно ввести пароль, который указывается при добавлении</a:t>
+            </a:r>
+          </a:p>
+          <a:p>
             <a:r>
               <a:rPr lang="ru-RU" sz="1200" kern="1200" dirty="0" smtClean="0">
                 <a:solidFill>
@@ -802,187 +843,7 @@
                 <a:ea typeface="+mn-ea"/>
                 <a:cs typeface="+mn-cs"/>
               </a:rPr>
-              <a:t>4) </a:t>
-            </a:r>
-            <a:r>
-              <a:rPr lang="ru-RU" sz="1200" kern="1200" dirty="0" smtClean="0">
-                <a:solidFill>
-                  <a:schemeClr val="tx1"/>
-                </a:solidFill>
-                <a:effectLst/>
-                <a:latin typeface="+mn-lt"/>
-                <a:ea typeface="+mn-ea"/>
-                <a:cs typeface="+mn-cs"/>
-              </a:rPr>
-              <a:t>(анимация) </a:t>
-            </a:r>
-            <a:r>
-              <a:rPr lang="ru-RU" sz="1200" kern="1200" dirty="0" smtClean="0">
-                <a:solidFill>
-                  <a:schemeClr val="tx1"/>
-                </a:solidFill>
-                <a:effectLst/>
-                <a:latin typeface="+mn-lt"/>
-                <a:ea typeface="+mn-ea"/>
-                <a:cs typeface="+mn-cs"/>
-              </a:rPr>
-              <a:t>Показать экскурсии в каком-либо городе – будет показана карта с метками, на которых будут номера экскурсий в данном городе</a:t>
-            </a:r>
-          </a:p>
-          <a:p>
-            <a:r>
-              <a:rPr lang="ru-RU" sz="1200" kern="1200" dirty="0" smtClean="0">
-                <a:solidFill>
-                  <a:schemeClr val="tx1"/>
-                </a:solidFill>
-                <a:effectLst/>
-                <a:latin typeface="+mn-lt"/>
-                <a:ea typeface="+mn-ea"/>
-                <a:cs typeface="+mn-cs"/>
-              </a:rPr>
-              <a:t> </a:t>
-            </a:r>
-          </a:p>
-          <a:p>
-            <a:r>
-              <a:rPr lang="ru-RU" sz="1200" kern="1200" dirty="0" smtClean="0">
-                <a:solidFill>
-                  <a:schemeClr val="tx1"/>
-                </a:solidFill>
-                <a:effectLst/>
-                <a:latin typeface="+mn-lt"/>
-                <a:ea typeface="+mn-ea"/>
-                <a:cs typeface="+mn-cs"/>
-              </a:rPr>
-              <a:t>После показа экскурсий в каком-то городе, у каждой экскурсии будет свой номер в этом городе. По этому номеру можно выполнить следующие команды:</a:t>
-            </a:r>
-          </a:p>
-          <a:p>
-            <a:r>
-              <a:rPr lang="ru-RU" sz="1200" kern="1200" dirty="0" smtClean="0">
-                <a:solidFill>
-                  <a:schemeClr val="tx1"/>
-                </a:solidFill>
-                <a:effectLst/>
-                <a:latin typeface="+mn-lt"/>
-                <a:ea typeface="+mn-ea"/>
-                <a:cs typeface="+mn-cs"/>
-              </a:rPr>
-              <a:t> </a:t>
-            </a:r>
-          </a:p>
-          <a:p>
-            <a:r>
-              <a:rPr lang="ru-RU" sz="1200" kern="1200" dirty="0" smtClean="0">
-                <a:solidFill>
-                  <a:schemeClr val="tx1"/>
-                </a:solidFill>
-                <a:effectLst/>
-                <a:latin typeface="+mn-lt"/>
-                <a:ea typeface="+mn-ea"/>
-                <a:cs typeface="+mn-cs"/>
-              </a:rPr>
-              <a:t>1) </a:t>
-            </a:r>
-            <a:r>
-              <a:rPr lang="ru-RU" sz="1200" kern="1200" dirty="0" smtClean="0">
-                <a:solidFill>
-                  <a:schemeClr val="tx1"/>
-                </a:solidFill>
-                <a:effectLst/>
-                <a:latin typeface="+mn-lt"/>
-                <a:ea typeface="+mn-ea"/>
-                <a:cs typeface="+mn-cs"/>
-              </a:rPr>
-              <a:t>(анимация) </a:t>
-            </a:r>
-            <a:r>
-              <a:rPr lang="ru-RU" sz="1200" kern="1200" dirty="0" smtClean="0">
-                <a:solidFill>
-                  <a:schemeClr val="tx1"/>
-                </a:solidFill>
-                <a:effectLst/>
-                <a:latin typeface="+mn-lt"/>
-                <a:ea typeface="+mn-ea"/>
-                <a:cs typeface="+mn-cs"/>
-              </a:rPr>
-              <a:t>Показать экскурсию номер &lt;номер экскурсии&gt; - будет показана информация об экскурсии</a:t>
-            </a:r>
-          </a:p>
-          <a:p>
-            <a:r>
-              <a:rPr lang="ru-RU" sz="1200" kern="1200" dirty="0" smtClean="0">
-                <a:solidFill>
-                  <a:schemeClr val="tx1"/>
-                </a:solidFill>
-                <a:effectLst/>
-                <a:latin typeface="+mn-lt"/>
-                <a:ea typeface="+mn-ea"/>
-                <a:cs typeface="+mn-cs"/>
-              </a:rPr>
-              <a:t>2) </a:t>
-            </a:r>
-            <a:r>
-              <a:rPr lang="ru-RU" sz="1200" kern="1200" dirty="0" smtClean="0">
-                <a:solidFill>
-                  <a:schemeClr val="tx1"/>
-                </a:solidFill>
-                <a:effectLst/>
-                <a:latin typeface="+mn-lt"/>
-                <a:ea typeface="+mn-ea"/>
-                <a:cs typeface="+mn-cs"/>
-              </a:rPr>
-              <a:t>(анимация) </a:t>
-            </a:r>
-            <a:r>
-              <a:rPr lang="ru-RU" sz="1200" kern="1200" dirty="0" smtClean="0">
-                <a:solidFill>
-                  <a:schemeClr val="tx1"/>
-                </a:solidFill>
-                <a:effectLst/>
-                <a:latin typeface="+mn-lt"/>
-                <a:ea typeface="+mn-ea"/>
-                <a:cs typeface="+mn-cs"/>
-              </a:rPr>
-              <a:t>Удалить экскурсию номер &lt;номер экскурсии&gt; - будет вызвана команда удаления экскурсии, но для этого нужно ввести пароль, который указывается при добавлении</a:t>
-            </a:r>
-          </a:p>
-          <a:p>
-            <a:r>
-              <a:rPr lang="ru-RU" sz="1200" kern="1200" dirty="0" smtClean="0">
-                <a:solidFill>
-                  <a:schemeClr val="tx1"/>
-                </a:solidFill>
-                <a:effectLst/>
-                <a:latin typeface="+mn-lt"/>
-                <a:ea typeface="+mn-ea"/>
-                <a:cs typeface="+mn-cs"/>
-              </a:rPr>
-              <a:t>3) </a:t>
-            </a:r>
-            <a:r>
-              <a:rPr lang="ru-RU" sz="1200" kern="1200" dirty="0" smtClean="0">
-                <a:solidFill>
-                  <a:schemeClr val="tx1"/>
-                </a:solidFill>
-                <a:effectLst/>
-                <a:latin typeface="+mn-lt"/>
-                <a:ea typeface="+mn-ea"/>
-                <a:cs typeface="+mn-cs"/>
-              </a:rPr>
-              <a:t>(анимация) </a:t>
-            </a:r>
-            <a:r>
-              <a:rPr lang="ru-RU" sz="1200" kern="1200" dirty="0" smtClean="0">
-                <a:solidFill>
-                  <a:schemeClr val="tx1"/>
-                </a:solidFill>
-                <a:effectLst/>
-                <a:latin typeface="+mn-lt"/>
-                <a:ea typeface="+mn-ea"/>
-                <a:cs typeface="+mn-cs"/>
-              </a:rPr>
-              <a:t>Редактировать экскурсию номер &lt;номер экскурсии&gt; - можно отредактировать все поля экскурсии. Но опять же нужно указать пароль</a:t>
+              <a:t>3) (анимация) Редактировать экскурсию номер &lt;номер экскурсии&gt; - можно отредактировать все поля экскурсии. Но опять же нужно указать пароль</a:t>
             </a:r>
           </a:p>
           <a:p>
@@ -1119,8 +980,11 @@
                 <a:ea typeface="+mn-ea"/>
                 <a:cs typeface="+mn-cs"/>
               </a:rPr>
-              <a:t>(анимация) </a:t>
-            </a:r>
+              <a:t>(анимация) Дата проведения экскурсии</a:t>
+            </a:r>
+          </a:p>
+          <a:p>
+            <a:pPr lvl="0"/>
             <a:r>
               <a:rPr lang="ru-RU" sz="1200" kern="1200" dirty="0" smtClean="0">
                 <a:solidFill>
@@ -1131,7 +995,7 @@
                 <a:ea typeface="+mn-ea"/>
                 <a:cs typeface="+mn-cs"/>
               </a:rPr>
-              <a:t>Дата проведения экскурсии</a:t>
+              <a:t>(анимация) Пароль для удаления и редактирования экскурсии</a:t>
             </a:r>
           </a:p>
           <a:p>
@@ -1146,8 +1010,11 @@
                 <a:ea typeface="+mn-ea"/>
                 <a:cs typeface="+mn-cs"/>
               </a:rPr>
-              <a:t>(анимация) </a:t>
-            </a:r>
+              <a:t>(анимация) ФИО экскурсовода</a:t>
+            </a:r>
+          </a:p>
+          <a:p>
+            <a:pPr lvl="0"/>
             <a:r>
               <a:rPr lang="ru-RU" sz="1200" kern="1200" dirty="0" smtClean="0">
                 <a:solidFill>
@@ -1158,7 +1025,7 @@
                 <a:ea typeface="+mn-ea"/>
                 <a:cs typeface="+mn-cs"/>
               </a:rPr>
-              <a:t>Пароль для удаления и редактирования экскурсии</a:t>
+              <a:t>(анимация) Название экскурсии</a:t>
             </a:r>
           </a:p>
           <a:p>
@@ -1173,8 +1040,11 @@
                 <a:ea typeface="+mn-ea"/>
                 <a:cs typeface="+mn-cs"/>
               </a:rPr>
-              <a:t>(анимация) </a:t>
-            </a:r>
+              <a:t>(анимация) Краткая информация об экскурсии</a:t>
+            </a:r>
+          </a:p>
+          <a:p>
+            <a:pPr lvl="0"/>
             <a:r>
               <a:rPr lang="ru-RU" sz="1200" kern="1200" dirty="0" smtClean="0">
                 <a:solidFill>
@@ -1185,7 +1055,7 @@
                 <a:ea typeface="+mn-ea"/>
                 <a:cs typeface="+mn-cs"/>
               </a:rPr>
-              <a:t>ФИО экскурсовода</a:t>
+              <a:t>(анимация) Средняя продолжительность экскурсии</a:t>
             </a:r>
           </a:p>
           <a:p>
@@ -1200,8 +1070,11 @@
                 <a:ea typeface="+mn-ea"/>
                 <a:cs typeface="+mn-cs"/>
               </a:rPr>
-              <a:t>(анимация) </a:t>
-            </a:r>
+              <a:t>(анимация) Описание места встречи, чтобы было удобнее его найти</a:t>
+            </a:r>
+          </a:p>
+          <a:p>
+            <a:pPr lvl="0"/>
             <a:r>
               <a:rPr lang="ru-RU" sz="1200" kern="1200" dirty="0" smtClean="0">
                 <a:solidFill>
@@ -1212,115 +1085,7 @@
                 <a:ea typeface="+mn-ea"/>
                 <a:cs typeface="+mn-cs"/>
               </a:rPr>
-              <a:t>Название экскурсии</a:t>
-            </a:r>
-          </a:p>
-          <a:p>
-            <a:pPr lvl="0"/>
-            <a:r>
-              <a:rPr lang="ru-RU" sz="1200" kern="1200" dirty="0" smtClean="0">
-                <a:solidFill>
-                  <a:schemeClr val="tx1"/>
-                </a:solidFill>
-                <a:effectLst/>
-                <a:latin typeface="+mn-lt"/>
-                <a:ea typeface="+mn-ea"/>
-                <a:cs typeface="+mn-cs"/>
-              </a:rPr>
-              <a:t>(анимация) </a:t>
-            </a:r>
-            <a:r>
-              <a:rPr lang="ru-RU" sz="1200" kern="1200" dirty="0" smtClean="0">
-                <a:solidFill>
-                  <a:schemeClr val="tx1"/>
-                </a:solidFill>
-                <a:effectLst/>
-                <a:latin typeface="+mn-lt"/>
-                <a:ea typeface="+mn-ea"/>
-                <a:cs typeface="+mn-cs"/>
-              </a:rPr>
-              <a:t>Краткая информация об экскурсии</a:t>
-            </a:r>
-          </a:p>
-          <a:p>
-            <a:pPr lvl="0"/>
-            <a:r>
-              <a:rPr lang="ru-RU" sz="1200" kern="1200" dirty="0" smtClean="0">
-                <a:solidFill>
-                  <a:schemeClr val="tx1"/>
-                </a:solidFill>
-                <a:effectLst/>
-                <a:latin typeface="+mn-lt"/>
-                <a:ea typeface="+mn-ea"/>
-                <a:cs typeface="+mn-cs"/>
-              </a:rPr>
-              <a:t>(анимация) </a:t>
-            </a:r>
-            <a:r>
-              <a:rPr lang="ru-RU" sz="1200" kern="1200" dirty="0" smtClean="0">
-                <a:solidFill>
-                  <a:schemeClr val="tx1"/>
-                </a:solidFill>
-                <a:effectLst/>
-                <a:latin typeface="+mn-lt"/>
-                <a:ea typeface="+mn-ea"/>
-                <a:cs typeface="+mn-cs"/>
-              </a:rPr>
-              <a:t>Средняя продолжительность экскурсии</a:t>
-            </a:r>
-          </a:p>
-          <a:p>
-            <a:pPr lvl="0"/>
-            <a:r>
-              <a:rPr lang="ru-RU" sz="1200" kern="1200" dirty="0" smtClean="0">
-                <a:solidFill>
-                  <a:schemeClr val="tx1"/>
-                </a:solidFill>
-                <a:effectLst/>
-                <a:latin typeface="+mn-lt"/>
-                <a:ea typeface="+mn-ea"/>
-                <a:cs typeface="+mn-cs"/>
-              </a:rPr>
-              <a:t>(анимация) </a:t>
-            </a:r>
-            <a:r>
-              <a:rPr lang="ru-RU" sz="1200" kern="1200" dirty="0" smtClean="0">
-                <a:solidFill>
-                  <a:schemeClr val="tx1"/>
-                </a:solidFill>
-                <a:effectLst/>
-                <a:latin typeface="+mn-lt"/>
-                <a:ea typeface="+mn-ea"/>
-                <a:cs typeface="+mn-cs"/>
-              </a:rPr>
-              <a:t>Описание места встречи, чтобы было удобнее его найти</a:t>
-            </a:r>
-          </a:p>
-          <a:p>
-            <a:pPr lvl="0"/>
-            <a:r>
-              <a:rPr lang="ru-RU" sz="1200" kern="1200" dirty="0" smtClean="0">
-                <a:solidFill>
-                  <a:schemeClr val="tx1"/>
-                </a:solidFill>
-                <a:effectLst/>
-                <a:latin typeface="+mn-lt"/>
-                <a:ea typeface="+mn-ea"/>
-                <a:cs typeface="+mn-cs"/>
-              </a:rPr>
-              <a:t>(анимация) </a:t>
-            </a:r>
-            <a:r>
-              <a:rPr lang="ru-RU" sz="1200" kern="1200" dirty="0" smtClean="0">
-                <a:solidFill>
-                  <a:schemeClr val="tx1"/>
-                </a:solidFill>
-                <a:effectLst/>
-                <a:latin typeface="+mn-lt"/>
-                <a:ea typeface="+mn-ea"/>
-                <a:cs typeface="+mn-cs"/>
-              </a:rPr>
-              <a:t>Телефон экскурсовода</a:t>
+              <a:t>(анимация) Телефон экскурсовода</a:t>
             </a:r>
           </a:p>
           <a:p>
@@ -1490,8 +1255,11 @@
                 <a:ea typeface="+mn-ea"/>
                 <a:cs typeface="+mn-cs"/>
               </a:rPr>
-              <a:t>(анимация) </a:t>
-            </a:r>
+              <a:t>(анимация) Название экскурсии</a:t>
+            </a:r>
+          </a:p>
+          <a:p>
+            <a:pPr lvl="0"/>
             <a:r>
               <a:rPr lang="ru-RU" sz="1200" kern="1200" dirty="0" smtClean="0">
                 <a:solidFill>
@@ -1502,34 +1270,7 @@
                 <a:ea typeface="+mn-ea"/>
                 <a:cs typeface="+mn-cs"/>
               </a:rPr>
-              <a:t>Название экскурсии</a:t>
-            </a:r>
-          </a:p>
-          <a:p>
-            <a:pPr lvl="0"/>
-            <a:r>
-              <a:rPr lang="ru-RU" sz="1200" kern="1200" dirty="0" smtClean="0">
-                <a:solidFill>
-                  <a:schemeClr val="tx1"/>
-                </a:solidFill>
-                <a:effectLst/>
-                <a:latin typeface="+mn-lt"/>
-                <a:ea typeface="+mn-ea"/>
-                <a:cs typeface="+mn-cs"/>
-              </a:rPr>
-              <a:t>(анимация) </a:t>
-            </a:r>
-            <a:r>
-              <a:rPr lang="ru-RU" sz="1200" kern="1200" dirty="0" smtClean="0">
-                <a:solidFill>
-                  <a:schemeClr val="tx1"/>
-                </a:solidFill>
-                <a:effectLst/>
-                <a:latin typeface="+mn-lt"/>
-                <a:ea typeface="+mn-ea"/>
-                <a:cs typeface="+mn-cs"/>
-              </a:rPr>
-              <a:t>Место проведения, а точнее место</a:t>
+              <a:t>(анимация) Место проведения, а точнее место</a:t>
             </a:r>
             <a:r>
               <a:rPr lang="ru-RU" sz="1200" kern="1200" baseline="0" dirty="0" smtClean="0">
@@ -1604,19 +1345,7 @@
                 <a:ea typeface="+mn-ea"/>
                 <a:cs typeface="+mn-cs"/>
               </a:rPr>
-              <a:t>(анимация) </a:t>
-            </a:r>
-            <a:r>
-              <a:rPr lang="ru-RU" sz="1200" kern="1200" dirty="0" smtClean="0">
-                <a:solidFill>
-                  <a:schemeClr val="tx1"/>
-                </a:solidFill>
-                <a:effectLst/>
-                <a:latin typeface="+mn-lt"/>
-                <a:ea typeface="+mn-ea"/>
-                <a:cs typeface="+mn-cs"/>
-              </a:rPr>
-              <a:t>Конкретное описание места встречи, чтобы пользователям</a:t>
+              <a:t>(анимация) Конкретное описание места встречи, чтобы пользователям</a:t>
             </a:r>
             <a:r>
               <a:rPr lang="ru-RU" sz="1200" kern="1200" baseline="0" dirty="0" smtClean="0">
@@ -1652,8 +1381,11 @@
                 <a:ea typeface="+mn-ea"/>
                 <a:cs typeface="+mn-cs"/>
               </a:rPr>
-              <a:t>(анимация) </a:t>
-            </a:r>
+              <a:t>(анимация) ФИО экскурсовода</a:t>
+            </a:r>
+          </a:p>
+          <a:p>
+            <a:pPr lvl="0"/>
             <a:r>
               <a:rPr lang="ru-RU" sz="1200" kern="1200" dirty="0" smtClean="0">
                 <a:solidFill>
@@ -1664,34 +1396,7 @@
                 <a:ea typeface="+mn-ea"/>
                 <a:cs typeface="+mn-cs"/>
               </a:rPr>
-              <a:t>ФИО экскурсовода</a:t>
-            </a:r>
-          </a:p>
-          <a:p>
-            <a:pPr lvl="0"/>
-            <a:r>
-              <a:rPr lang="ru-RU" sz="1200" kern="1200" dirty="0" smtClean="0">
-                <a:solidFill>
-                  <a:schemeClr val="tx1"/>
-                </a:solidFill>
-                <a:effectLst/>
-                <a:latin typeface="+mn-lt"/>
-                <a:ea typeface="+mn-ea"/>
-                <a:cs typeface="+mn-cs"/>
-              </a:rPr>
-              <a:t>(анимация) </a:t>
-            </a:r>
-            <a:r>
-              <a:rPr lang="ru-RU" sz="1200" kern="1200" dirty="0" smtClean="0">
-                <a:solidFill>
-                  <a:schemeClr val="tx1"/>
-                </a:solidFill>
-                <a:effectLst/>
-                <a:latin typeface="+mn-lt"/>
-                <a:ea typeface="+mn-ea"/>
-                <a:cs typeface="+mn-cs"/>
-              </a:rPr>
-              <a:t>Описание экскурсии – какие места будут посещены,</a:t>
+              <a:t>(анимация) Описание экскурсии – какие места будут посещены,</a:t>
             </a:r>
             <a:r>
               <a:rPr lang="ru-RU" sz="1200" kern="1200" baseline="0" dirty="0" smtClean="0">
@@ -1727,8 +1432,11 @@
                 <a:ea typeface="+mn-ea"/>
                 <a:cs typeface="+mn-cs"/>
               </a:rPr>
-              <a:t>(анимация) </a:t>
-            </a:r>
+              <a:t>(анимация) Средняя продолжительность экскурсии</a:t>
+            </a:r>
+          </a:p>
+          <a:p>
+            <a:pPr lvl="0"/>
             <a:r>
               <a:rPr lang="ru-RU" sz="1200" kern="1200" dirty="0" smtClean="0">
                 <a:solidFill>
@@ -1739,7 +1447,7 @@
                 <a:ea typeface="+mn-ea"/>
                 <a:cs typeface="+mn-cs"/>
               </a:rPr>
-              <a:t>Средняя продолжительность экскурсии</a:t>
+              <a:t>(анимация) Стоимость экскурсии</a:t>
             </a:r>
           </a:p>
           <a:p>
@@ -1754,46 +1462,7 @@
                 <a:ea typeface="+mn-ea"/>
                 <a:cs typeface="+mn-cs"/>
               </a:rPr>
-              <a:t>(анимация) </a:t>
-            </a:r>
-            <a:r>
-              <a:rPr lang="ru-RU" sz="1200" kern="1200" dirty="0" smtClean="0">
-                <a:solidFill>
-                  <a:schemeClr val="tx1"/>
-                </a:solidFill>
-                <a:effectLst/>
-                <a:latin typeface="+mn-lt"/>
-                <a:ea typeface="+mn-ea"/>
-                <a:cs typeface="+mn-cs"/>
-              </a:rPr>
-              <a:t>Стоимость экскурсии</a:t>
-            </a:r>
-          </a:p>
-          <a:p>
-            <a:pPr lvl="0"/>
-            <a:r>
-              <a:rPr lang="ru-RU" sz="1200" kern="1200" dirty="0" smtClean="0">
-                <a:solidFill>
-                  <a:schemeClr val="tx1"/>
-                </a:solidFill>
-                <a:effectLst/>
-                <a:latin typeface="+mn-lt"/>
-                <a:ea typeface="+mn-ea"/>
-                <a:cs typeface="+mn-cs"/>
-              </a:rPr>
-              <a:t>(анимация) </a:t>
-            </a:r>
-            <a:r>
-              <a:rPr lang="ru-RU" sz="1200" kern="1200" dirty="0" smtClean="0">
-                <a:solidFill>
-                  <a:schemeClr val="tx1"/>
-                </a:solidFill>
-                <a:effectLst/>
-                <a:latin typeface="+mn-lt"/>
-                <a:ea typeface="+mn-ea"/>
-                <a:cs typeface="+mn-cs"/>
-              </a:rPr>
-              <a:t>Телефон экскурсовода</a:t>
+              <a:t>(анимация) Телефон экскурсовода</a:t>
             </a:r>
           </a:p>
           <a:p>
@@ -1904,19 +1573,7 @@
                 <a:ea typeface="+mn-ea"/>
                 <a:cs typeface="+mn-cs"/>
               </a:rPr>
-              <a:t>(анимация) </a:t>
-            </a:r>
-            <a:r>
-              <a:rPr lang="ru-RU" sz="1200" kern="1200" dirty="0" smtClean="0">
-                <a:solidFill>
-                  <a:schemeClr val="tx1"/>
-                </a:solidFill>
-                <a:effectLst/>
-                <a:latin typeface="+mn-lt"/>
-                <a:ea typeface="+mn-ea"/>
-                <a:cs typeface="+mn-cs"/>
-              </a:rPr>
-              <a:t>Библиотека </a:t>
+              <a:t>(анимация) Библиотека </a:t>
             </a:r>
             <a:r>
               <a:rPr lang="en-US" sz="1200" kern="1200" dirty="0" smtClean="0">
@@ -2126,19 +1783,7 @@
                 <a:ea typeface="+mn-ea"/>
                 <a:cs typeface="+mn-cs"/>
               </a:rPr>
-              <a:t>(анимация) </a:t>
-            </a:r>
-            <a:r>
-              <a:rPr lang="ru-RU" sz="1200" kern="1200" dirty="0" smtClean="0">
-                <a:solidFill>
-                  <a:schemeClr val="tx1"/>
-                </a:solidFill>
-                <a:effectLst/>
-                <a:latin typeface="+mn-lt"/>
-                <a:ea typeface="+mn-ea"/>
-                <a:cs typeface="+mn-cs"/>
-              </a:rPr>
-              <a:t>Именованные сущности в запросах Алисы – для адресов, дат, времени и числовых сущностей</a:t>
+              <a:t>(анимация) Именованные сущности в запросах Алисы – для адресов, дат, времени и числовых сущностей</a:t>
             </a:r>
           </a:p>
           <a:p>
@@ -3231,7 +2876,19 @@
                 <a:ea typeface="+mn-ea"/>
                 <a:cs typeface="+mn-cs"/>
               </a:rPr>
-              <a:t>анимация) </a:t>
+              <a:t>анимация) поиска ближайших 5 экскурсий по введенному адресу. А</a:t>
+            </a:r>
+            <a:r>
+              <a:rPr lang="ru-RU" sz="1200" kern="1200" baseline="0" dirty="0" smtClean="0">
+                <a:solidFill>
+                  <a:schemeClr val="tx1"/>
+                </a:solidFill>
+                <a:effectLst/>
+                <a:latin typeface="+mn-lt"/>
+                <a:ea typeface="+mn-ea"/>
+                <a:cs typeface="+mn-cs"/>
+              </a:rPr>
+              <a:t> ч</a:t>
             </a:r>
             <a:r>
               <a:rPr lang="ru-RU" sz="1200" kern="1200" dirty="0" smtClean="0">
@@ -3243,19 +2900,19 @@
                 <a:ea typeface="+mn-ea"/>
                 <a:cs typeface="+mn-cs"/>
               </a:rPr>
-              <a:t>поиска ближайших 5 экскурсий по введенному адресу. А</a:t>
-            </a:r>
-            <a:r>
-              <a:rPr lang="ru-RU" sz="1200" kern="1200" baseline="0" dirty="0" smtClean="0">
-                <a:solidFill>
-                  <a:schemeClr val="tx1"/>
-                </a:solidFill>
-                <a:effectLst/>
-                <a:latin typeface="+mn-lt"/>
-                <a:ea typeface="+mn-ea"/>
-                <a:cs typeface="+mn-cs"/>
-              </a:rPr>
-              <a:t> ч</a:t>
+              <a:t>тобы было проще найти подходящую экскурсию, можно добавить </a:t>
+            </a:r>
+            <a:r>
+              <a:rPr lang="en-US" sz="1200" kern="1200" dirty="0" smtClean="0">
+                <a:solidFill>
+                  <a:schemeClr val="tx1"/>
+                </a:solidFill>
+                <a:effectLst/>
+                <a:latin typeface="+mn-lt"/>
+                <a:ea typeface="+mn-ea"/>
+                <a:cs typeface="+mn-cs"/>
+              </a:rPr>
+              <a:t>(</a:t>
             </a:r>
             <a:r>
               <a:rPr lang="ru-RU" sz="1200" kern="1200" dirty="0" smtClean="0">
@@ -3267,7 +2924,7 @@
                 <a:ea typeface="+mn-ea"/>
                 <a:cs typeface="+mn-cs"/>
               </a:rPr>
-              <a:t>тобы было проще найти подходящую экскурсию, можно добавить </a:t>
+              <a:t>анимация) поиск экскурсий в городе по ключевым словам. Например, если экскурсии в Москве, то запрос мог выглядеть так «Красная площадь, нулевой километр, Собор Василия Блаженного». И в зависимости от количества совпадений ключевых слов с описанием экскурсии, выводился бы рейтинг экскурсий по этим словам. Чтобы экскурсоводу было проще определить, сколько человек будет на экскурсии, можно добавить </a:t>
             </a:r>
             <a:r>
               <a:rPr lang="en-US" sz="1200" kern="1200" dirty="0" smtClean="0">
@@ -3291,55 +2948,7 @@
                 <a:ea typeface="+mn-ea"/>
                 <a:cs typeface="+mn-cs"/>
               </a:rPr>
-              <a:t>анимация) </a:t>
-            </a:r>
-            <a:r>
-              <a:rPr lang="ru-RU" sz="1200" kern="1200" dirty="0" smtClean="0">
-                <a:solidFill>
-                  <a:schemeClr val="tx1"/>
-                </a:solidFill>
-                <a:effectLst/>
-                <a:latin typeface="+mn-lt"/>
-                <a:ea typeface="+mn-ea"/>
-                <a:cs typeface="+mn-cs"/>
-              </a:rPr>
-              <a:t>поиск экскурсий в городе по ключевым словам. Например, если экскурсии в Москве, то запрос мог выглядеть так «Красная площадь, нулевой километр, Собор Василия Блаженного». И в зависимости от количества совпадений ключевых слов с описанием экскурсии, выводился бы рейтинг экскурсий по этим словам. Чтобы экскурсоводу было проще определить, сколько человек будет на экскурсии, можно добавить </a:t>
-            </a:r>
-            <a:r>
-              <a:rPr lang="en-US" sz="1200" kern="1200" dirty="0" smtClean="0">
-                <a:solidFill>
-                  <a:schemeClr val="tx1"/>
-                </a:solidFill>
-                <a:effectLst/>
-                <a:latin typeface="+mn-lt"/>
-                <a:ea typeface="+mn-ea"/>
-                <a:cs typeface="+mn-cs"/>
-              </a:rPr>
-              <a:t>(</a:t>
-            </a:r>
-            <a:r>
-              <a:rPr lang="ru-RU" sz="1200" kern="1200" dirty="0" smtClean="0">
-                <a:solidFill>
-                  <a:schemeClr val="tx1"/>
-                </a:solidFill>
-                <a:effectLst/>
-                <a:latin typeface="+mn-lt"/>
-                <a:ea typeface="+mn-ea"/>
-                <a:cs typeface="+mn-cs"/>
-              </a:rPr>
-              <a:t>анимация)</a:t>
-            </a:r>
-            <a:r>
-              <a:rPr lang="ru-RU" sz="1200" kern="1200" dirty="0" smtClean="0">
-                <a:solidFill>
-                  <a:schemeClr val="tx1"/>
-                </a:solidFill>
-                <a:effectLst/>
-                <a:latin typeface="+mn-lt"/>
-                <a:ea typeface="+mn-ea"/>
-                <a:cs typeface="+mn-cs"/>
-              </a:rPr>
-              <a:t> возможность записаться на экскурсию по электронной почте с подтверждением этой почты. А в описании экскурсии отображалось бы, сколько человек уже записались.</a:t>
+              <a:t>анимация) возможность записаться на экскурсию по электронной почте с подтверждением этой почты. А в описании экскурсии отображалось бы, сколько человек уже записались.</a:t>
             </a:r>
           </a:p>
           <a:p>
@@ -3598,7 +3207,7 @@
           <a:p>
             <a:fld id="{57ACE201-06C7-4F14-88C9-FBFB9E3406F5}" type="datetimeFigureOut">
               <a:rPr lang="ru-RU" smtClean="0"/>
-              <a:t>21.04.2019</a:t>
+              <a:t>07.05.2019</a:t>
             </a:fld>
             <a:endParaRPr lang="ru-RU"/>
           </a:p>
@@ -3768,7 +3377,7 @@
           <a:p>
             <a:fld id="{57ACE201-06C7-4F14-88C9-FBFB9E3406F5}" type="datetimeFigureOut">
               <a:rPr lang="ru-RU" smtClean="0"/>
-              <a:t>21.04.2019</a:t>
+              <a:t>07.05.2019</a:t>
             </a:fld>
             <a:endParaRPr lang="ru-RU"/>
           </a:p>
@@ -3948,7 +3557,7 @@
           <a:p>
             <a:fld id="{57ACE201-06C7-4F14-88C9-FBFB9E3406F5}" type="datetimeFigureOut">
               <a:rPr lang="ru-RU" smtClean="0"/>
-              <a:t>21.04.2019</a:t>
+              <a:t>07.05.2019</a:t>
             </a:fld>
             <a:endParaRPr lang="ru-RU"/>
           </a:p>
@@ -4118,7 +3727,7 @@
           <a:p>
             <a:fld id="{57ACE201-06C7-4F14-88C9-FBFB9E3406F5}" type="datetimeFigureOut">
               <a:rPr lang="ru-RU" smtClean="0"/>
-              <a:t>21.04.2019</a:t>
+              <a:t>07.05.2019</a:t>
             </a:fld>
             <a:endParaRPr lang="ru-RU"/>
           </a:p>
@@ -4364,7 +3973,7 @@
           <a:p>
             <a:fld id="{57ACE201-06C7-4F14-88C9-FBFB9E3406F5}" type="datetimeFigureOut">
               <a:rPr lang="ru-RU" smtClean="0"/>
-              <a:t>21.04.2019</a:t>
+              <a:t>07.05.2019</a:t>
             </a:fld>
             <a:endParaRPr lang="ru-RU"/>
           </a:p>
@@ -4596,7 +4205,7 @@
           <a:p>
             <a:fld id="{57ACE201-06C7-4F14-88C9-FBFB9E3406F5}" type="datetimeFigureOut">
               <a:rPr lang="ru-RU" smtClean="0"/>
-              <a:t>21.04.2019</a:t>
+              <a:t>07.05.2019</a:t>
             </a:fld>
             <a:endParaRPr lang="ru-RU"/>
           </a:p>
@@ -4963,7 +4572,7 @@
           <a:p>
             <a:fld id="{57ACE201-06C7-4F14-88C9-FBFB9E3406F5}" type="datetimeFigureOut">
               <a:rPr lang="ru-RU" smtClean="0"/>
-              <a:t>21.04.2019</a:t>
+              <a:t>07.05.2019</a:t>
             </a:fld>
             <a:endParaRPr lang="ru-RU"/>
           </a:p>
@@ -5081,7 +4690,7 @@
           <a:p>
             <a:fld id="{57ACE201-06C7-4F14-88C9-FBFB9E3406F5}" type="datetimeFigureOut">
               <a:rPr lang="ru-RU" smtClean="0"/>
-              <a:t>21.04.2019</a:t>
+              <a:t>07.05.2019</a:t>
             </a:fld>
             <a:endParaRPr lang="ru-RU"/>
           </a:p>
@@ -5176,7 +4785,7 @@
           <a:p>
             <a:fld id="{57ACE201-06C7-4F14-88C9-FBFB9E3406F5}" type="datetimeFigureOut">
               <a:rPr lang="ru-RU" smtClean="0"/>
-              <a:t>21.04.2019</a:t>
+              <a:t>07.05.2019</a:t>
             </a:fld>
             <a:endParaRPr lang="ru-RU"/>
           </a:p>
@@ -5453,7 +5062,7 @@
           <a:p>
             <a:fld id="{57ACE201-06C7-4F14-88C9-FBFB9E3406F5}" type="datetimeFigureOut">
               <a:rPr lang="ru-RU" smtClean="0"/>
-              <a:t>21.04.2019</a:t>
+              <a:t>07.05.2019</a:t>
             </a:fld>
             <a:endParaRPr lang="ru-RU"/>
           </a:p>
@@ -5706,7 +5315,7 @@
           <a:p>
             <a:fld id="{57ACE201-06C7-4F14-88C9-FBFB9E3406F5}" type="datetimeFigureOut">
               <a:rPr lang="ru-RU" smtClean="0"/>
-              <a:t>21.04.2019</a:t>
+              <a:t>07.05.2019</a:t>
             </a:fld>
             <a:endParaRPr lang="ru-RU"/>
           </a:p>
@@ -5919,7 +5528,7 @@
           <a:p>
             <a:fld id="{57ACE201-06C7-4F14-88C9-FBFB9E3406F5}" type="datetimeFigureOut">
               <a:rPr lang="ru-RU" smtClean="0"/>
-              <a:t>21.04.2019</a:t>
+              <a:t>07.05.2019</a:t>
             </a:fld>
             <a:endParaRPr lang="ru-RU"/>
           </a:p>
@@ -7236,7 +6845,7 @@
         <p:spPr>
           <a:xfrm>
             <a:off x="1124662" y="1033199"/>
-            <a:ext cx="9657637" cy="4862485"/>
+            <a:ext cx="9657637" cy="4879990"/>
           </a:xfrm>
           <a:prstGeom prst="rect">
             <a:avLst/>
@@ -7470,14 +7079,16 @@
                 <a:ea typeface="Calibri" panose="020F0502020204030204" pitchFamily="34" charset="0"/>
                 <a:cs typeface="Times New Roman" panose="02020603050405020304" pitchFamily="18" charset="0"/>
               </a:rPr>
-              <a:t>Описание места встречи, чтобы было удобнее его найти</a:t>
-            </a:r>
-            <a:endParaRPr lang="ru-RU" sz="2400" dirty="0" smtClean="0">
-              <a:effectLst/>
-              <a:latin typeface="Calibri" panose="020F0502020204030204" pitchFamily="34" charset="0"/>
-              <a:ea typeface="Calibri" panose="020F0502020204030204" pitchFamily="34" charset="0"/>
-              <a:cs typeface="Times New Roman" panose="02020603050405020304" pitchFamily="18" charset="0"/>
-            </a:endParaRPr>
+              <a:t>Описание места </a:t>
+            </a:r>
+            <a:r>
+              <a:rPr lang="ru-RU" sz="2400" dirty="0" smtClean="0">
+                <a:latin typeface="Calibri" panose="020F0502020204030204" pitchFamily="34" charset="0"/>
+                <a:ea typeface="Calibri" panose="020F0502020204030204" pitchFamily="34" charset="0"/>
+                <a:cs typeface="Times New Roman" panose="02020603050405020304" pitchFamily="18" charset="0"/>
+              </a:rPr>
+              <a:t>встречи</a:t>
+            </a:r>
           </a:p>
           <a:p>
             <a:pPr marL="342900" lvl="0" indent="-342900">
@@ -7488,18 +7099,26 @@
                 <a:spcPts val="1200"/>
               </a:spcBef>
               <a:spcAft>
-                <a:spcPts val="800"/>
+                <a:spcPts val="0"/>
               </a:spcAft>
               <a:buFont typeface="Arial" panose="020B0604020202020204" pitchFamily="34" charset="0"/>
               <a:buChar char="•"/>
             </a:pPr>
             <a:r>
+              <a:rPr lang="ru-RU" sz="2400" dirty="0" smtClean="0">
+                <a:latin typeface="Calibri" panose="020F0502020204030204" pitchFamily="34" charset="0"/>
+                <a:ea typeface="Calibri" panose="020F0502020204030204" pitchFamily="34" charset="0"/>
+                <a:cs typeface="Times New Roman" panose="02020603050405020304" pitchFamily="18" charset="0"/>
+              </a:rPr>
+              <a:t>Телефон </a:t>
+            </a:r>
+            <a:r>
               <a:rPr lang="ru-RU" sz="2400" dirty="0">
                 <a:latin typeface="Calibri" panose="020F0502020204030204" pitchFamily="34" charset="0"/>
                 <a:ea typeface="Calibri" panose="020F0502020204030204" pitchFamily="34" charset="0"/>
                 <a:cs typeface="Times New Roman" panose="02020603050405020304" pitchFamily="18" charset="0"/>
               </a:rPr>
-              <a:t>Телефон экскурсовода</a:t>
+              <a:t>экскурсовода</a:t>
             </a:r>
             <a:endParaRPr lang="ru-RU" sz="2400" dirty="0">
               <a:effectLst/>
@@ -8142,7 +7761,7 @@
         <p:spPr>
           <a:xfrm>
             <a:off x="4394200" y="1041636"/>
-            <a:ext cx="6096000" cy="5257658"/>
+            <a:ext cx="6096000" cy="4879990"/>
           </a:xfrm>
           <a:prstGeom prst="rect">
             <a:avLst/>
@@ -8318,14 +7937,8 @@
                 <a:ea typeface="Calibri" panose="020F0502020204030204" pitchFamily="34" charset="0"/>
                 <a:cs typeface="Times New Roman" panose="02020603050405020304" pitchFamily="18" charset="0"/>
               </a:rPr>
-              <a:t>Описание экскурсии – какие места будут посещены и т.п.</a:t>
-            </a:r>
-            <a:endParaRPr lang="ru-RU" sz="2400" dirty="0" smtClean="0">
-              <a:effectLst/>
-              <a:latin typeface="Calibri" panose="020F0502020204030204" pitchFamily="34" charset="0"/>
-              <a:ea typeface="Calibri" panose="020F0502020204030204" pitchFamily="34" charset="0"/>
-              <a:cs typeface="Times New Roman" panose="02020603050405020304" pitchFamily="18" charset="0"/>
-            </a:endParaRPr>
+              <a:t>Описание экскурсии </a:t>
+            </a:r>
           </a:p>
           <a:p>
             <a:pPr marL="342900" lvl="0" indent="-342900">

--- a/presentation.pptx
+++ b/presentation.pptx
@@ -5,17 +5,19 @@
     <p:sldMasterId id="2147483648" r:id="rId1"/>
   </p:sldMasterIdLst>
   <p:notesMasterIdLst>
-    <p:notesMasterId r:id="rId10"/>
+    <p:notesMasterId r:id="rId12"/>
   </p:notesMasterIdLst>
   <p:sldIdLst>
     <p:sldId id="256" r:id="rId2"/>
-    <p:sldId id="257" r:id="rId3"/>
-    <p:sldId id="258" r:id="rId4"/>
+    <p:sldId id="264" r:id="rId3"/>
+    <p:sldId id="257" r:id="rId4"/>
     <p:sldId id="259" r:id="rId5"/>
-    <p:sldId id="260" r:id="rId6"/>
-    <p:sldId id="261" r:id="rId7"/>
-    <p:sldId id="262" r:id="rId8"/>
-    <p:sldId id="263" r:id="rId9"/>
+    <p:sldId id="265" r:id="rId6"/>
+    <p:sldId id="266" r:id="rId7"/>
+    <p:sldId id="267" r:id="rId8"/>
+    <p:sldId id="260" r:id="rId9"/>
+    <p:sldId id="262" r:id="rId10"/>
+    <p:sldId id="263" r:id="rId11"/>
   </p:sldIdLst>
   <p:sldSz cx="12192000" cy="6858000"/>
   <p:notesSz cx="6858000" cy="9144000"/>
@@ -204,7 +206,7 @@
           <a:p>
             <a:fld id="{EFD8F493-7405-4C36-AC30-86784F8B8D61}" type="datetimeFigureOut">
               <a:rPr lang="ru-RU" smtClean="0"/>
-              <a:t>07.05.2019</a:t>
+              <a:t>10.05.2019</a:t>
             </a:fld>
             <a:endParaRPr lang="ru-RU"/>
           </a:p>
@@ -516,6 +518,152 @@
           <a:bodyPr/>
           <a:lstStyle/>
           <a:p>
+            <a:r>
+              <a:rPr lang="ru-RU" sz="1200" kern="1200" dirty="0" smtClean="0">
+                <a:solidFill>
+                  <a:schemeClr val="tx1"/>
+                </a:solidFill>
+                <a:effectLst/>
+                <a:latin typeface="+mn-lt"/>
+                <a:ea typeface="+mn-ea"/>
+                <a:cs typeface="+mn-cs"/>
+              </a:rPr>
+              <a:t>Навык </a:t>
+            </a:r>
+            <a:r>
+              <a:rPr lang="ru-RU" sz="1200" kern="1200" dirty="0" err="1" smtClean="0">
+                <a:solidFill>
+                  <a:schemeClr val="tx1"/>
+                </a:solidFill>
+                <a:effectLst/>
+                <a:latin typeface="+mn-lt"/>
+                <a:ea typeface="+mn-ea"/>
+                <a:cs typeface="+mn-cs"/>
+              </a:rPr>
+              <a:t>skillTour</a:t>
+            </a:r>
+            <a:r>
+              <a:rPr lang="ru-RU" sz="1200" kern="1200" dirty="0" smtClean="0">
+                <a:solidFill>
+                  <a:schemeClr val="tx1"/>
+                </a:solidFill>
+                <a:effectLst/>
+                <a:latin typeface="+mn-lt"/>
+                <a:ea typeface="+mn-ea"/>
+                <a:cs typeface="+mn-cs"/>
+              </a:rPr>
+              <a:t> - это навык для экскурсоводов и путешественников. Здесь каждый может добавить экскурсию, если вдруг у него появится желание провести экскурсию и рассказать другим людям, например, о достопримечательностях своего города. Другие же могут увидеть все экскурсии, которые были добавлены в навык, на карте. А по номеру экскурсии в городе любой может получить всю информацию об этой экскурсии, которую указывал автор. Активационное имя для навыка: "Запусти навык </a:t>
+            </a:r>
+            <a:r>
+              <a:rPr lang="ru-RU" sz="1200" kern="1200" dirty="0" err="1" smtClean="0">
+                <a:solidFill>
+                  <a:schemeClr val="tx1"/>
+                </a:solidFill>
+                <a:effectLst/>
+                <a:latin typeface="+mn-lt"/>
+                <a:ea typeface="+mn-ea"/>
+                <a:cs typeface="+mn-cs"/>
+              </a:rPr>
+              <a:t>скилтур</a:t>
+            </a:r>
+            <a:r>
+              <a:rPr lang="ru-RU" sz="1200" kern="1200" dirty="0" smtClean="0">
+                <a:solidFill>
+                  <a:schemeClr val="tx1"/>
+                </a:solidFill>
+                <a:effectLst/>
+                <a:latin typeface="+mn-lt"/>
+                <a:ea typeface="+mn-ea"/>
+                <a:cs typeface="+mn-cs"/>
+              </a:rPr>
+              <a:t>". </a:t>
+            </a:r>
+          </a:p>
+          <a:p>
+            <a:endParaRPr lang="ru-RU" dirty="0"/>
+          </a:p>
+        </p:txBody>
+      </p:sp>
+      <p:sp>
+        <p:nvSpPr>
+          <p:cNvPr id="4" name="Номер слайда 3"/>
+          <p:cNvSpPr>
+            <a:spLocks noGrp="1"/>
+          </p:cNvSpPr>
+          <p:nvPr>
+            <p:ph type="sldNum" sz="quarter" idx="10"/>
+          </p:nvPr>
+        </p:nvSpPr>
+        <p:spPr/>
+        <p:txBody>
+          <a:bodyPr/>
+          <a:lstStyle/>
+          <a:p>
+            <a:fld id="{6706262F-AF71-411F-BE67-38E7F4AFAA37}" type="slidenum">
+              <a:rPr lang="ru-RU" smtClean="0"/>
+              <a:t>1</a:t>
+            </a:fld>
+            <a:endParaRPr lang="ru-RU"/>
+          </a:p>
+        </p:txBody>
+      </p:sp>
+    </p:spTree>
+    <p:extLst>
+      <p:ext uri="{BB962C8B-B14F-4D97-AF65-F5344CB8AC3E}">
+        <p14:creationId xmlns:p14="http://schemas.microsoft.com/office/powerpoint/2010/main" val="2501964744"/>
+      </p:ext>
+    </p:extLst>
+  </p:cSld>
+  <p:clrMapOvr>
+    <a:masterClrMapping/>
+  </p:clrMapOvr>
+</p:notes>
+</file>
+
+<file path=ppt/notesSlides/notesSlide10.xml><?xml version="1.0" encoding="utf-8"?>
+<p:notes xmlns:a="http://schemas.openxmlformats.org/drawingml/2006/main" xmlns:r="http://schemas.openxmlformats.org/officeDocument/2006/relationships" xmlns:p="http://schemas.openxmlformats.org/presentationml/2006/main">
+  <p:cSld>
+    <p:spTree>
+      <p:nvGrpSpPr>
+        <p:cNvPr id="1" name=""/>
+        <p:cNvGrpSpPr/>
+        <p:nvPr/>
+      </p:nvGrpSpPr>
+      <p:grpSpPr>
+        <a:xfrm>
+          <a:off x="0" y="0"/>
+          <a:ext cx="0" cy="0"/>
+          <a:chOff x="0" y="0"/>
+          <a:chExt cx="0" cy="0"/>
+        </a:xfrm>
+      </p:grpSpPr>
+      <p:sp>
+        <p:nvSpPr>
+          <p:cNvPr id="2" name="Образ слайда 1"/>
+          <p:cNvSpPr>
+            <a:spLocks noGrp="1" noRot="1" noChangeAspect="1"/>
+          </p:cNvSpPr>
+          <p:nvPr>
+            <p:ph type="sldImg"/>
+          </p:nvPr>
+        </p:nvSpPr>
+        <p:spPr/>
+      </p:sp>
+      <p:sp>
+        <p:nvSpPr>
+          <p:cNvPr id="3" name="Заметки 2"/>
+          <p:cNvSpPr>
+            <a:spLocks noGrp="1"/>
+          </p:cNvSpPr>
+          <p:nvPr>
+            <p:ph type="body" idx="1"/>
+          </p:nvPr>
+        </p:nvSpPr>
+        <p:spPr/>
+        <p:txBody>
+          <a:bodyPr/>
+          <a:lstStyle/>
+          <a:p>
             <a:pPr marL="0" marR="0" lvl="0" indent="0" algn="l" defTabSz="914400" rtl="0" eaLnBrk="1" fontAlgn="auto" latinLnBrk="0" hangingPunct="1">
               <a:lnSpc>
                 <a:spcPct val="100000"/>
@@ -543,79 +691,19 @@
                 <a:ea typeface="+mn-ea"/>
                 <a:cs typeface="+mn-cs"/>
               </a:rPr>
-              <a:t>Навык </a:t>
-            </a:r>
-            <a:r>
-              <a:rPr lang="ru-RU" sz="1200" kern="1200" dirty="0" err="1" smtClean="0">
-                <a:solidFill>
-                  <a:schemeClr val="tx1"/>
-                </a:solidFill>
-                <a:effectLst/>
-                <a:latin typeface="+mn-lt"/>
-                <a:ea typeface="+mn-ea"/>
-                <a:cs typeface="+mn-cs"/>
-              </a:rPr>
-              <a:t>skillTour</a:t>
-            </a:r>
-            <a:r>
-              <a:rPr lang="ru-RU" sz="1200" kern="1200" dirty="0" smtClean="0">
-                <a:solidFill>
-                  <a:schemeClr val="tx1"/>
-                </a:solidFill>
-                <a:effectLst/>
-                <a:latin typeface="+mn-lt"/>
-                <a:ea typeface="+mn-ea"/>
-                <a:cs typeface="+mn-cs"/>
-              </a:rPr>
-              <a:t> – это</a:t>
-            </a:r>
-            <a:r>
-              <a:rPr lang="ru-RU" sz="1200" kern="1200" baseline="0" dirty="0" smtClean="0">
-                <a:solidFill>
-                  <a:schemeClr val="tx1"/>
-                </a:solidFill>
-                <a:effectLst/>
-                <a:latin typeface="+mn-lt"/>
-                <a:ea typeface="+mn-ea"/>
-                <a:cs typeface="+mn-cs"/>
-              </a:rPr>
-              <a:t> </a:t>
-            </a:r>
-            <a:r>
-              <a:rPr lang="ru-RU" sz="1200" kern="1200" dirty="0" smtClean="0">
-                <a:solidFill>
-                  <a:schemeClr val="tx1"/>
-                </a:solidFill>
-                <a:effectLst/>
-                <a:latin typeface="+mn-lt"/>
-                <a:ea typeface="+mn-ea"/>
-                <a:cs typeface="+mn-cs"/>
-              </a:rPr>
-              <a:t>навык для экскурсоводов и путешественников. Здесь каждый может добавить экскурсию, если вдруг у него появится желание провести экскурсию и рассказать другим людям, например, о достопримечательностях своего города. Другие же могут увидеть все экскурсии, которые были добавлены в навык, на карте. А по номеру экскурсии могут получить всю информацию об этой экскурсии, которую указывал экскурсовод: адрес проведения, дата проведения, стоимость, описание экскурсии, ФИО экскурсовода, номер телефона экскурсовода и т.д. Активационное имя для навыка: "Запусти навык </a:t>
-            </a:r>
-            <a:r>
-              <a:rPr lang="ru-RU" sz="1200" kern="1200" dirty="0" err="1" smtClean="0">
-                <a:solidFill>
-                  <a:schemeClr val="tx1"/>
-                </a:solidFill>
-                <a:effectLst/>
-                <a:latin typeface="+mn-lt"/>
-                <a:ea typeface="+mn-ea"/>
-                <a:cs typeface="+mn-cs"/>
-              </a:rPr>
-              <a:t>скилтур</a:t>
-            </a:r>
-            <a:r>
-              <a:rPr lang="ru-RU" sz="1200" kern="1200" dirty="0" smtClean="0">
-                <a:solidFill>
-                  <a:schemeClr val="tx1"/>
-                </a:solidFill>
-                <a:effectLst/>
-                <a:latin typeface="+mn-lt"/>
-                <a:ea typeface="+mn-ea"/>
-                <a:cs typeface="+mn-cs"/>
-              </a:rPr>
-              <a:t>". </a:t>
+              <a:t>На этом у меня все. </a:t>
+            </a:r>
+            <a:r>
+              <a:rPr lang="ru-RU" sz="1200" kern="1200" smtClean="0">
+                <a:solidFill>
+                  <a:schemeClr val="tx1"/>
+                </a:solidFill>
+                <a:effectLst/>
+                <a:latin typeface="+mn-lt"/>
+                <a:ea typeface="+mn-ea"/>
+                <a:cs typeface="+mn-cs"/>
+              </a:rPr>
+              <a:t>Есть у кого-нибудь вопросы по поводу проекта?</a:t>
             </a:r>
           </a:p>
           <a:p>
@@ -640,7 +728,7 @@
           <a:p>
             <a:fld id="{6706262F-AF71-411F-BE67-38E7F4AFAA37}" type="slidenum">
               <a:rPr lang="ru-RU" smtClean="0"/>
-              <a:t>1</a:t>
+              <a:t>10</a:t>
             </a:fld>
             <a:endParaRPr lang="ru-RU"/>
           </a:p>
@@ -649,7 +737,7 @@
     </p:spTree>
     <p:extLst>
       <p:ext uri="{BB962C8B-B14F-4D97-AF65-F5344CB8AC3E}">
-        <p14:creationId xmlns:p14="http://schemas.microsoft.com/office/powerpoint/2010/main" val="2501964744"/>
+        <p14:creationId xmlns:p14="http://schemas.microsoft.com/office/powerpoint/2010/main" val="1217312914"/>
       </p:ext>
     </p:extLst>
   </p:cSld>
@@ -703,7 +791,6 @@
           <a:bodyPr/>
           <a:lstStyle/>
           <a:p>
-            <a:pPr lvl="0"/>
             <a:r>
               <a:rPr lang="ru-RU" sz="1200" kern="1200" dirty="0" smtClean="0">
                 <a:solidFill>
@@ -714,11 +801,22 @@
                 <a:ea typeface="+mn-ea"/>
                 <a:cs typeface="+mn-cs"/>
               </a:rPr>
-              <a:t>1) (анимация) Показать все экскурсии – будет показана карта с метками экскурсий в городах</a:t>
-            </a:r>
-          </a:p>
-          <a:p>
-            <a:pPr lvl="0"/>
+              <a:t>В навыке есть два типа экскурсий: «живые» экскурсии и аудио экскурсии. «Живые» экскурсии – это экскурсии, которые проводит экскурсовод. У него есть возможность добавить такие экскурсии в навык, при этом нужно указать некоторые поля, которые мы рассмотрим чуть позже. Это экскурсии, которые проводит экскурсовод, вам нужно с ним встретиться. Функция навыка в этом случае – это база данных таких экскурсий, которую любой может пополнить.</a:t>
+            </a:r>
+          </a:p>
+          <a:p>
+            <a:r>
+              <a:rPr lang="ru-RU" sz="1200" kern="1200" dirty="0" err="1" smtClean="0">
+                <a:solidFill>
+                  <a:schemeClr val="tx1"/>
+                </a:solidFill>
+                <a:effectLst/>
+                <a:latin typeface="+mn-lt"/>
+                <a:ea typeface="+mn-ea"/>
+                <a:cs typeface="+mn-cs"/>
+              </a:rPr>
+              <a:t>Аудиоэкскурсии</a:t>
+            </a:r>
             <a:r>
               <a:rPr lang="ru-RU" sz="1200" kern="1200" dirty="0" smtClean="0">
                 <a:solidFill>
@@ -729,121 +827,7 @@
                 <a:ea typeface="+mn-ea"/>
                 <a:cs typeface="+mn-cs"/>
               </a:rPr>
-              <a:t>2) (анимация) Добавить экскурсию</a:t>
-            </a:r>
-          </a:p>
-          <a:p>
-            <a:pPr lvl="0"/>
-            <a:r>
-              <a:rPr lang="ru-RU" sz="1200" kern="1200" dirty="0" smtClean="0">
-                <a:solidFill>
-                  <a:schemeClr val="tx1"/>
-                </a:solidFill>
-                <a:effectLst/>
-                <a:latin typeface="+mn-lt"/>
-                <a:ea typeface="+mn-ea"/>
-                <a:cs typeface="+mn-cs"/>
-              </a:rPr>
-              <a:t>3) (анимация) Города, в которых есть экскурсии</a:t>
-            </a:r>
-          </a:p>
-          <a:p>
-            <a:pPr lvl="0"/>
-            <a:r>
-              <a:rPr lang="ru-RU" sz="1200" kern="1200" dirty="0" smtClean="0">
-                <a:solidFill>
-                  <a:schemeClr val="tx1"/>
-                </a:solidFill>
-                <a:effectLst/>
-                <a:latin typeface="+mn-lt"/>
-                <a:ea typeface="+mn-ea"/>
-                <a:cs typeface="+mn-cs"/>
-              </a:rPr>
-              <a:t>4) (анимация) Показать экскурсии в каком-либо городе – будет показана карта с метками, на которых будут номера экскурсий в данном городе</a:t>
-            </a:r>
-          </a:p>
-          <a:p>
-            <a:r>
-              <a:rPr lang="ru-RU" sz="1200" kern="1200" dirty="0" smtClean="0">
-                <a:solidFill>
-                  <a:schemeClr val="tx1"/>
-                </a:solidFill>
-                <a:effectLst/>
-                <a:latin typeface="+mn-lt"/>
-                <a:ea typeface="+mn-ea"/>
-                <a:cs typeface="+mn-cs"/>
-              </a:rPr>
-              <a:t> </a:t>
-            </a:r>
-          </a:p>
-          <a:p>
-            <a:r>
-              <a:rPr lang="ru-RU" sz="1200" kern="1200" dirty="0" smtClean="0">
-                <a:solidFill>
-                  <a:schemeClr val="tx1"/>
-                </a:solidFill>
-                <a:effectLst/>
-                <a:latin typeface="+mn-lt"/>
-                <a:ea typeface="+mn-ea"/>
-                <a:cs typeface="+mn-cs"/>
-              </a:rPr>
-              <a:t>После показа экскурсий в каком-то городе, у каждой экскурсии будет свой номер в этом городе. По этому номеру можно выполнить следующие команды:</a:t>
-            </a:r>
-          </a:p>
-          <a:p>
-            <a:r>
-              <a:rPr lang="ru-RU" sz="1200" kern="1200" dirty="0" smtClean="0">
-                <a:solidFill>
-                  <a:schemeClr val="tx1"/>
-                </a:solidFill>
-                <a:effectLst/>
-                <a:latin typeface="+mn-lt"/>
-                <a:ea typeface="+mn-ea"/>
-                <a:cs typeface="+mn-cs"/>
-              </a:rPr>
-              <a:t> </a:t>
-            </a:r>
-          </a:p>
-          <a:p>
-            <a:r>
-              <a:rPr lang="ru-RU" sz="1200" kern="1200" dirty="0" smtClean="0">
-                <a:solidFill>
-                  <a:schemeClr val="tx1"/>
-                </a:solidFill>
-                <a:effectLst/>
-                <a:latin typeface="+mn-lt"/>
-                <a:ea typeface="+mn-ea"/>
-                <a:cs typeface="+mn-cs"/>
-              </a:rPr>
-              <a:t>1) (анимация) Показать экскурсию номер &lt;номер экскурсии&gt; - будет показана информация об экскурсии</a:t>
-            </a:r>
-          </a:p>
-          <a:p>
-            <a:r>
-              <a:rPr lang="ru-RU" sz="1200" kern="1200" dirty="0" smtClean="0">
-                <a:solidFill>
-                  <a:schemeClr val="tx1"/>
-                </a:solidFill>
-                <a:effectLst/>
-                <a:latin typeface="+mn-lt"/>
-                <a:ea typeface="+mn-ea"/>
-                <a:cs typeface="+mn-cs"/>
-              </a:rPr>
-              <a:t>2) (анимация) Удалить экскурсию номер &lt;номер экскурсии&gt; - будет вызвана команда удаления экскурсии, но для этого нужно ввести пароль, который указывается при добавлении</a:t>
-            </a:r>
-          </a:p>
-          <a:p>
-            <a:r>
-              <a:rPr lang="ru-RU" sz="1200" kern="1200" dirty="0" smtClean="0">
-                <a:solidFill>
-                  <a:schemeClr val="tx1"/>
-                </a:solidFill>
-                <a:effectLst/>
-                <a:latin typeface="+mn-lt"/>
-                <a:ea typeface="+mn-ea"/>
-                <a:cs typeface="+mn-cs"/>
-              </a:rPr>
-              <a:t>3) (анимация) Редактировать экскурсию номер &lt;номер экскурсии&gt; - можно отредактировать все поля экскурсии. Но опять же нужно указать пароль</a:t>
+              <a:t> – это экскурсии без экскурсовода. Вы идете по улице, а Алиса будет вам рассказывать о достопримечательностях города. Такие экскурсии также каждый может добавить. Сейчас я расскажу о каждом типе экскурсий по подробнее.</a:t>
             </a:r>
           </a:p>
           <a:p>
@@ -877,7 +861,7 @@
     </p:spTree>
     <p:extLst>
       <p:ext uri="{BB962C8B-B14F-4D97-AF65-F5344CB8AC3E}">
-        <p14:creationId xmlns:p14="http://schemas.microsoft.com/office/powerpoint/2010/main" val="1047995705"/>
+        <p14:creationId xmlns:p14="http://schemas.microsoft.com/office/powerpoint/2010/main" val="2261773542"/>
       </p:ext>
     </p:extLst>
   </p:cSld>
@@ -932,30 +916,6 @@
           <a:lstStyle/>
           <a:p>
             <a:r>
-              <a:rPr lang="ru-RU" sz="1200" b="1" kern="1200" dirty="0" smtClean="0">
-                <a:solidFill>
-                  <a:schemeClr val="tx1"/>
-                </a:solidFill>
-                <a:effectLst/>
-                <a:latin typeface="+mn-lt"/>
-                <a:ea typeface="+mn-ea"/>
-                <a:cs typeface="+mn-cs"/>
-              </a:rPr>
-              <a:t>Что нужно указывать для добавления экскурсии</a:t>
-            </a:r>
-            <a:endParaRPr lang="ru-RU" sz="1200" kern="1200" dirty="0" smtClean="0">
-              <a:solidFill>
-                <a:schemeClr val="tx1"/>
-              </a:solidFill>
-              <a:effectLst/>
-              <a:latin typeface="+mn-lt"/>
-              <a:ea typeface="+mn-ea"/>
-              <a:cs typeface="+mn-cs"/>
-            </a:endParaRPr>
-          </a:p>
-          <a:p>
-            <a:pPr lvl="0"/>
-            <a:r>
               <a:rPr lang="ru-RU" sz="1200" kern="1200" dirty="0" smtClean="0">
                 <a:solidFill>
                   <a:schemeClr val="tx1"/>
@@ -965,11 +925,10 @@
                 <a:ea typeface="+mn-ea"/>
                 <a:cs typeface="+mn-cs"/>
               </a:rPr>
-              <a:t>(анимация) Точный адрес начала экскурсии</a:t>
-            </a:r>
-          </a:p>
-          <a:p>
-            <a:pPr lvl="0"/>
+              <a:t>1) (анимация)  Показать все экскурсии – будет показана карта с метками экскурсий в городах</a:t>
+            </a:r>
+          </a:p>
+          <a:p>
             <a:r>
               <a:rPr lang="ru-RU" sz="1200" kern="1200" dirty="0" smtClean="0">
                 <a:solidFill>
@@ -980,11 +939,10 @@
                 <a:ea typeface="+mn-ea"/>
                 <a:cs typeface="+mn-cs"/>
               </a:rPr>
-              <a:t>(анимация) Дата проведения экскурсии</a:t>
-            </a:r>
-          </a:p>
-          <a:p>
-            <a:pPr lvl="0"/>
+              <a:t>2) (анимация)  Добавить экскурсию</a:t>
+            </a:r>
+          </a:p>
+          <a:p>
             <a:r>
               <a:rPr lang="ru-RU" sz="1200" kern="1200" dirty="0" smtClean="0">
                 <a:solidFill>
@@ -995,11 +953,10 @@
                 <a:ea typeface="+mn-ea"/>
                 <a:cs typeface="+mn-cs"/>
               </a:rPr>
-              <a:t>(анимация) Пароль для удаления и редактирования экскурсии</a:t>
-            </a:r>
-          </a:p>
-          <a:p>
-            <a:pPr lvl="0"/>
+              <a:t>3) (анимация)  Города, в которых есть экскурсии</a:t>
+            </a:r>
+          </a:p>
+          <a:p>
             <a:r>
               <a:rPr lang="ru-RU" sz="1200" kern="1200" dirty="0" smtClean="0">
                 <a:solidFill>
@@ -1010,11 +967,10 @@
                 <a:ea typeface="+mn-ea"/>
                 <a:cs typeface="+mn-cs"/>
               </a:rPr>
-              <a:t>(анимация) ФИО экскурсовода</a:t>
-            </a:r>
-          </a:p>
-          <a:p>
-            <a:pPr lvl="0"/>
+              <a:t>4) (анимация) Показать экскурсии в каком-либо городе – будет показана карта с метками, на которых будут номера экскурсий в данном городе</a:t>
+            </a:r>
+          </a:p>
+          <a:p>
             <a:r>
               <a:rPr lang="ru-RU" sz="1200" kern="1200" dirty="0" smtClean="0">
                 <a:solidFill>
@@ -1025,11 +981,10 @@
                 <a:ea typeface="+mn-ea"/>
                 <a:cs typeface="+mn-cs"/>
               </a:rPr>
-              <a:t>(анимация) Название экскурсии</a:t>
-            </a:r>
-          </a:p>
-          <a:p>
-            <a:pPr lvl="0"/>
+              <a:t> </a:t>
+            </a:r>
+          </a:p>
+          <a:p>
             <a:r>
               <a:rPr lang="ru-RU" sz="1200" kern="1200" dirty="0" smtClean="0">
                 <a:solidFill>
@@ -1040,11 +995,10 @@
                 <a:ea typeface="+mn-ea"/>
                 <a:cs typeface="+mn-cs"/>
               </a:rPr>
-              <a:t>(анимация) Краткая информация об экскурсии</a:t>
-            </a:r>
-          </a:p>
-          <a:p>
-            <a:pPr lvl="0"/>
+              <a:t>После показа экскурсий в каком-то городе, у каждой экскурсии будет свой номер в этом городе. По этому номеру можно выполнить следующие команды:</a:t>
+            </a:r>
+          </a:p>
+          <a:p>
             <a:r>
               <a:rPr lang="ru-RU" sz="1200" kern="1200" dirty="0" smtClean="0">
                 <a:solidFill>
@@ -1055,11 +1009,10 @@
                 <a:ea typeface="+mn-ea"/>
                 <a:cs typeface="+mn-cs"/>
               </a:rPr>
-              <a:t>(анимация) Средняя продолжительность экскурсии</a:t>
-            </a:r>
-          </a:p>
-          <a:p>
-            <a:pPr lvl="0"/>
+              <a:t> </a:t>
+            </a:r>
+          </a:p>
+          <a:p>
             <a:r>
               <a:rPr lang="ru-RU" sz="1200" kern="1200" dirty="0" smtClean="0">
                 <a:solidFill>
@@ -1070,11 +1023,10 @@
                 <a:ea typeface="+mn-ea"/>
                 <a:cs typeface="+mn-cs"/>
               </a:rPr>
-              <a:t>(анимация) Описание места встречи, чтобы было удобнее его найти</a:t>
-            </a:r>
-          </a:p>
-          <a:p>
-            <a:pPr lvl="0"/>
+              <a:t>1) (анимация)  Показать экскурсию номер &lt;номер экскурсии&gt; - будет показана информация об экскурсии</a:t>
+            </a:r>
+          </a:p>
+          <a:p>
             <a:r>
               <a:rPr lang="ru-RU" sz="1200" kern="1200" dirty="0" smtClean="0">
                 <a:solidFill>
@@ -1085,11 +1037,10 @@
                 <a:ea typeface="+mn-ea"/>
                 <a:cs typeface="+mn-cs"/>
               </a:rPr>
-              <a:t>(анимация) Телефон экскурсовода</a:t>
-            </a:r>
-          </a:p>
-          <a:p>
-            <a:pPr lvl="0"/>
+              <a:t>2) (анимация)  Удалить экскурсию номер &lt;номер экскурсии&gt; - будет вызвана команда удаления экскурсии, но для этого нужно ввести пароль, который указывается при добавлении</a:t>
+            </a:r>
+          </a:p>
+          <a:p>
             <a:r>
               <a:rPr lang="ru-RU" sz="1200" kern="1200" dirty="0" smtClean="0">
                 <a:solidFill>
@@ -1100,41 +1051,46 @@
                 <a:ea typeface="+mn-ea"/>
                 <a:cs typeface="+mn-cs"/>
               </a:rPr>
-              <a:t>Для всех</a:t>
-            </a:r>
-            <a:r>
-              <a:rPr lang="ru-RU" sz="1200" kern="1200" baseline="0" dirty="0" smtClean="0">
-                <a:solidFill>
-                  <a:schemeClr val="tx1"/>
-                </a:solidFill>
-                <a:effectLst/>
-                <a:latin typeface="+mn-lt"/>
-                <a:ea typeface="+mn-ea"/>
-                <a:cs typeface="+mn-cs"/>
-              </a:rPr>
-              <a:t> этих полей есть функции проверки введенных данных. Они находятся в файле </a:t>
-            </a:r>
-            <a:r>
-              <a:rPr lang="en-US" sz="1200" kern="1200" baseline="0" dirty="0" smtClean="0">
-                <a:solidFill>
-                  <a:schemeClr val="tx1"/>
-                </a:solidFill>
-                <a:effectLst/>
-                <a:latin typeface="+mn-lt"/>
-                <a:ea typeface="+mn-ea"/>
-                <a:cs typeface="+mn-cs"/>
-              </a:rPr>
-              <a:t>checks.py</a:t>
-            </a:r>
-            <a:endParaRPr lang="ru-RU" sz="1200" kern="1200" dirty="0" smtClean="0">
-              <a:solidFill>
-                <a:schemeClr val="tx1"/>
-              </a:solidFill>
-              <a:effectLst/>
-              <a:latin typeface="+mn-lt"/>
-              <a:ea typeface="+mn-ea"/>
-              <a:cs typeface="+mn-cs"/>
-            </a:endParaRPr>
+              <a:t>3) (анимация)  Редактировать экскурсию номер &lt;номер экскурсии&gt; - можно отредактировать все поля экскурсии. Но опять же нужно указать пароль</a:t>
+            </a:r>
+          </a:p>
+          <a:p>
+            <a:r>
+              <a:rPr lang="ru-RU" sz="1200" kern="1200" dirty="0" smtClean="0">
+                <a:solidFill>
+                  <a:schemeClr val="tx1"/>
+                </a:solidFill>
+                <a:effectLst/>
+                <a:latin typeface="+mn-lt"/>
+                <a:ea typeface="+mn-ea"/>
+                <a:cs typeface="+mn-cs"/>
+              </a:rPr>
+              <a:t>(следующий слайд) А вот так будет выводиться </a:t>
+            </a:r>
+            <a:r>
+              <a:rPr lang="ru-RU" sz="1200" kern="1200" dirty="0" err="1" smtClean="0">
+                <a:solidFill>
+                  <a:schemeClr val="tx1"/>
+                </a:solidFill>
+                <a:effectLst/>
+                <a:latin typeface="+mn-lt"/>
+                <a:ea typeface="+mn-ea"/>
+                <a:cs typeface="+mn-cs"/>
+              </a:rPr>
+              <a:t>инфрмация</a:t>
+            </a:r>
+            <a:r>
+              <a:rPr lang="ru-RU" sz="1200" kern="1200" dirty="0" smtClean="0">
+                <a:solidFill>
+                  <a:schemeClr val="tx1"/>
+                </a:solidFill>
+                <a:effectLst/>
+                <a:latin typeface="+mn-lt"/>
+                <a:ea typeface="+mn-ea"/>
+                <a:cs typeface="+mn-cs"/>
+              </a:rPr>
+              <a:t> об экскурсии. При добавлении экскурсии нужно указывать все тоже самое, ну и пароль. Вы можете оценить экскурсию по описанию, увидеть ее стоимость, и если у вас возникнет желание посетить эту экскурсию, можете позвонить экскурсоводу.</a:t>
+            </a:r>
           </a:p>
           <a:p>
             <a:endParaRPr lang="ru-RU" dirty="0"/>
@@ -1167,7 +1123,7 @@
     </p:spTree>
     <p:extLst>
       <p:ext uri="{BB962C8B-B14F-4D97-AF65-F5344CB8AC3E}">
-        <p14:creationId xmlns:p14="http://schemas.microsoft.com/office/powerpoint/2010/main" val="1734846291"/>
+        <p14:creationId xmlns:p14="http://schemas.microsoft.com/office/powerpoint/2010/main" val="1047995705"/>
       </p:ext>
     </p:extLst>
   </p:cSld>
@@ -1222,16 +1178,52 @@
           <a:lstStyle/>
           <a:p>
             <a:r>
-              <a:rPr lang="ru-RU" sz="1200" b="1" kern="1200" dirty="0" smtClean="0">
-                <a:solidFill>
-                  <a:schemeClr val="tx1"/>
-                </a:solidFill>
-                <a:effectLst/>
-                <a:latin typeface="+mn-lt"/>
-                <a:ea typeface="+mn-ea"/>
-                <a:cs typeface="+mn-cs"/>
-              </a:rPr>
-              <a:t>Как будет выводиться информация об экскурсии</a:t>
+              <a:rPr lang="ru-RU" sz="1200" kern="1200" dirty="0" smtClean="0">
+                <a:solidFill>
+                  <a:schemeClr val="tx1"/>
+                </a:solidFill>
+                <a:effectLst/>
+                <a:latin typeface="+mn-lt"/>
+                <a:ea typeface="+mn-ea"/>
+                <a:cs typeface="+mn-cs"/>
+              </a:rPr>
+              <a:t>А вот так будет выводиться </a:t>
+            </a:r>
+            <a:r>
+              <a:rPr lang="ru-RU" sz="1200" kern="1200" dirty="0" err="1" smtClean="0">
+                <a:solidFill>
+                  <a:schemeClr val="tx1"/>
+                </a:solidFill>
+                <a:effectLst/>
+                <a:latin typeface="+mn-lt"/>
+                <a:ea typeface="+mn-ea"/>
+                <a:cs typeface="+mn-cs"/>
+              </a:rPr>
+              <a:t>инфрмация</a:t>
+            </a:r>
+            <a:r>
+              <a:rPr lang="ru-RU" sz="1200" kern="1200" dirty="0" smtClean="0">
+                <a:solidFill>
+                  <a:schemeClr val="tx1"/>
+                </a:solidFill>
+                <a:effectLst/>
+                <a:latin typeface="+mn-lt"/>
+                <a:ea typeface="+mn-ea"/>
+                <a:cs typeface="+mn-cs"/>
+              </a:rPr>
+              <a:t> об экскурсии. При добавлении экскурсии нужно указывать все тоже самое, ну и пароль. Вы можете оценить экскурсию по описанию, увидеть ее стоимость, и если у вас возникнет желание посетить эту экскурсию, можете позвонить экскурсоводу,</a:t>
+            </a:r>
+            <a:r>
+              <a:rPr lang="ru-RU" sz="1200" kern="1200" baseline="0" dirty="0" smtClean="0">
+                <a:solidFill>
+                  <a:schemeClr val="tx1"/>
+                </a:solidFill>
+                <a:effectLst/>
+                <a:latin typeface="+mn-lt"/>
+                <a:ea typeface="+mn-ea"/>
+                <a:cs typeface="+mn-cs"/>
+              </a:rPr>
+              <a:t> а потом прийти по адресу, а чтобы было проще найти экскурсовода, есть поле «Конкретное описание места встречи»</a:t>
             </a:r>
             <a:endParaRPr lang="ru-RU" sz="1200" kern="1200" dirty="0" smtClean="0">
               <a:solidFill>
@@ -1242,228 +1234,6 @@
               <a:ea typeface="+mn-ea"/>
               <a:cs typeface="+mn-cs"/>
             </a:endParaRPr>
-          </a:p>
-          <a:p>
-            <a:pPr lvl="0"/>
-            <a:r>
-              <a:rPr lang="ru-RU" sz="1200" kern="1200" dirty="0" smtClean="0">
-                <a:solidFill>
-                  <a:schemeClr val="tx1"/>
-                </a:solidFill>
-                <a:effectLst/>
-                <a:latin typeface="+mn-lt"/>
-                <a:ea typeface="+mn-ea"/>
-                <a:cs typeface="+mn-cs"/>
-              </a:rPr>
-              <a:t>(анимация) Название экскурсии</a:t>
-            </a:r>
-          </a:p>
-          <a:p>
-            <a:pPr lvl="0"/>
-            <a:r>
-              <a:rPr lang="ru-RU" sz="1200" kern="1200" dirty="0" smtClean="0">
-                <a:solidFill>
-                  <a:schemeClr val="tx1"/>
-                </a:solidFill>
-                <a:effectLst/>
-                <a:latin typeface="+mn-lt"/>
-                <a:ea typeface="+mn-ea"/>
-                <a:cs typeface="+mn-cs"/>
-              </a:rPr>
-              <a:t>(анимация) Место проведения, а точнее место</a:t>
-            </a:r>
-            <a:r>
-              <a:rPr lang="ru-RU" sz="1200" kern="1200" baseline="0" dirty="0" smtClean="0">
-                <a:solidFill>
-                  <a:schemeClr val="tx1"/>
-                </a:solidFill>
-                <a:effectLst/>
-                <a:latin typeface="+mn-lt"/>
-                <a:ea typeface="+mn-ea"/>
-                <a:cs typeface="+mn-cs"/>
-              </a:rPr>
-              <a:t> встречи</a:t>
-            </a:r>
-            <a:endParaRPr lang="ru-RU" sz="1200" kern="1200" dirty="0" smtClean="0">
-              <a:solidFill>
-                <a:schemeClr val="tx1"/>
-              </a:solidFill>
-              <a:effectLst/>
-              <a:latin typeface="+mn-lt"/>
-              <a:ea typeface="+mn-ea"/>
-              <a:cs typeface="+mn-cs"/>
-            </a:endParaRPr>
-          </a:p>
-          <a:p>
-            <a:pPr lvl="0"/>
-            <a:r>
-              <a:rPr lang="ru-RU" sz="1200" kern="1200" dirty="0" smtClean="0">
-                <a:solidFill>
-                  <a:schemeClr val="tx1"/>
-                </a:solidFill>
-                <a:effectLst/>
-                <a:latin typeface="+mn-lt"/>
-                <a:ea typeface="+mn-ea"/>
-                <a:cs typeface="+mn-cs"/>
-              </a:rPr>
-              <a:t>(анимация) Точная</a:t>
-            </a:r>
-            <a:r>
-              <a:rPr lang="ru-RU" sz="1200" kern="1200" baseline="0" dirty="0" smtClean="0">
-                <a:solidFill>
-                  <a:schemeClr val="tx1"/>
-                </a:solidFill>
-                <a:effectLst/>
-                <a:latin typeface="+mn-lt"/>
-                <a:ea typeface="+mn-ea"/>
-                <a:cs typeface="+mn-cs"/>
-              </a:rPr>
-              <a:t> дата</a:t>
-            </a:r>
-            <a:r>
-              <a:rPr lang="ru-RU" sz="1200" kern="1200" dirty="0" smtClean="0">
-                <a:solidFill>
-                  <a:schemeClr val="tx1"/>
-                </a:solidFill>
-                <a:effectLst/>
-                <a:latin typeface="+mn-lt"/>
-                <a:ea typeface="+mn-ea"/>
-                <a:cs typeface="+mn-cs"/>
-              </a:rPr>
-              <a:t> проведения</a:t>
-            </a:r>
-          </a:p>
-          <a:p>
-            <a:pPr lvl="0"/>
-            <a:r>
-              <a:rPr lang="ru-RU" sz="1200" kern="1200" dirty="0" smtClean="0">
-                <a:solidFill>
-                  <a:schemeClr val="tx1"/>
-                </a:solidFill>
-                <a:effectLst/>
-                <a:latin typeface="+mn-lt"/>
-                <a:ea typeface="+mn-ea"/>
-                <a:cs typeface="+mn-cs"/>
-              </a:rPr>
-              <a:t>(анимация) Конкретное описание места встречи, чтобы пользователям</a:t>
-            </a:r>
-            <a:r>
-              <a:rPr lang="ru-RU" sz="1200" kern="1200" baseline="0" dirty="0" smtClean="0">
-                <a:solidFill>
-                  <a:schemeClr val="tx1"/>
-                </a:solidFill>
-                <a:effectLst/>
-                <a:latin typeface="+mn-lt"/>
-                <a:ea typeface="+mn-ea"/>
-                <a:cs typeface="+mn-cs"/>
-              </a:rPr>
-              <a:t> было удобнее находить экскурсии</a:t>
-            </a:r>
-            <a:endParaRPr lang="ru-RU" sz="1200" kern="1200" dirty="0" smtClean="0">
-              <a:solidFill>
-                <a:schemeClr val="tx1"/>
-              </a:solidFill>
-              <a:effectLst/>
-              <a:latin typeface="+mn-lt"/>
-              <a:ea typeface="+mn-ea"/>
-              <a:cs typeface="+mn-cs"/>
-            </a:endParaRPr>
-          </a:p>
-          <a:p>
-            <a:pPr lvl="0"/>
-            <a:r>
-              <a:rPr lang="ru-RU" sz="1200" kern="1200" dirty="0" smtClean="0">
-                <a:solidFill>
-                  <a:schemeClr val="tx1"/>
-                </a:solidFill>
-                <a:effectLst/>
-                <a:latin typeface="+mn-lt"/>
-                <a:ea typeface="+mn-ea"/>
-                <a:cs typeface="+mn-cs"/>
-              </a:rPr>
-              <a:t>(анимация) ФИО экскурсовода</a:t>
-            </a:r>
-          </a:p>
-          <a:p>
-            <a:pPr lvl="0"/>
-            <a:r>
-              <a:rPr lang="ru-RU" sz="1200" kern="1200" dirty="0" smtClean="0">
-                <a:solidFill>
-                  <a:schemeClr val="tx1"/>
-                </a:solidFill>
-                <a:effectLst/>
-                <a:latin typeface="+mn-lt"/>
-                <a:ea typeface="+mn-ea"/>
-                <a:cs typeface="+mn-cs"/>
-              </a:rPr>
-              <a:t>(анимация) Описание экскурсии – какие места будут посещены,</a:t>
-            </a:r>
-            <a:r>
-              <a:rPr lang="ru-RU" sz="1200" kern="1200" baseline="0" dirty="0" smtClean="0">
-                <a:solidFill>
-                  <a:schemeClr val="tx1"/>
-                </a:solidFill>
-                <a:effectLst/>
-                <a:latin typeface="+mn-lt"/>
-                <a:ea typeface="+mn-ea"/>
-                <a:cs typeface="+mn-cs"/>
-              </a:rPr>
-              <a:t> особенности экскурсии и т.п.</a:t>
-            </a:r>
-            <a:endParaRPr lang="ru-RU" sz="1200" kern="1200" dirty="0" smtClean="0">
-              <a:solidFill>
-                <a:schemeClr val="tx1"/>
-              </a:solidFill>
-              <a:effectLst/>
-              <a:latin typeface="+mn-lt"/>
-              <a:ea typeface="+mn-ea"/>
-              <a:cs typeface="+mn-cs"/>
-            </a:endParaRPr>
-          </a:p>
-          <a:p>
-            <a:pPr lvl="0"/>
-            <a:r>
-              <a:rPr lang="ru-RU" sz="1200" kern="1200" dirty="0" smtClean="0">
-                <a:solidFill>
-                  <a:schemeClr val="tx1"/>
-                </a:solidFill>
-                <a:effectLst/>
-                <a:latin typeface="+mn-lt"/>
-                <a:ea typeface="+mn-ea"/>
-                <a:cs typeface="+mn-cs"/>
-              </a:rPr>
-              <a:t>(анимация) Средняя продолжительность экскурсии</a:t>
-            </a:r>
-          </a:p>
-          <a:p>
-            <a:pPr lvl="0"/>
-            <a:r>
-              <a:rPr lang="ru-RU" sz="1200" kern="1200" dirty="0" smtClean="0">
-                <a:solidFill>
-                  <a:schemeClr val="tx1"/>
-                </a:solidFill>
-                <a:effectLst/>
-                <a:latin typeface="+mn-lt"/>
-                <a:ea typeface="+mn-ea"/>
-                <a:cs typeface="+mn-cs"/>
-              </a:rPr>
-              <a:t>(анимация) Стоимость экскурсии</a:t>
-            </a:r>
-          </a:p>
-          <a:p>
-            <a:pPr lvl="0"/>
-            <a:r>
-              <a:rPr lang="ru-RU" sz="1200" kern="1200" dirty="0" smtClean="0">
-                <a:solidFill>
-                  <a:schemeClr val="tx1"/>
-                </a:solidFill>
-                <a:effectLst/>
-                <a:latin typeface="+mn-lt"/>
-                <a:ea typeface="+mn-ea"/>
-                <a:cs typeface="+mn-cs"/>
-              </a:rPr>
-              <a:t>(анимация) Телефон экскурсовода</a:t>
-            </a:r>
           </a:p>
           <a:p>
             <a:endParaRPr lang="ru-RU" dirty="0"/>
@@ -1552,18 +1322,6 @@
           <a:p>
             <a:pPr lvl="0"/>
             <a:r>
-              <a:rPr lang="en-US" sz="1200" kern="1200" dirty="0" smtClean="0">
-                <a:solidFill>
-                  <a:schemeClr val="tx1"/>
-                </a:solidFill>
-                <a:effectLst/>
-                <a:latin typeface="+mn-lt"/>
-                <a:ea typeface="+mn-ea"/>
-                <a:cs typeface="+mn-cs"/>
-              </a:rPr>
-              <a:t>1) </a:t>
-            </a:r>
-            <a:r>
               <a:rPr lang="ru-RU" sz="1200" kern="1200" dirty="0" smtClean="0">
                 <a:solidFill>
                   <a:schemeClr val="tx1"/>
@@ -1573,19 +1331,58 @@
                 <a:ea typeface="+mn-ea"/>
                 <a:cs typeface="+mn-cs"/>
               </a:rPr>
-              <a:t>(анимация) Библиотека </a:t>
-            </a:r>
-            <a:r>
-              <a:rPr lang="en-US" sz="1200" kern="1200" dirty="0" smtClean="0">
-                <a:solidFill>
-                  <a:schemeClr val="tx1"/>
-                </a:solidFill>
-                <a:effectLst/>
-                <a:latin typeface="+mn-lt"/>
-                <a:ea typeface="+mn-ea"/>
-                <a:cs typeface="+mn-cs"/>
-              </a:rPr>
-              <a:t>flask</a:t>
+              <a:t>1) (анимация) Показать все </a:t>
+            </a:r>
+            <a:r>
+              <a:rPr lang="ru-RU" sz="1200" kern="1200" dirty="0" err="1" smtClean="0">
+                <a:solidFill>
+                  <a:schemeClr val="tx1"/>
+                </a:solidFill>
+                <a:effectLst/>
+                <a:latin typeface="+mn-lt"/>
+                <a:ea typeface="+mn-ea"/>
+                <a:cs typeface="+mn-cs"/>
+              </a:rPr>
+              <a:t>аудиоэкскурсии</a:t>
+            </a:r>
+            <a:r>
+              <a:rPr lang="ru-RU" sz="1200" kern="1200" dirty="0" smtClean="0">
+                <a:solidFill>
+                  <a:schemeClr val="tx1"/>
+                </a:solidFill>
+                <a:effectLst/>
+                <a:latin typeface="+mn-lt"/>
+                <a:ea typeface="+mn-ea"/>
+                <a:cs typeface="+mn-cs"/>
+              </a:rPr>
+              <a:t> – также будет показана карта с метками экскурсий.</a:t>
+            </a:r>
+          </a:p>
+          <a:p>
+            <a:pPr lvl="0"/>
+            <a:r>
+              <a:rPr lang="ru-RU" sz="1200" kern="1200" dirty="0" smtClean="0">
+                <a:solidFill>
+                  <a:schemeClr val="tx1"/>
+                </a:solidFill>
+                <a:effectLst/>
+                <a:latin typeface="+mn-lt"/>
+                <a:ea typeface="+mn-ea"/>
+                <a:cs typeface="+mn-cs"/>
+              </a:rPr>
+              <a:t>2) (анимация) Города, в которых есть </a:t>
+            </a:r>
+            <a:r>
+              <a:rPr lang="ru-RU" sz="1200" kern="1200" dirty="0" err="1" smtClean="0">
+                <a:solidFill>
+                  <a:schemeClr val="tx1"/>
+                </a:solidFill>
+                <a:effectLst/>
+                <a:latin typeface="+mn-lt"/>
+                <a:ea typeface="+mn-ea"/>
+                <a:cs typeface="+mn-cs"/>
+              </a:rPr>
+              <a:t>аудиоэкскурсии</a:t>
             </a:r>
             <a:endParaRPr lang="ru-RU" sz="1200" kern="1200" dirty="0" smtClean="0">
               <a:solidFill>
@@ -1600,19 +1397,19 @@
           <a:p>
             <a:pPr lvl="0"/>
             <a:r>
-              <a:rPr lang="en-US" sz="1200" kern="1200" dirty="0" smtClean="0">
-                <a:solidFill>
-                  <a:schemeClr val="tx1"/>
-                </a:solidFill>
-                <a:effectLst/>
-                <a:latin typeface="+mn-lt"/>
-                <a:ea typeface="+mn-ea"/>
-                <a:cs typeface="+mn-cs"/>
-              </a:rPr>
-              <a:t>2)</a:t>
-            </a:r>
-            <a:r>
-              <a:rPr lang="en-US" sz="1200" kern="1200" baseline="0" dirty="0" smtClean="0">
+              <a:rPr lang="ru-RU" sz="1200" kern="1200" dirty="0" smtClean="0">
+                <a:solidFill>
+                  <a:schemeClr val="tx1"/>
+                </a:solidFill>
+                <a:effectLst/>
+                <a:latin typeface="+mn-lt"/>
+                <a:ea typeface="+mn-ea"/>
+                <a:cs typeface="+mn-cs"/>
+              </a:rPr>
+              <a:t>3)</a:t>
+            </a:r>
+            <a:r>
+              <a:rPr lang="ru-RU" sz="1200" kern="1200" baseline="0" dirty="0" smtClean="0">
                 <a:solidFill>
                   <a:schemeClr val="tx1"/>
                 </a:solidFill>
@@ -1633,34 +1430,272 @@
                 <a:ea typeface="+mn-ea"/>
                 <a:cs typeface="+mn-cs"/>
               </a:rPr>
-              <a:t>(анимация) </a:t>
-            </a:r>
-            <a:r>
-              <a:rPr lang="en-US" sz="1200" kern="1200" dirty="0" smtClean="0">
-                <a:solidFill>
-                  <a:schemeClr val="tx1"/>
-                </a:solidFill>
-                <a:effectLst/>
-                <a:latin typeface="+mn-lt"/>
-                <a:ea typeface="+mn-ea"/>
-                <a:cs typeface="+mn-cs"/>
-              </a:rPr>
-              <a:t>Flask </a:t>
-            </a:r>
-            <a:r>
-              <a:rPr lang="en-US" sz="1200" kern="1200" dirty="0" err="1" smtClean="0">
-                <a:solidFill>
-                  <a:schemeClr val="tx1"/>
-                </a:solidFill>
-                <a:effectLst/>
-                <a:latin typeface="+mn-lt"/>
-                <a:ea typeface="+mn-ea"/>
-                <a:cs typeface="+mn-cs"/>
-              </a:rPr>
-              <a:t>sqlalchemy</a:t>
-            </a:r>
-            <a:r>
-              <a:rPr lang="en-US" sz="1200" kern="1200" dirty="0" smtClean="0">
+              <a:t>(анимация) Показать </a:t>
+            </a:r>
+            <a:r>
+              <a:rPr lang="ru-RU" sz="1200" kern="1200" dirty="0" err="1" smtClean="0">
+                <a:solidFill>
+                  <a:schemeClr val="tx1"/>
+                </a:solidFill>
+                <a:effectLst/>
+                <a:latin typeface="+mn-lt"/>
+                <a:ea typeface="+mn-ea"/>
+                <a:cs typeface="+mn-cs"/>
+              </a:rPr>
+              <a:t>аудиоэкскурсии</a:t>
+            </a:r>
+            <a:r>
+              <a:rPr lang="ru-RU" sz="1200" kern="1200" dirty="0" smtClean="0">
+                <a:solidFill>
+                  <a:schemeClr val="tx1"/>
+                </a:solidFill>
+                <a:effectLst/>
+                <a:latin typeface="+mn-lt"/>
+                <a:ea typeface="+mn-ea"/>
+                <a:cs typeface="+mn-cs"/>
+              </a:rPr>
+              <a:t> в каком-либо городе – также будет показана карта с метками, на которых будут номера экскурсий данном городе.</a:t>
+            </a:r>
+          </a:p>
+          <a:p>
+            <a:endParaRPr lang="ru-RU" sz="1200" kern="1200" dirty="0" smtClean="0">
+              <a:solidFill>
+                <a:schemeClr val="tx1"/>
+              </a:solidFill>
+              <a:effectLst/>
+              <a:latin typeface="+mn-lt"/>
+              <a:ea typeface="+mn-ea"/>
+              <a:cs typeface="+mn-cs"/>
+            </a:endParaRPr>
+          </a:p>
+          <a:p>
+            <a:r>
+              <a:rPr lang="ru-RU" sz="1200" kern="1200" dirty="0" smtClean="0">
+                <a:solidFill>
+                  <a:schemeClr val="tx1"/>
+                </a:solidFill>
+                <a:effectLst/>
+                <a:latin typeface="+mn-lt"/>
+                <a:ea typeface="+mn-ea"/>
+                <a:cs typeface="+mn-cs"/>
+              </a:rPr>
+              <a:t>А после показа </a:t>
+            </a:r>
+            <a:r>
+              <a:rPr lang="ru-RU" sz="1200" kern="1200" dirty="0" err="1" smtClean="0">
+                <a:solidFill>
+                  <a:schemeClr val="tx1"/>
+                </a:solidFill>
+                <a:effectLst/>
+                <a:latin typeface="+mn-lt"/>
+                <a:ea typeface="+mn-ea"/>
+                <a:cs typeface="+mn-cs"/>
+              </a:rPr>
+              <a:t>аудиоэкскурсий</a:t>
+            </a:r>
+            <a:r>
+              <a:rPr lang="ru-RU" sz="1200" kern="1200" dirty="0" smtClean="0">
+                <a:solidFill>
+                  <a:schemeClr val="tx1"/>
+                </a:solidFill>
+                <a:effectLst/>
+                <a:latin typeface="+mn-lt"/>
+                <a:ea typeface="+mn-ea"/>
+                <a:cs typeface="+mn-cs"/>
+              </a:rPr>
+              <a:t> в городе, по номеру экскурсии вы можете выполнить следующие команды:</a:t>
+            </a:r>
+          </a:p>
+          <a:p>
+            <a:pPr lvl="0"/>
+            <a:r>
+              <a:rPr lang="ru-RU" sz="1200" kern="1200" dirty="0" smtClean="0">
+                <a:solidFill>
+                  <a:schemeClr val="tx1"/>
+                </a:solidFill>
+                <a:effectLst/>
+                <a:latin typeface="+mn-lt"/>
+                <a:ea typeface="+mn-ea"/>
+                <a:cs typeface="+mn-cs"/>
+              </a:rPr>
+              <a:t>1) (анимация) Показать </a:t>
+            </a:r>
+            <a:r>
+              <a:rPr lang="ru-RU" sz="1200" kern="1200" dirty="0" err="1" smtClean="0">
+                <a:solidFill>
+                  <a:schemeClr val="tx1"/>
+                </a:solidFill>
+                <a:effectLst/>
+                <a:latin typeface="+mn-lt"/>
+                <a:ea typeface="+mn-ea"/>
+                <a:cs typeface="+mn-cs"/>
+              </a:rPr>
+              <a:t>аудиоэкскурсию</a:t>
+            </a:r>
+            <a:r>
+              <a:rPr lang="ru-RU" sz="1200" kern="1200" dirty="0" smtClean="0">
+                <a:solidFill>
+                  <a:schemeClr val="tx1"/>
+                </a:solidFill>
+                <a:effectLst/>
+                <a:latin typeface="+mn-lt"/>
+                <a:ea typeface="+mn-ea"/>
+                <a:cs typeface="+mn-cs"/>
+              </a:rPr>
+              <a:t> номер &lt;</a:t>
+            </a:r>
+            <a:r>
+              <a:rPr lang="ru-RU" sz="1200" kern="1200" dirty="0" err="1" smtClean="0">
+                <a:solidFill>
+                  <a:schemeClr val="tx1"/>
+                </a:solidFill>
+                <a:effectLst/>
+                <a:latin typeface="+mn-lt"/>
+                <a:ea typeface="+mn-ea"/>
+                <a:cs typeface="+mn-cs"/>
+              </a:rPr>
+              <a:t>номер_экскурсии</a:t>
+            </a:r>
+            <a:r>
+              <a:rPr lang="ru-RU" sz="1200" kern="1200" dirty="0" smtClean="0">
+                <a:solidFill>
+                  <a:schemeClr val="tx1"/>
+                </a:solidFill>
+                <a:effectLst/>
+                <a:latin typeface="+mn-lt"/>
+                <a:ea typeface="+mn-ea"/>
+                <a:cs typeface="+mn-cs"/>
+              </a:rPr>
+              <a:t>&gt; - будет выведена информация об </a:t>
+            </a:r>
+            <a:r>
+              <a:rPr lang="ru-RU" sz="1200" kern="1200" dirty="0" err="1" smtClean="0">
+                <a:solidFill>
+                  <a:schemeClr val="tx1"/>
+                </a:solidFill>
+                <a:effectLst/>
+                <a:latin typeface="+mn-lt"/>
+                <a:ea typeface="+mn-ea"/>
+                <a:cs typeface="+mn-cs"/>
+              </a:rPr>
+              <a:t>аудиоэкскурсии</a:t>
+            </a:r>
+            <a:r>
+              <a:rPr lang="ru-RU" sz="1200" kern="1200" dirty="0" smtClean="0">
+                <a:solidFill>
+                  <a:schemeClr val="tx1"/>
+                </a:solidFill>
+                <a:effectLst/>
+                <a:latin typeface="+mn-lt"/>
+                <a:ea typeface="+mn-ea"/>
+                <a:cs typeface="+mn-cs"/>
+              </a:rPr>
+              <a:t>.</a:t>
+            </a:r>
+          </a:p>
+          <a:p>
+            <a:pPr lvl="0"/>
+            <a:r>
+              <a:rPr lang="ru-RU" sz="1200" kern="1200" dirty="0" smtClean="0">
+                <a:solidFill>
+                  <a:schemeClr val="tx1"/>
+                </a:solidFill>
+                <a:effectLst/>
+                <a:latin typeface="+mn-lt"/>
+                <a:ea typeface="+mn-ea"/>
+                <a:cs typeface="+mn-cs"/>
+              </a:rPr>
+              <a:t>2) (анимация) Удалить </a:t>
+            </a:r>
+            <a:r>
+              <a:rPr lang="ru-RU" sz="1200" kern="1200" dirty="0" err="1" smtClean="0">
+                <a:solidFill>
+                  <a:schemeClr val="tx1"/>
+                </a:solidFill>
+                <a:effectLst/>
+                <a:latin typeface="+mn-lt"/>
+                <a:ea typeface="+mn-ea"/>
+                <a:cs typeface="+mn-cs"/>
+              </a:rPr>
+              <a:t>аудиоэкскурсию</a:t>
+            </a:r>
+            <a:r>
+              <a:rPr lang="ru-RU" sz="1200" kern="1200" dirty="0" smtClean="0">
+                <a:solidFill>
+                  <a:schemeClr val="tx1"/>
+                </a:solidFill>
+                <a:effectLst/>
+                <a:latin typeface="+mn-lt"/>
+                <a:ea typeface="+mn-ea"/>
+                <a:cs typeface="+mn-cs"/>
+              </a:rPr>
+              <a:t> номер &lt;</a:t>
+            </a:r>
+            <a:r>
+              <a:rPr lang="ru-RU" sz="1200" kern="1200" dirty="0" err="1" smtClean="0">
+                <a:solidFill>
+                  <a:schemeClr val="tx1"/>
+                </a:solidFill>
+                <a:effectLst/>
+                <a:latin typeface="+mn-lt"/>
+                <a:ea typeface="+mn-ea"/>
+                <a:cs typeface="+mn-cs"/>
+              </a:rPr>
+              <a:t>номер_экскурсии</a:t>
+            </a:r>
+            <a:r>
+              <a:rPr lang="ru-RU" sz="1200" kern="1200" dirty="0" smtClean="0">
+                <a:solidFill>
+                  <a:schemeClr val="tx1"/>
+                </a:solidFill>
+                <a:effectLst/>
+                <a:latin typeface="+mn-lt"/>
+                <a:ea typeface="+mn-ea"/>
+                <a:cs typeface="+mn-cs"/>
+              </a:rPr>
+              <a:t>&gt; - ну, тут все понятно. Нужно будет только ввести пароль, который задается при добавлении </a:t>
+            </a:r>
+            <a:r>
+              <a:rPr lang="ru-RU" sz="1200" kern="1200" dirty="0" err="1" smtClean="0">
+                <a:solidFill>
+                  <a:schemeClr val="tx1"/>
+                </a:solidFill>
+                <a:effectLst/>
+                <a:latin typeface="+mn-lt"/>
+                <a:ea typeface="+mn-ea"/>
+                <a:cs typeface="+mn-cs"/>
+              </a:rPr>
+              <a:t>аудиоэкскурсии</a:t>
+            </a:r>
+            <a:r>
+              <a:rPr lang="ru-RU" sz="1200" kern="1200" dirty="0" smtClean="0">
+                <a:solidFill>
+                  <a:schemeClr val="tx1"/>
+                </a:solidFill>
+                <a:effectLst/>
+                <a:latin typeface="+mn-lt"/>
+                <a:ea typeface="+mn-ea"/>
+                <a:cs typeface="+mn-cs"/>
+              </a:rPr>
+              <a:t>.</a:t>
+            </a:r>
+          </a:p>
+          <a:p>
+            <a:pPr lvl="0"/>
+            <a:r>
+              <a:rPr lang="ru-RU" sz="1200" kern="1200" dirty="0" smtClean="0">
+                <a:solidFill>
+                  <a:schemeClr val="tx1"/>
+                </a:solidFill>
+                <a:effectLst/>
+                <a:latin typeface="+mn-lt"/>
+                <a:ea typeface="+mn-ea"/>
+                <a:cs typeface="+mn-cs"/>
+              </a:rPr>
+              <a:t>3)</a:t>
+            </a:r>
+            <a:r>
+              <a:rPr lang="ru-RU" sz="1200" kern="1200" baseline="0" dirty="0" smtClean="0">
                 <a:solidFill>
                   <a:schemeClr val="tx1"/>
                 </a:solidFill>
@@ -1681,22 +1716,19 @@
                 <a:ea typeface="+mn-ea"/>
                 <a:cs typeface="+mn-cs"/>
               </a:rPr>
-              <a:t>– для базы данных с экскурсиями</a:t>
-            </a:r>
-          </a:p>
-          <a:p>
-            <a:pPr lvl="0"/>
-            <a:r>
-              <a:rPr lang="en-US" sz="1200" kern="1200" dirty="0" smtClean="0">
-                <a:solidFill>
-                  <a:schemeClr val="tx1"/>
-                </a:solidFill>
-                <a:effectLst/>
-                <a:latin typeface="+mn-lt"/>
-                <a:ea typeface="+mn-ea"/>
-                <a:cs typeface="+mn-cs"/>
-              </a:rPr>
-              <a:t>3) </a:t>
+              <a:t>(анимация) Прослушать </a:t>
+            </a:r>
+            <a:r>
+              <a:rPr lang="ru-RU" sz="1200" kern="1200" dirty="0" err="1" smtClean="0">
+                <a:solidFill>
+                  <a:schemeClr val="tx1"/>
+                </a:solidFill>
+                <a:effectLst/>
+                <a:latin typeface="+mn-lt"/>
+                <a:ea typeface="+mn-ea"/>
+                <a:cs typeface="+mn-cs"/>
+              </a:rPr>
+              <a:t>аудиоэкскурсию</a:t>
             </a:r>
             <a:r>
               <a:rPr lang="ru-RU" sz="1200" kern="1200" dirty="0" smtClean="0">
@@ -1708,19 +1740,19 @@
                 <a:ea typeface="+mn-ea"/>
                 <a:cs typeface="+mn-cs"/>
               </a:rPr>
-              <a:t>(анимация) </a:t>
-            </a:r>
-            <a:r>
-              <a:rPr lang="en-US" sz="1200" kern="1200" dirty="0" err="1" smtClean="0">
-                <a:solidFill>
-                  <a:schemeClr val="tx1"/>
-                </a:solidFill>
-                <a:effectLst/>
-                <a:latin typeface="+mn-lt"/>
-                <a:ea typeface="+mn-ea"/>
-                <a:cs typeface="+mn-cs"/>
-              </a:rPr>
-              <a:t>Werkzeug</a:t>
+              <a:t> номер &lt;</a:t>
+            </a:r>
+            <a:r>
+              <a:rPr lang="ru-RU" sz="1200" kern="1200" dirty="0" err="1" smtClean="0">
+                <a:solidFill>
+                  <a:schemeClr val="tx1"/>
+                </a:solidFill>
+                <a:effectLst/>
+                <a:latin typeface="+mn-lt"/>
+                <a:ea typeface="+mn-ea"/>
+                <a:cs typeface="+mn-cs"/>
+              </a:rPr>
+              <a:t>номер_экскурсии</a:t>
             </a:r>
             <a:r>
               <a:rPr lang="ru-RU" sz="1200" kern="1200" dirty="0" smtClean="0">
@@ -1732,160 +1764,55 @@
                 <a:ea typeface="+mn-ea"/>
                 <a:cs typeface="+mn-cs"/>
               </a:rPr>
+              <a:t>&gt; - главная команда. Начнется прослушивание экскурсии по частям. При этом пользователь может сказать «дальше», и тогда будет запущена следующая часть </a:t>
+            </a:r>
+            <a:r>
+              <a:rPr lang="ru-RU" sz="1200" kern="1200" dirty="0" err="1" smtClean="0">
+                <a:solidFill>
+                  <a:schemeClr val="tx1"/>
+                </a:solidFill>
+                <a:effectLst/>
+                <a:latin typeface="+mn-lt"/>
+                <a:ea typeface="+mn-ea"/>
+                <a:cs typeface="+mn-cs"/>
+              </a:rPr>
+              <a:t>аудиоэкскурсии</a:t>
+            </a:r>
+            <a:r>
+              <a:rPr lang="ru-RU" sz="1200" kern="1200" dirty="0" smtClean="0">
+                <a:solidFill>
+                  <a:schemeClr val="tx1"/>
+                </a:solidFill>
+                <a:effectLst/>
+                <a:latin typeface="+mn-lt"/>
+                <a:ea typeface="+mn-ea"/>
+                <a:cs typeface="+mn-cs"/>
+              </a:rPr>
+              <a:t>, или «повторить», и тогда Алиса повторит текущую часть </a:t>
+            </a:r>
+            <a:r>
+              <a:rPr lang="ru-RU" sz="1200" kern="1200" dirty="0" err="1" smtClean="0">
+                <a:solidFill>
+                  <a:schemeClr val="tx1"/>
+                </a:solidFill>
+                <a:effectLst/>
+                <a:latin typeface="+mn-lt"/>
+                <a:ea typeface="+mn-ea"/>
+                <a:cs typeface="+mn-cs"/>
+              </a:rPr>
+              <a:t>аудиоэкскурсии</a:t>
+            </a:r>
+            <a:r>
+              <a:rPr lang="ru-RU" sz="1200" kern="1200" dirty="0" smtClean="0">
+                <a:solidFill>
+                  <a:schemeClr val="tx1"/>
+                </a:solidFill>
+                <a:effectLst/>
+                <a:latin typeface="+mn-lt"/>
+                <a:ea typeface="+mn-ea"/>
+                <a:cs typeface="+mn-cs"/>
+              </a:rPr>
               <a:t>.</a:t>
-            </a:r>
-            <a:r>
-              <a:rPr lang="en-US" sz="1200" kern="1200" dirty="0" smtClean="0">
-                <a:solidFill>
-                  <a:schemeClr val="tx1"/>
-                </a:solidFill>
-                <a:effectLst/>
-                <a:latin typeface="+mn-lt"/>
-                <a:ea typeface="+mn-ea"/>
-                <a:cs typeface="+mn-cs"/>
-              </a:rPr>
-              <a:t>security </a:t>
-            </a:r>
-            <a:r>
-              <a:rPr lang="ru-RU" sz="1200" kern="1200" dirty="0" smtClean="0">
-                <a:solidFill>
-                  <a:schemeClr val="tx1"/>
-                </a:solidFill>
-                <a:effectLst/>
-                <a:latin typeface="+mn-lt"/>
-                <a:ea typeface="+mn-ea"/>
-                <a:cs typeface="+mn-cs"/>
-              </a:rPr>
-              <a:t>– хеширование паролей при добавлении экскурсии</a:t>
-            </a:r>
-          </a:p>
-          <a:p>
-            <a:pPr lvl="0"/>
-            <a:r>
-              <a:rPr lang="en-US" sz="1200" kern="1200" dirty="0" smtClean="0">
-                <a:solidFill>
-                  <a:schemeClr val="tx1"/>
-                </a:solidFill>
-                <a:effectLst/>
-                <a:latin typeface="+mn-lt"/>
-                <a:ea typeface="+mn-ea"/>
-                <a:cs typeface="+mn-cs"/>
-              </a:rPr>
-              <a:t>4) </a:t>
-            </a:r>
-            <a:r>
-              <a:rPr lang="ru-RU" sz="1200" kern="1200" dirty="0" smtClean="0">
-                <a:solidFill>
-                  <a:schemeClr val="tx1"/>
-                </a:solidFill>
-                <a:effectLst/>
-                <a:latin typeface="+mn-lt"/>
-                <a:ea typeface="+mn-ea"/>
-                <a:cs typeface="+mn-cs"/>
-              </a:rPr>
-              <a:t>(анимация) Именованные сущности в запросах Алисы – для адресов, дат, времени и числовых сущностей</a:t>
-            </a:r>
-          </a:p>
-          <a:p>
-            <a:pPr lvl="0"/>
-            <a:r>
-              <a:rPr lang="en-US" sz="1200" kern="1200" dirty="0" smtClean="0">
-                <a:solidFill>
-                  <a:schemeClr val="tx1"/>
-                </a:solidFill>
-                <a:effectLst/>
-                <a:latin typeface="+mn-lt"/>
-                <a:ea typeface="+mn-ea"/>
-                <a:cs typeface="+mn-cs"/>
-              </a:rPr>
-              <a:t>5) </a:t>
-            </a:r>
-            <a:r>
-              <a:rPr lang="ru-RU" sz="1200" kern="1200" dirty="0" smtClean="0">
-                <a:solidFill>
-                  <a:schemeClr val="tx1"/>
-                </a:solidFill>
-                <a:effectLst/>
-                <a:latin typeface="+mn-lt"/>
-                <a:ea typeface="+mn-ea"/>
-                <a:cs typeface="+mn-cs"/>
-              </a:rPr>
-              <a:t>(анимация) </a:t>
-            </a:r>
-            <a:r>
-              <a:rPr lang="en-US" sz="1200" kern="1200" dirty="0" smtClean="0">
-                <a:solidFill>
-                  <a:schemeClr val="tx1"/>
-                </a:solidFill>
-                <a:effectLst/>
-                <a:latin typeface="+mn-lt"/>
-                <a:ea typeface="+mn-ea"/>
-                <a:cs typeface="+mn-cs"/>
-              </a:rPr>
-              <a:t>Static API </a:t>
-            </a:r>
-            <a:r>
-              <a:rPr lang="ru-RU" sz="1200" kern="1200" dirty="0" smtClean="0">
-                <a:solidFill>
-                  <a:schemeClr val="tx1"/>
-                </a:solidFill>
-                <a:effectLst/>
-                <a:latin typeface="+mn-lt"/>
-                <a:ea typeface="+mn-ea"/>
-                <a:cs typeface="+mn-cs"/>
-              </a:rPr>
-              <a:t>– для загрузки картинки карты с метками</a:t>
-            </a:r>
-          </a:p>
-          <a:p>
-            <a:pPr lvl="0"/>
-            <a:r>
-              <a:rPr lang="en-US" sz="1200" kern="1200" dirty="0" smtClean="0">
-                <a:solidFill>
-                  <a:schemeClr val="tx1"/>
-                </a:solidFill>
-                <a:effectLst/>
-                <a:latin typeface="+mn-lt"/>
-                <a:ea typeface="+mn-ea"/>
-                <a:cs typeface="+mn-cs"/>
-              </a:rPr>
-              <a:t>6) </a:t>
-            </a:r>
-            <a:r>
-              <a:rPr lang="ru-RU" sz="1200" kern="1200" dirty="0" smtClean="0">
-                <a:solidFill>
-                  <a:schemeClr val="tx1"/>
-                </a:solidFill>
-                <a:effectLst/>
-                <a:latin typeface="+mn-lt"/>
-                <a:ea typeface="+mn-ea"/>
-                <a:cs typeface="+mn-cs"/>
-              </a:rPr>
-              <a:t>(анимация) </a:t>
-            </a:r>
-            <a:r>
-              <a:rPr lang="en-US" sz="1200" kern="1200" dirty="0" smtClean="0">
-                <a:solidFill>
-                  <a:schemeClr val="tx1"/>
-                </a:solidFill>
-                <a:effectLst/>
-                <a:latin typeface="+mn-lt"/>
-                <a:ea typeface="+mn-ea"/>
-                <a:cs typeface="+mn-cs"/>
-              </a:rPr>
-              <a:t>Geocoder API </a:t>
-            </a:r>
-            <a:r>
-              <a:rPr lang="ru-RU" sz="1200" kern="1200" dirty="0" smtClean="0">
-                <a:solidFill>
-                  <a:schemeClr val="tx1"/>
-                </a:solidFill>
-                <a:effectLst/>
-                <a:latin typeface="+mn-lt"/>
-                <a:ea typeface="+mn-ea"/>
-                <a:cs typeface="+mn-cs"/>
-              </a:rPr>
-              <a:t>– для получения координат места проведения экскурсии, чтобы ставить метку на карте</a:t>
             </a:r>
           </a:p>
           <a:p>
@@ -1919,7 +1846,7 @@
     </p:spTree>
     <p:extLst>
       <p:ext uri="{BB962C8B-B14F-4D97-AF65-F5344CB8AC3E}">
-        <p14:creationId xmlns:p14="http://schemas.microsoft.com/office/powerpoint/2010/main" val="4019325450"/>
+        <p14:creationId xmlns:p14="http://schemas.microsoft.com/office/powerpoint/2010/main" val="2447117227"/>
       </p:ext>
     </p:extLst>
   </p:cSld>
@@ -1973,7 +1900,23 @@
           <a:bodyPr/>
           <a:lstStyle/>
           <a:p>
-            <a:pPr lvl="0"/>
+            <a:pPr marL="0" marR="0" lvl="0" indent="0" algn="l" defTabSz="914400" rtl="0" eaLnBrk="1" fontAlgn="auto" latinLnBrk="0" hangingPunct="1">
+              <a:lnSpc>
+                <a:spcPct val="100000"/>
+              </a:lnSpc>
+              <a:spcBef>
+                <a:spcPts val="0"/>
+              </a:spcBef>
+              <a:spcAft>
+                <a:spcPts val="0"/>
+              </a:spcAft>
+              <a:buClrTx/>
+              <a:buSzTx/>
+              <a:buFontTx/>
+              <a:buNone/>
+              <a:tabLst/>
+              <a:defRPr/>
+            </a:pPr>
             <a:r>
               <a:rPr lang="ru-RU" sz="1200" kern="1200" dirty="0" smtClean="0">
                 <a:solidFill>
@@ -1984,19 +1927,19 @@
                 <a:ea typeface="+mn-ea"/>
                 <a:cs typeface="+mn-cs"/>
               </a:rPr>
-              <a:t>1) (анимация) </a:t>
-            </a:r>
-            <a:r>
-              <a:rPr lang="en-US" sz="1200" kern="1200" dirty="0" smtClean="0">
-                <a:solidFill>
-                  <a:schemeClr val="tx1"/>
-                </a:solidFill>
-                <a:effectLst/>
-                <a:latin typeface="+mn-lt"/>
-                <a:ea typeface="+mn-ea"/>
-                <a:cs typeface="+mn-cs"/>
-              </a:rPr>
-              <a:t>Address </a:t>
+              <a:t>(анимация) А вот так будет выводиться информация об </a:t>
+            </a:r>
+            <a:r>
+              <a:rPr lang="ru-RU" sz="1200" kern="1200" dirty="0" err="1" smtClean="0">
+                <a:solidFill>
+                  <a:schemeClr val="tx1"/>
+                </a:solidFill>
+                <a:effectLst/>
+                <a:latin typeface="+mn-lt"/>
+                <a:ea typeface="+mn-ea"/>
+                <a:cs typeface="+mn-cs"/>
+              </a:rPr>
+              <a:t>аудиоэкскурсии</a:t>
             </a:r>
             <a:r>
               <a:rPr lang="ru-RU" sz="1200" kern="1200" dirty="0" smtClean="0">
@@ -2008,11 +1951,20 @@
                 <a:ea typeface="+mn-ea"/>
                 <a:cs typeface="+mn-cs"/>
               </a:rPr>
-              <a:t>– точной место встречи. При вводе оно проверяется на наличие города, улицы и номера здания. </a:t>
-            </a:r>
-          </a:p>
-          <a:p>
-            <a:pPr lvl="0"/>
+              <a:t>. Место начала </a:t>
+            </a:r>
+            <a:r>
+              <a:rPr lang="ru-RU" sz="1200" kern="1200" dirty="0" err="1" smtClean="0">
+                <a:solidFill>
+                  <a:schemeClr val="tx1"/>
+                </a:solidFill>
+                <a:effectLst/>
+                <a:latin typeface="+mn-lt"/>
+                <a:ea typeface="+mn-ea"/>
+                <a:cs typeface="+mn-cs"/>
+              </a:rPr>
+              <a:t>аудиоэкскурсии</a:t>
+            </a:r>
             <a:r>
               <a:rPr lang="ru-RU" sz="1200" kern="1200" dirty="0" smtClean="0">
                 <a:solidFill>
@@ -2023,19 +1975,19 @@
                 <a:ea typeface="+mn-ea"/>
                 <a:cs typeface="+mn-cs"/>
               </a:rPr>
-              <a:t>2) (анимация) </a:t>
-            </a:r>
-            <a:r>
-              <a:rPr lang="en-US" sz="1200" kern="1200" dirty="0" smtClean="0">
-                <a:solidFill>
-                  <a:schemeClr val="tx1"/>
-                </a:solidFill>
-                <a:effectLst/>
-                <a:latin typeface="+mn-lt"/>
-                <a:ea typeface="+mn-ea"/>
-                <a:cs typeface="+mn-cs"/>
-              </a:rPr>
-              <a:t>Date </a:t>
+              <a:t> важно указывать, по нему потенциальный слушатель может понять, с какого момента ему начинать слушать. Контакты нужны, чтобы слушатели могил оставить свои отзывы и пожелания на счет </a:t>
+            </a:r>
+            <a:r>
+              <a:rPr lang="ru-RU" sz="1200" kern="1200" dirty="0" err="1" smtClean="0">
+                <a:solidFill>
+                  <a:schemeClr val="tx1"/>
+                </a:solidFill>
+                <a:effectLst/>
+                <a:latin typeface="+mn-lt"/>
+                <a:ea typeface="+mn-ea"/>
+                <a:cs typeface="+mn-cs"/>
+              </a:rPr>
+              <a:t>аудиоэкскурсии</a:t>
             </a:r>
             <a:r>
               <a:rPr lang="ru-RU" sz="1200" kern="1200" dirty="0" smtClean="0">
@@ -2047,677 +1999,11 @@
                 <a:ea typeface="+mn-ea"/>
                 <a:cs typeface="+mn-cs"/>
               </a:rPr>
-              <a:t>– дата проведения экскурсии. При добавлении проверяется, не прошлая ли это дата, а также она не должна быть позже, чем 1 год</a:t>
-            </a:r>
-          </a:p>
-          <a:p>
-            <a:pPr lvl="0"/>
-            <a:r>
-              <a:rPr lang="ru-RU" sz="1200" kern="1200" dirty="0" smtClean="0">
-                <a:solidFill>
-                  <a:schemeClr val="tx1"/>
-                </a:solidFill>
-                <a:effectLst/>
-                <a:latin typeface="+mn-lt"/>
-                <a:ea typeface="+mn-ea"/>
-                <a:cs typeface="+mn-cs"/>
-              </a:rPr>
-              <a:t>3) (анимация) </a:t>
-            </a:r>
-            <a:r>
-              <a:rPr lang="en-US" sz="1200" kern="1200" dirty="0" smtClean="0">
-                <a:solidFill>
-                  <a:schemeClr val="tx1"/>
-                </a:solidFill>
-                <a:effectLst/>
-                <a:latin typeface="+mn-lt"/>
-                <a:ea typeface="+mn-ea"/>
-                <a:cs typeface="+mn-cs"/>
-              </a:rPr>
-              <a:t>Password</a:t>
-            </a:r>
-            <a:r>
-              <a:rPr lang="ru-RU" sz="1200" kern="1200" dirty="0" smtClean="0">
-                <a:solidFill>
-                  <a:schemeClr val="tx1"/>
-                </a:solidFill>
-                <a:effectLst/>
-                <a:latin typeface="+mn-lt"/>
-                <a:ea typeface="+mn-ea"/>
-                <a:cs typeface="+mn-cs"/>
-              </a:rPr>
-              <a:t>_</a:t>
-            </a:r>
-            <a:r>
-              <a:rPr lang="en-US" sz="1200" kern="1200" dirty="0" smtClean="0">
-                <a:solidFill>
-                  <a:schemeClr val="tx1"/>
-                </a:solidFill>
-                <a:effectLst/>
-                <a:latin typeface="+mn-lt"/>
-                <a:ea typeface="+mn-ea"/>
-                <a:cs typeface="+mn-cs"/>
-              </a:rPr>
-              <a:t>hash </a:t>
-            </a:r>
-            <a:r>
-              <a:rPr lang="ru-RU" sz="1200" kern="1200" dirty="0" smtClean="0">
-                <a:solidFill>
-                  <a:schemeClr val="tx1"/>
-                </a:solidFill>
-                <a:effectLst/>
-                <a:latin typeface="+mn-lt"/>
-                <a:ea typeface="+mn-ea"/>
-                <a:cs typeface="+mn-cs"/>
-              </a:rPr>
-              <a:t>– </a:t>
-            </a:r>
-            <a:r>
-              <a:rPr lang="ru-RU" sz="1200" kern="1200" dirty="0" err="1" smtClean="0">
-                <a:solidFill>
-                  <a:schemeClr val="tx1"/>
-                </a:solidFill>
-                <a:effectLst/>
-                <a:latin typeface="+mn-lt"/>
-                <a:ea typeface="+mn-ea"/>
-                <a:cs typeface="+mn-cs"/>
-              </a:rPr>
-              <a:t>хеш</a:t>
-            </a:r>
-            <a:r>
-              <a:rPr lang="ru-RU" sz="1200" kern="1200" dirty="0" smtClean="0">
-                <a:solidFill>
-                  <a:schemeClr val="tx1"/>
-                </a:solidFill>
-                <a:effectLst/>
-                <a:latin typeface="+mn-lt"/>
-                <a:ea typeface="+mn-ea"/>
-                <a:cs typeface="+mn-cs"/>
-              </a:rPr>
-              <a:t> пароля. Сами пароли не хранятся</a:t>
-            </a:r>
-          </a:p>
-          <a:p>
-            <a:pPr lvl="0"/>
-            <a:r>
-              <a:rPr lang="ru-RU" sz="1200" kern="1200" dirty="0" smtClean="0">
-                <a:solidFill>
-                  <a:schemeClr val="tx1"/>
-                </a:solidFill>
-                <a:effectLst/>
-                <a:latin typeface="+mn-lt"/>
-                <a:ea typeface="+mn-ea"/>
-                <a:cs typeface="+mn-cs"/>
-              </a:rPr>
-              <a:t>4) (анимация) </a:t>
-            </a:r>
-            <a:r>
-              <a:rPr lang="en-US" sz="1200" kern="1200" dirty="0" smtClean="0">
-                <a:solidFill>
-                  <a:schemeClr val="tx1"/>
-                </a:solidFill>
-                <a:effectLst/>
-                <a:latin typeface="+mn-lt"/>
-                <a:ea typeface="+mn-ea"/>
-                <a:cs typeface="+mn-cs"/>
-              </a:rPr>
-              <a:t>Name </a:t>
-            </a:r>
-            <a:r>
-              <a:rPr lang="ru-RU" sz="1200" kern="1200" dirty="0" smtClean="0">
-                <a:solidFill>
-                  <a:schemeClr val="tx1"/>
-                </a:solidFill>
-                <a:effectLst/>
-                <a:latin typeface="+mn-lt"/>
-                <a:ea typeface="+mn-ea"/>
-                <a:cs typeface="+mn-cs"/>
-              </a:rPr>
-              <a:t>– ФИО экскурсовода. При вводе оно проверяется на наличие имени и фамилии. Отчество не обязательно</a:t>
-            </a:r>
-          </a:p>
-          <a:p>
-            <a:pPr lvl="0"/>
-            <a:r>
-              <a:rPr lang="ru-RU" sz="1200" kern="1200" dirty="0" smtClean="0">
-                <a:solidFill>
-                  <a:schemeClr val="tx1"/>
-                </a:solidFill>
-                <a:effectLst/>
-                <a:latin typeface="+mn-lt"/>
-                <a:ea typeface="+mn-ea"/>
-                <a:cs typeface="+mn-cs"/>
-              </a:rPr>
-              <a:t>5) (анимация) </a:t>
-            </a:r>
-            <a:r>
-              <a:rPr lang="en-US" sz="1200" kern="1200" dirty="0" smtClean="0">
-                <a:solidFill>
-                  <a:schemeClr val="tx1"/>
-                </a:solidFill>
-                <a:effectLst/>
-                <a:latin typeface="+mn-lt"/>
-                <a:ea typeface="+mn-ea"/>
-                <a:cs typeface="+mn-cs"/>
-              </a:rPr>
-              <a:t>Excursion</a:t>
-            </a:r>
-            <a:r>
-              <a:rPr lang="ru-RU" sz="1200" kern="1200" dirty="0" smtClean="0">
-                <a:solidFill>
-                  <a:schemeClr val="tx1"/>
-                </a:solidFill>
-                <a:effectLst/>
-                <a:latin typeface="+mn-lt"/>
-                <a:ea typeface="+mn-ea"/>
-                <a:cs typeface="+mn-cs"/>
-              </a:rPr>
-              <a:t>_</a:t>
-            </a:r>
-            <a:r>
-              <a:rPr lang="en-US" sz="1200" kern="1200" dirty="0" smtClean="0">
-                <a:solidFill>
-                  <a:schemeClr val="tx1"/>
-                </a:solidFill>
-                <a:effectLst/>
-                <a:latin typeface="+mn-lt"/>
-                <a:ea typeface="+mn-ea"/>
-                <a:cs typeface="+mn-cs"/>
-              </a:rPr>
-              <a:t>name </a:t>
-            </a:r>
-            <a:r>
-              <a:rPr lang="ru-RU" sz="1200" kern="1200" dirty="0" smtClean="0">
-                <a:solidFill>
-                  <a:schemeClr val="tx1"/>
-                </a:solidFill>
-                <a:effectLst/>
-                <a:latin typeface="+mn-lt"/>
-                <a:ea typeface="+mn-ea"/>
-                <a:cs typeface="+mn-cs"/>
-              </a:rPr>
-              <a:t>– Название экскурсии. Проверяется на длину – не больше 200 символов</a:t>
-            </a:r>
-          </a:p>
-          <a:p>
-            <a:pPr lvl="0"/>
-            <a:r>
-              <a:rPr lang="ru-RU" sz="1200" kern="1200" dirty="0" smtClean="0">
-                <a:solidFill>
-                  <a:schemeClr val="tx1"/>
-                </a:solidFill>
-                <a:effectLst/>
-                <a:latin typeface="+mn-lt"/>
-                <a:ea typeface="+mn-ea"/>
-                <a:cs typeface="+mn-cs"/>
-              </a:rPr>
-              <a:t>6) (анимация) </a:t>
-            </a:r>
-            <a:r>
-              <a:rPr lang="en-US" sz="1200" kern="1200" dirty="0" smtClean="0">
-                <a:solidFill>
-                  <a:schemeClr val="tx1"/>
-                </a:solidFill>
-                <a:effectLst/>
-                <a:latin typeface="+mn-lt"/>
-                <a:ea typeface="+mn-ea"/>
-                <a:cs typeface="+mn-cs"/>
-              </a:rPr>
-              <a:t>Excursion</a:t>
-            </a:r>
-            <a:r>
-              <a:rPr lang="ru-RU" sz="1200" kern="1200" dirty="0" smtClean="0">
-                <a:solidFill>
-                  <a:schemeClr val="tx1"/>
-                </a:solidFill>
-                <a:effectLst/>
-                <a:latin typeface="+mn-lt"/>
-                <a:ea typeface="+mn-ea"/>
-                <a:cs typeface="+mn-cs"/>
-              </a:rPr>
-              <a:t>_</a:t>
-            </a:r>
-            <a:r>
-              <a:rPr lang="en-US" sz="1200" kern="1200" dirty="0" smtClean="0">
-                <a:solidFill>
-                  <a:schemeClr val="tx1"/>
-                </a:solidFill>
-                <a:effectLst/>
-                <a:latin typeface="+mn-lt"/>
-                <a:ea typeface="+mn-ea"/>
-                <a:cs typeface="+mn-cs"/>
-              </a:rPr>
-              <a:t>description </a:t>
-            </a:r>
-            <a:r>
-              <a:rPr lang="ru-RU" sz="1200" kern="1200" dirty="0" smtClean="0">
-                <a:solidFill>
-                  <a:schemeClr val="tx1"/>
-                </a:solidFill>
-                <a:effectLst/>
-                <a:latin typeface="+mn-lt"/>
-                <a:ea typeface="+mn-ea"/>
-                <a:cs typeface="+mn-cs"/>
-              </a:rPr>
-              <a:t>– Описание экскурсии. Также проверяется на длины – не больше 1500 символов</a:t>
-            </a:r>
-          </a:p>
-          <a:p>
-            <a:pPr lvl="0"/>
-            <a:r>
-              <a:rPr lang="ru-RU" sz="1200" kern="1200" dirty="0" smtClean="0">
-                <a:solidFill>
-                  <a:schemeClr val="tx1"/>
-                </a:solidFill>
-                <a:effectLst/>
-                <a:latin typeface="+mn-lt"/>
-                <a:ea typeface="+mn-ea"/>
-                <a:cs typeface="+mn-cs"/>
-              </a:rPr>
-              <a:t>7) (анимация) </a:t>
-            </a:r>
-            <a:r>
-              <a:rPr lang="en-US" sz="1200" kern="1200" dirty="0" smtClean="0">
-                <a:solidFill>
-                  <a:schemeClr val="tx1"/>
-                </a:solidFill>
-                <a:effectLst/>
-                <a:latin typeface="+mn-lt"/>
-                <a:ea typeface="+mn-ea"/>
-                <a:cs typeface="+mn-cs"/>
-              </a:rPr>
-              <a:t>Excursion</a:t>
-            </a:r>
-            <a:r>
-              <a:rPr lang="ru-RU" sz="1200" kern="1200" dirty="0" smtClean="0">
-                <a:solidFill>
-                  <a:schemeClr val="tx1"/>
-                </a:solidFill>
-                <a:effectLst/>
-                <a:latin typeface="+mn-lt"/>
-                <a:ea typeface="+mn-ea"/>
-                <a:cs typeface="+mn-cs"/>
-              </a:rPr>
-              <a:t>_</a:t>
-            </a:r>
-            <a:r>
-              <a:rPr lang="en-US" sz="1200" kern="1200" dirty="0" smtClean="0">
-                <a:solidFill>
-                  <a:schemeClr val="tx1"/>
-                </a:solidFill>
-                <a:effectLst/>
-                <a:latin typeface="+mn-lt"/>
-                <a:ea typeface="+mn-ea"/>
-                <a:cs typeface="+mn-cs"/>
-              </a:rPr>
-              <a:t>duration </a:t>
-            </a:r>
-            <a:r>
-              <a:rPr lang="ru-RU" sz="1200" kern="1200" dirty="0" smtClean="0">
-                <a:solidFill>
-                  <a:schemeClr val="tx1"/>
-                </a:solidFill>
-                <a:effectLst/>
-                <a:latin typeface="+mn-lt"/>
-                <a:ea typeface="+mn-ea"/>
-                <a:cs typeface="+mn-cs"/>
-              </a:rPr>
-              <a:t>– Длительность экскурсии. Задается в часах и минутах.</a:t>
-            </a:r>
-          </a:p>
-          <a:p>
-            <a:pPr lvl="0"/>
-            <a:r>
-              <a:rPr lang="ru-RU" sz="1200" kern="1200" dirty="0" smtClean="0">
-                <a:solidFill>
-                  <a:schemeClr val="tx1"/>
-                </a:solidFill>
-                <a:effectLst/>
-                <a:latin typeface="+mn-lt"/>
-                <a:ea typeface="+mn-ea"/>
-                <a:cs typeface="+mn-cs"/>
-              </a:rPr>
-              <a:t>8) (анимация) </a:t>
-            </a:r>
-            <a:r>
-              <a:rPr lang="en-US" sz="1200" kern="1200" dirty="0" smtClean="0">
-                <a:solidFill>
-                  <a:schemeClr val="tx1"/>
-                </a:solidFill>
-                <a:effectLst/>
-                <a:latin typeface="+mn-lt"/>
-                <a:ea typeface="+mn-ea"/>
-                <a:cs typeface="+mn-cs"/>
-              </a:rPr>
-              <a:t>Place</a:t>
-            </a:r>
-            <a:r>
-              <a:rPr lang="ru-RU" sz="1200" kern="1200" dirty="0" smtClean="0">
-                <a:solidFill>
-                  <a:schemeClr val="tx1"/>
-                </a:solidFill>
-                <a:effectLst/>
-                <a:latin typeface="+mn-lt"/>
-                <a:ea typeface="+mn-ea"/>
-                <a:cs typeface="+mn-cs"/>
-              </a:rPr>
-              <a:t>_</a:t>
-            </a:r>
-            <a:r>
-              <a:rPr lang="en-US" sz="1200" kern="1200" dirty="0" smtClean="0">
-                <a:solidFill>
-                  <a:schemeClr val="tx1"/>
-                </a:solidFill>
-                <a:effectLst/>
-                <a:latin typeface="+mn-lt"/>
-                <a:ea typeface="+mn-ea"/>
-                <a:cs typeface="+mn-cs"/>
-              </a:rPr>
-              <a:t>description </a:t>
-            </a:r>
-            <a:r>
-              <a:rPr lang="ru-RU" sz="1200" kern="1200" dirty="0" smtClean="0">
-                <a:solidFill>
-                  <a:schemeClr val="tx1"/>
-                </a:solidFill>
-                <a:effectLst/>
-                <a:latin typeface="+mn-lt"/>
-                <a:ea typeface="+mn-ea"/>
-                <a:cs typeface="+mn-cs"/>
-              </a:rPr>
-              <a:t>– Описание места встречи. Не больше 500 символов</a:t>
-            </a:r>
-          </a:p>
-          <a:p>
-            <a:pPr lvl="0"/>
-            <a:r>
-              <a:rPr lang="ru-RU" sz="1200" kern="1200" dirty="0" smtClean="0">
-                <a:solidFill>
-                  <a:schemeClr val="tx1"/>
-                </a:solidFill>
-                <a:effectLst/>
-                <a:latin typeface="+mn-lt"/>
-                <a:ea typeface="+mn-ea"/>
-                <a:cs typeface="+mn-cs"/>
-              </a:rPr>
-              <a:t>9) (анимация) </a:t>
-            </a:r>
-            <a:r>
-              <a:rPr lang="en-US" sz="1200" kern="1200" dirty="0" smtClean="0">
-                <a:solidFill>
-                  <a:schemeClr val="tx1"/>
-                </a:solidFill>
-                <a:effectLst/>
-                <a:latin typeface="+mn-lt"/>
-                <a:ea typeface="+mn-ea"/>
-                <a:cs typeface="+mn-cs"/>
-              </a:rPr>
-              <a:t>Currency </a:t>
-            </a:r>
-            <a:r>
-              <a:rPr lang="ru-RU" sz="1200" kern="1200" dirty="0" smtClean="0">
-                <a:solidFill>
-                  <a:schemeClr val="tx1"/>
-                </a:solidFill>
-                <a:effectLst/>
-                <a:latin typeface="+mn-lt"/>
-                <a:ea typeface="+mn-ea"/>
-                <a:cs typeface="+mn-cs"/>
-              </a:rPr>
-              <a:t>– валюта, в которой задается стоимость. Возможен рубль, евро и доллар</a:t>
-            </a:r>
-          </a:p>
-          <a:p>
-            <a:pPr lvl="0"/>
-            <a:r>
-              <a:rPr lang="ru-RU" sz="1200" kern="1200" dirty="0" smtClean="0">
-                <a:solidFill>
-                  <a:schemeClr val="tx1"/>
-                </a:solidFill>
-                <a:effectLst/>
-                <a:latin typeface="+mn-lt"/>
-                <a:ea typeface="+mn-ea"/>
-                <a:cs typeface="+mn-cs"/>
-              </a:rPr>
-              <a:t>10) (анимация) </a:t>
-            </a:r>
-            <a:r>
-              <a:rPr lang="en-US" sz="1200" kern="1200" dirty="0" err="1" smtClean="0">
-                <a:solidFill>
-                  <a:schemeClr val="tx1"/>
-                </a:solidFill>
-                <a:effectLst/>
-                <a:latin typeface="+mn-lt"/>
-                <a:ea typeface="+mn-ea"/>
-                <a:cs typeface="+mn-cs"/>
-              </a:rPr>
-              <a:t>Sile</a:t>
-            </a:r>
-            <a:r>
-              <a:rPr lang="en-US" sz="1200" kern="1200" dirty="0" smtClean="0">
-                <a:solidFill>
-                  <a:schemeClr val="tx1"/>
-                </a:solidFill>
-                <a:effectLst/>
-                <a:latin typeface="+mn-lt"/>
-                <a:ea typeface="+mn-ea"/>
-                <a:cs typeface="+mn-cs"/>
-              </a:rPr>
-              <a:t> </a:t>
-            </a:r>
-            <a:r>
-              <a:rPr lang="ru-RU" sz="1200" kern="1200" dirty="0" smtClean="0">
-                <a:solidFill>
-                  <a:schemeClr val="tx1"/>
-                </a:solidFill>
-                <a:effectLst/>
-                <a:latin typeface="+mn-lt"/>
-                <a:ea typeface="+mn-ea"/>
-                <a:cs typeface="+mn-cs"/>
-              </a:rPr>
-              <a:t>– стоимость экскурсии в выбранной валюте</a:t>
-            </a:r>
-          </a:p>
-          <a:p>
-            <a:pPr lvl="0"/>
-            <a:r>
-              <a:rPr lang="ru-RU" sz="1200" kern="1200" dirty="0" smtClean="0">
-                <a:solidFill>
-                  <a:schemeClr val="tx1"/>
-                </a:solidFill>
-                <a:effectLst/>
-                <a:latin typeface="+mn-lt"/>
-                <a:ea typeface="+mn-ea"/>
-                <a:cs typeface="+mn-cs"/>
-              </a:rPr>
-              <a:t>11) (анимация) </a:t>
-            </a:r>
-            <a:r>
-              <a:rPr lang="en-US" sz="1200" kern="1200" dirty="0" smtClean="0">
-                <a:solidFill>
-                  <a:schemeClr val="tx1"/>
-                </a:solidFill>
-                <a:effectLst/>
-                <a:latin typeface="+mn-lt"/>
-                <a:ea typeface="+mn-ea"/>
-                <a:cs typeface="+mn-cs"/>
-              </a:rPr>
-              <a:t>Telephone</a:t>
-            </a:r>
-            <a:r>
-              <a:rPr lang="ru-RU" sz="1200" kern="1200" dirty="0" smtClean="0">
-                <a:solidFill>
-                  <a:schemeClr val="tx1"/>
-                </a:solidFill>
-                <a:effectLst/>
-                <a:latin typeface="+mn-lt"/>
-                <a:ea typeface="+mn-ea"/>
-                <a:cs typeface="+mn-cs"/>
-              </a:rPr>
-              <a:t>_</a:t>
-            </a:r>
-            <a:r>
-              <a:rPr lang="en-US" sz="1200" kern="1200" dirty="0" smtClean="0">
-                <a:solidFill>
-                  <a:schemeClr val="tx1"/>
-                </a:solidFill>
-                <a:effectLst/>
-                <a:latin typeface="+mn-lt"/>
-                <a:ea typeface="+mn-ea"/>
-                <a:cs typeface="+mn-cs"/>
-              </a:rPr>
-              <a:t>number </a:t>
-            </a:r>
-            <a:r>
-              <a:rPr lang="ru-RU" sz="1200" kern="1200" dirty="0" smtClean="0">
-                <a:solidFill>
-                  <a:schemeClr val="tx1"/>
-                </a:solidFill>
-                <a:effectLst/>
-                <a:latin typeface="+mn-lt"/>
-                <a:ea typeface="+mn-ea"/>
-                <a:cs typeface="+mn-cs"/>
-              </a:rPr>
-              <a:t>– Номер телефона экскурсовода</a:t>
-            </a:r>
-          </a:p>
-          <a:p>
-            <a:pPr lvl="0"/>
-            <a:r>
-              <a:rPr lang="ru-RU" sz="1200" kern="1200" dirty="0" smtClean="0">
-                <a:solidFill>
-                  <a:schemeClr val="tx1"/>
-                </a:solidFill>
-                <a:effectLst/>
-                <a:latin typeface="+mn-lt"/>
-                <a:ea typeface="+mn-ea"/>
-                <a:cs typeface="+mn-cs"/>
-              </a:rPr>
-              <a:t>12) (анимация) </a:t>
-            </a:r>
-            <a:r>
-              <a:rPr lang="en-US" sz="1200" kern="1200" dirty="0" smtClean="0">
-                <a:solidFill>
-                  <a:schemeClr val="tx1"/>
-                </a:solidFill>
-                <a:effectLst/>
-                <a:latin typeface="+mn-lt"/>
-                <a:ea typeface="+mn-ea"/>
-                <a:cs typeface="+mn-cs"/>
-              </a:rPr>
-              <a:t>Number – </a:t>
-            </a:r>
-            <a:r>
-              <a:rPr lang="ru-RU" sz="1200" kern="1200" dirty="0" smtClean="0">
-                <a:solidFill>
-                  <a:schemeClr val="tx1"/>
-                </a:solidFill>
-                <a:effectLst/>
-                <a:latin typeface="+mn-lt"/>
-                <a:ea typeface="+mn-ea"/>
-                <a:cs typeface="+mn-cs"/>
-              </a:rPr>
-              <a:t>номер экскурсии в городе</a:t>
-            </a:r>
-          </a:p>
-          <a:p>
-            <a:pPr lvl="0"/>
-            <a:r>
-              <a:rPr lang="ru-RU" sz="1200" kern="1200" dirty="0" smtClean="0">
-                <a:solidFill>
-                  <a:schemeClr val="tx1"/>
-                </a:solidFill>
-                <a:effectLst/>
-                <a:latin typeface="+mn-lt"/>
-                <a:ea typeface="+mn-ea"/>
-                <a:cs typeface="+mn-cs"/>
-              </a:rPr>
-              <a:t>13) (анимация) </a:t>
-            </a:r>
-            <a:r>
-              <a:rPr lang="en-US" sz="1200" kern="1200" dirty="0" smtClean="0">
-                <a:solidFill>
-                  <a:schemeClr val="tx1"/>
-                </a:solidFill>
-                <a:effectLst/>
-                <a:latin typeface="+mn-lt"/>
-                <a:ea typeface="+mn-ea"/>
-                <a:cs typeface="+mn-cs"/>
-              </a:rPr>
-              <a:t>City </a:t>
-            </a:r>
-            <a:r>
-              <a:rPr lang="ru-RU" sz="1200" kern="1200" dirty="0" smtClean="0">
-                <a:solidFill>
-                  <a:schemeClr val="tx1"/>
-                </a:solidFill>
-                <a:effectLst/>
-                <a:latin typeface="+mn-lt"/>
-                <a:ea typeface="+mn-ea"/>
-                <a:cs typeface="+mn-cs"/>
-              </a:rPr>
-              <a:t>– город экскурсии. Нужен для сортировки экскурсий по городам, а также для задания номера экскурсий в конкретном городе</a:t>
-            </a:r>
-          </a:p>
-          <a:p>
-            <a:pPr lvl="0"/>
-            <a:r>
-              <a:rPr lang="ru-RU" sz="1200" kern="1200" dirty="0" smtClean="0">
-                <a:solidFill>
-                  <a:schemeClr val="tx1"/>
-                </a:solidFill>
-                <a:effectLst/>
-                <a:latin typeface="+mn-lt"/>
-                <a:ea typeface="+mn-ea"/>
-                <a:cs typeface="+mn-cs"/>
-              </a:rPr>
-              <a:t>14) (анимация) </a:t>
-            </a:r>
-            <a:r>
-              <a:rPr lang="en-US" sz="1200" kern="1200" dirty="0" smtClean="0">
-                <a:solidFill>
-                  <a:schemeClr val="tx1"/>
-                </a:solidFill>
-                <a:effectLst/>
-                <a:latin typeface="+mn-lt"/>
-                <a:ea typeface="+mn-ea"/>
-                <a:cs typeface="+mn-cs"/>
-              </a:rPr>
-              <a:t>Pt </a:t>
-            </a:r>
-            <a:r>
-              <a:rPr lang="ru-RU" sz="1200" kern="1200" dirty="0" smtClean="0">
-                <a:solidFill>
-                  <a:schemeClr val="tx1"/>
-                </a:solidFill>
-                <a:effectLst/>
-                <a:latin typeface="+mn-lt"/>
-                <a:ea typeface="+mn-ea"/>
-                <a:cs typeface="+mn-cs"/>
-              </a:rPr>
-              <a:t>– координаты и тип метки, чтобы сразу добавлять ее на карту, не делая каждый раз новый запрос к </a:t>
-            </a:r>
-            <a:r>
-              <a:rPr lang="ru-RU" sz="1200" kern="1200" dirty="0" err="1" smtClean="0">
-                <a:solidFill>
-                  <a:schemeClr val="tx1"/>
-                </a:solidFill>
-                <a:effectLst/>
-                <a:latin typeface="+mn-lt"/>
-                <a:ea typeface="+mn-ea"/>
-                <a:cs typeface="+mn-cs"/>
-              </a:rPr>
-              <a:t>геокодеру</a:t>
-            </a:r>
-            <a:endParaRPr lang="ru-RU" sz="1200" kern="1200" dirty="0">
-              <a:solidFill>
-                <a:schemeClr val="tx1"/>
-              </a:solidFill>
-              <a:effectLst/>
-              <a:latin typeface="+mn-lt"/>
-              <a:ea typeface="+mn-ea"/>
-              <a:cs typeface="+mn-cs"/>
-            </a:endParaRPr>
+              <a:t>. </a:t>
+            </a:r>
+          </a:p>
+          <a:p>
+            <a:endParaRPr lang="ru-RU" dirty="0"/>
           </a:p>
         </p:txBody>
       </p:sp>
@@ -2747,7 +2033,7 @@
     </p:spTree>
     <p:extLst>
       <p:ext uri="{BB962C8B-B14F-4D97-AF65-F5344CB8AC3E}">
-        <p14:creationId xmlns:p14="http://schemas.microsoft.com/office/powerpoint/2010/main" val="3012945884"/>
+        <p14:creationId xmlns:p14="http://schemas.microsoft.com/office/powerpoint/2010/main" val="2828218977"/>
       </p:ext>
     </p:extLst>
   </p:cSld>
@@ -2828,19 +2114,19 @@
                 <a:ea typeface="+mn-ea"/>
                 <a:cs typeface="+mn-cs"/>
               </a:rPr>
-              <a:t>В целях улучшения проекта можно добавить в него множество интересных функций, которые я не успел добавить. Например, можно добавить функцию</a:t>
-            </a:r>
-            <a:r>
-              <a:rPr lang="en-US" sz="1200" kern="1200" dirty="0" smtClean="0">
-                <a:solidFill>
-                  <a:schemeClr val="tx1"/>
-                </a:solidFill>
-                <a:effectLst/>
-                <a:latin typeface="+mn-lt"/>
-                <a:ea typeface="+mn-ea"/>
-                <a:cs typeface="+mn-cs"/>
-              </a:rPr>
-              <a:t> (</a:t>
+              <a:t>В данный момент я сам добавил </a:t>
+            </a:r>
+            <a:r>
+              <a:rPr lang="ru-RU" sz="1200" kern="1200" dirty="0" err="1" smtClean="0">
+                <a:solidFill>
+                  <a:schemeClr val="tx1"/>
+                </a:solidFill>
+                <a:effectLst/>
+                <a:latin typeface="+mn-lt"/>
+                <a:ea typeface="+mn-ea"/>
+                <a:cs typeface="+mn-cs"/>
+              </a:rPr>
+              <a:t>аудиоэкскурсии</a:t>
             </a:r>
             <a:r>
               <a:rPr lang="ru-RU" sz="1200" kern="1200" dirty="0" smtClean="0">
@@ -2852,19 +2138,19 @@
                 <a:ea typeface="+mn-ea"/>
                 <a:cs typeface="+mn-cs"/>
               </a:rPr>
-              <a:t>анимация) поиска экскурсий в каком-то городе по времени. Например, вы хотите пойти на экскурсию в ближайшие 2 часа, и навык сможет вам с этим помощь. Также можно добавить функцию </a:t>
-            </a:r>
-            <a:r>
-              <a:rPr lang="en-US" sz="1200" kern="1200" dirty="0" smtClean="0">
-                <a:solidFill>
-                  <a:schemeClr val="tx1"/>
-                </a:solidFill>
-                <a:effectLst/>
-                <a:latin typeface="+mn-lt"/>
-                <a:ea typeface="+mn-ea"/>
-                <a:cs typeface="+mn-cs"/>
-              </a:rPr>
-              <a:t>(</a:t>
+              <a:t> для половины городов Золотого кольца России: Ярославля, Переславля-Залесского, Сергиева-Посада и Великого Ростова. И вы можете их прослушать прямо сейчас. В ближайшее время я планирую добавить и для остальных городов Золотого кольца. Это очень удобно, вы путешествуете по городу, говорите Алисе, например, «покажи </a:t>
+            </a:r>
+            <a:r>
+              <a:rPr lang="ru-RU" sz="1200" kern="1200" dirty="0" err="1" smtClean="0">
+                <a:solidFill>
+                  <a:schemeClr val="tx1"/>
+                </a:solidFill>
+                <a:effectLst/>
+                <a:latin typeface="+mn-lt"/>
+                <a:ea typeface="+mn-ea"/>
+                <a:cs typeface="+mn-cs"/>
+              </a:rPr>
+              <a:t>аудиоэкскурсии</a:t>
             </a:r>
             <a:r>
               <a:rPr lang="ru-RU" sz="1200" kern="1200" dirty="0" smtClean="0">
@@ -2876,19 +2162,19 @@
                 <a:ea typeface="+mn-ea"/>
                 <a:cs typeface="+mn-cs"/>
               </a:rPr>
-              <a:t>анимация) поиска ближайших 5 экскурсий по введенному адресу. А</a:t>
-            </a:r>
-            <a:r>
-              <a:rPr lang="ru-RU" sz="1200" kern="1200" baseline="0" dirty="0" smtClean="0">
-                <a:solidFill>
-                  <a:schemeClr val="tx1"/>
-                </a:solidFill>
-                <a:effectLst/>
-                <a:latin typeface="+mn-lt"/>
-                <a:ea typeface="+mn-ea"/>
-                <a:cs typeface="+mn-cs"/>
-              </a:rPr>
-              <a:t> ч</a:t>
+              <a:t> в Ярославле», и у вас будет на выбор все экскурсии, которые добавляли пользователи. Выбрав подходящую, вам достаточно добраться до места начала </a:t>
+            </a:r>
+            <a:r>
+              <a:rPr lang="ru-RU" sz="1200" kern="1200" dirty="0" err="1" smtClean="0">
+                <a:solidFill>
+                  <a:schemeClr val="tx1"/>
+                </a:solidFill>
+                <a:effectLst/>
+                <a:latin typeface="+mn-lt"/>
+                <a:ea typeface="+mn-ea"/>
+                <a:cs typeface="+mn-cs"/>
+              </a:rPr>
+              <a:t>аудиоэкскурсии</a:t>
             </a:r>
             <a:r>
               <a:rPr lang="ru-RU" sz="1200" kern="1200" dirty="0" smtClean="0">
@@ -2900,55 +2186,7 @@
                 <a:ea typeface="+mn-ea"/>
                 <a:cs typeface="+mn-cs"/>
               </a:rPr>
-              <a:t>тобы было проще найти подходящую экскурсию, можно добавить </a:t>
-            </a:r>
-            <a:r>
-              <a:rPr lang="en-US" sz="1200" kern="1200" dirty="0" smtClean="0">
-                <a:solidFill>
-                  <a:schemeClr val="tx1"/>
-                </a:solidFill>
-                <a:effectLst/>
-                <a:latin typeface="+mn-lt"/>
-                <a:ea typeface="+mn-ea"/>
-                <a:cs typeface="+mn-cs"/>
-              </a:rPr>
-              <a:t>(</a:t>
-            </a:r>
-            <a:r>
-              <a:rPr lang="ru-RU" sz="1200" kern="1200" dirty="0" smtClean="0">
-                <a:solidFill>
-                  <a:schemeClr val="tx1"/>
-                </a:solidFill>
-                <a:effectLst/>
-                <a:latin typeface="+mn-lt"/>
-                <a:ea typeface="+mn-ea"/>
-                <a:cs typeface="+mn-cs"/>
-              </a:rPr>
-              <a:t>анимация) поиск экскурсий в городе по ключевым словам. Например, если экскурсии в Москве, то запрос мог выглядеть так «Красная площадь, нулевой километр, Собор Василия Блаженного». И в зависимости от количества совпадений ключевых слов с описанием экскурсии, выводился бы рейтинг экскурсий по этим словам. Чтобы экскурсоводу было проще определить, сколько человек будет на экскурсии, можно добавить </a:t>
-            </a:r>
-            <a:r>
-              <a:rPr lang="en-US" sz="1200" kern="1200" dirty="0" smtClean="0">
-                <a:solidFill>
-                  <a:schemeClr val="tx1"/>
-                </a:solidFill>
-                <a:effectLst/>
-                <a:latin typeface="+mn-lt"/>
-                <a:ea typeface="+mn-ea"/>
-                <a:cs typeface="+mn-cs"/>
-              </a:rPr>
-              <a:t>(</a:t>
-            </a:r>
-            <a:r>
-              <a:rPr lang="ru-RU" sz="1200" kern="1200" dirty="0" smtClean="0">
-                <a:solidFill>
-                  <a:schemeClr val="tx1"/>
-                </a:solidFill>
-                <a:effectLst/>
-                <a:latin typeface="+mn-lt"/>
-                <a:ea typeface="+mn-ea"/>
-                <a:cs typeface="+mn-cs"/>
-              </a:rPr>
-              <a:t>анимация) возможность записаться на экскурсию по электронной почте с подтверждением этой почты. А в описании экскурсии отображалось бы, сколько человек уже записались.</a:t>
+              <a:t>, и запустить прослушивание экскурсии. </a:t>
             </a:r>
           </a:p>
           <a:p>
@@ -2982,7 +2220,7 @@
     </p:spTree>
     <p:extLst>
       <p:ext uri="{BB962C8B-B14F-4D97-AF65-F5344CB8AC3E}">
-        <p14:creationId xmlns:p14="http://schemas.microsoft.com/office/powerpoint/2010/main" val="4264195412"/>
+        <p14:creationId xmlns:p14="http://schemas.microsoft.com/office/powerpoint/2010/main" val="2884494381"/>
       </p:ext>
     </p:extLst>
   </p:cSld>
@@ -3036,6 +2274,345 @@
           <a:bodyPr/>
           <a:lstStyle/>
           <a:p>
+            <a:pPr lvl="0"/>
+            <a:r>
+              <a:rPr lang="en-US" sz="1200" kern="1200" dirty="0" smtClean="0">
+                <a:solidFill>
+                  <a:schemeClr val="tx1"/>
+                </a:solidFill>
+                <a:effectLst/>
+                <a:latin typeface="+mn-lt"/>
+                <a:ea typeface="+mn-ea"/>
+                <a:cs typeface="+mn-cs"/>
+              </a:rPr>
+              <a:t>1) </a:t>
+            </a:r>
+            <a:r>
+              <a:rPr lang="ru-RU" sz="1200" kern="1200" dirty="0" smtClean="0">
+                <a:solidFill>
+                  <a:schemeClr val="tx1"/>
+                </a:solidFill>
+                <a:effectLst/>
+                <a:latin typeface="+mn-lt"/>
+                <a:ea typeface="+mn-ea"/>
+                <a:cs typeface="+mn-cs"/>
+              </a:rPr>
+              <a:t>(анимация) Библиотека </a:t>
+            </a:r>
+            <a:r>
+              <a:rPr lang="en-US" sz="1200" kern="1200" dirty="0" smtClean="0">
+                <a:solidFill>
+                  <a:schemeClr val="tx1"/>
+                </a:solidFill>
+                <a:effectLst/>
+                <a:latin typeface="+mn-lt"/>
+                <a:ea typeface="+mn-ea"/>
+                <a:cs typeface="+mn-cs"/>
+              </a:rPr>
+              <a:t>flask</a:t>
+            </a:r>
+            <a:endParaRPr lang="ru-RU" sz="1200" kern="1200" dirty="0" smtClean="0">
+              <a:solidFill>
+                <a:schemeClr val="tx1"/>
+              </a:solidFill>
+              <a:effectLst/>
+              <a:latin typeface="+mn-lt"/>
+              <a:ea typeface="+mn-ea"/>
+              <a:cs typeface="+mn-cs"/>
+            </a:endParaRPr>
+          </a:p>
+          <a:p>
+            <a:pPr lvl="0"/>
+            <a:r>
+              <a:rPr lang="en-US" sz="1200" kern="1200" dirty="0" smtClean="0">
+                <a:solidFill>
+                  <a:schemeClr val="tx1"/>
+                </a:solidFill>
+                <a:effectLst/>
+                <a:latin typeface="+mn-lt"/>
+                <a:ea typeface="+mn-ea"/>
+                <a:cs typeface="+mn-cs"/>
+              </a:rPr>
+              <a:t>2)</a:t>
+            </a:r>
+            <a:r>
+              <a:rPr lang="en-US" sz="1200" kern="1200" baseline="0" dirty="0" smtClean="0">
+                <a:solidFill>
+                  <a:schemeClr val="tx1"/>
+                </a:solidFill>
+                <a:effectLst/>
+                <a:latin typeface="+mn-lt"/>
+                <a:ea typeface="+mn-ea"/>
+                <a:cs typeface="+mn-cs"/>
+              </a:rPr>
+              <a:t> </a:t>
+            </a:r>
+            <a:r>
+              <a:rPr lang="ru-RU" sz="1200" kern="1200" dirty="0" smtClean="0">
+                <a:solidFill>
+                  <a:schemeClr val="tx1"/>
+                </a:solidFill>
+                <a:effectLst/>
+                <a:latin typeface="+mn-lt"/>
+                <a:ea typeface="+mn-ea"/>
+                <a:cs typeface="+mn-cs"/>
+              </a:rPr>
+              <a:t>(анимация) </a:t>
+            </a:r>
+            <a:r>
+              <a:rPr lang="en-US" sz="1200" kern="1200" dirty="0" smtClean="0">
+                <a:solidFill>
+                  <a:schemeClr val="tx1"/>
+                </a:solidFill>
+                <a:effectLst/>
+                <a:latin typeface="+mn-lt"/>
+                <a:ea typeface="+mn-ea"/>
+                <a:cs typeface="+mn-cs"/>
+              </a:rPr>
+              <a:t>Flask </a:t>
+            </a:r>
+            <a:r>
+              <a:rPr lang="en-US" sz="1200" kern="1200" dirty="0" err="1" smtClean="0">
+                <a:solidFill>
+                  <a:schemeClr val="tx1"/>
+                </a:solidFill>
+                <a:effectLst/>
+                <a:latin typeface="+mn-lt"/>
+                <a:ea typeface="+mn-ea"/>
+                <a:cs typeface="+mn-cs"/>
+              </a:rPr>
+              <a:t>sqlalchemy</a:t>
+            </a:r>
+            <a:r>
+              <a:rPr lang="en-US" sz="1200" kern="1200" dirty="0" smtClean="0">
+                <a:solidFill>
+                  <a:schemeClr val="tx1"/>
+                </a:solidFill>
+                <a:effectLst/>
+                <a:latin typeface="+mn-lt"/>
+                <a:ea typeface="+mn-ea"/>
+                <a:cs typeface="+mn-cs"/>
+              </a:rPr>
+              <a:t> </a:t>
+            </a:r>
+            <a:r>
+              <a:rPr lang="ru-RU" sz="1200" kern="1200" dirty="0" smtClean="0">
+                <a:solidFill>
+                  <a:schemeClr val="tx1"/>
+                </a:solidFill>
+                <a:effectLst/>
+                <a:latin typeface="+mn-lt"/>
+                <a:ea typeface="+mn-ea"/>
+                <a:cs typeface="+mn-cs"/>
+              </a:rPr>
+              <a:t>– для базы данных с экскурсиями</a:t>
+            </a:r>
+          </a:p>
+          <a:p>
+            <a:pPr lvl="0"/>
+            <a:r>
+              <a:rPr lang="en-US" sz="1200" kern="1200" dirty="0" smtClean="0">
+                <a:solidFill>
+                  <a:schemeClr val="tx1"/>
+                </a:solidFill>
+                <a:effectLst/>
+                <a:latin typeface="+mn-lt"/>
+                <a:ea typeface="+mn-ea"/>
+                <a:cs typeface="+mn-cs"/>
+              </a:rPr>
+              <a:t>3) </a:t>
+            </a:r>
+            <a:r>
+              <a:rPr lang="ru-RU" sz="1200" kern="1200" dirty="0" smtClean="0">
+                <a:solidFill>
+                  <a:schemeClr val="tx1"/>
+                </a:solidFill>
+                <a:effectLst/>
+                <a:latin typeface="+mn-lt"/>
+                <a:ea typeface="+mn-ea"/>
+                <a:cs typeface="+mn-cs"/>
+              </a:rPr>
+              <a:t>(анимация) </a:t>
+            </a:r>
+            <a:r>
+              <a:rPr lang="en-US" sz="1200" kern="1200" dirty="0" err="1" smtClean="0">
+                <a:solidFill>
+                  <a:schemeClr val="tx1"/>
+                </a:solidFill>
+                <a:effectLst/>
+                <a:latin typeface="+mn-lt"/>
+                <a:ea typeface="+mn-ea"/>
+                <a:cs typeface="+mn-cs"/>
+              </a:rPr>
+              <a:t>Werkzeug</a:t>
+            </a:r>
+            <a:r>
+              <a:rPr lang="ru-RU" sz="1200" kern="1200" dirty="0" smtClean="0">
+                <a:solidFill>
+                  <a:schemeClr val="tx1"/>
+                </a:solidFill>
+                <a:effectLst/>
+                <a:latin typeface="+mn-lt"/>
+                <a:ea typeface="+mn-ea"/>
+                <a:cs typeface="+mn-cs"/>
+              </a:rPr>
+              <a:t>.</a:t>
+            </a:r>
+            <a:r>
+              <a:rPr lang="en-US" sz="1200" kern="1200" dirty="0" smtClean="0">
+                <a:solidFill>
+                  <a:schemeClr val="tx1"/>
+                </a:solidFill>
+                <a:effectLst/>
+                <a:latin typeface="+mn-lt"/>
+                <a:ea typeface="+mn-ea"/>
+                <a:cs typeface="+mn-cs"/>
+              </a:rPr>
+              <a:t>security </a:t>
+            </a:r>
+            <a:r>
+              <a:rPr lang="ru-RU" sz="1200" kern="1200" dirty="0" smtClean="0">
+                <a:solidFill>
+                  <a:schemeClr val="tx1"/>
+                </a:solidFill>
+                <a:effectLst/>
+                <a:latin typeface="+mn-lt"/>
+                <a:ea typeface="+mn-ea"/>
+                <a:cs typeface="+mn-cs"/>
+              </a:rPr>
+              <a:t>– хеширование паролей при добавлении экскурсии</a:t>
+            </a:r>
+          </a:p>
+          <a:p>
+            <a:pPr lvl="0"/>
+            <a:r>
+              <a:rPr lang="en-US" sz="1200" kern="1200" dirty="0" smtClean="0">
+                <a:solidFill>
+                  <a:schemeClr val="tx1"/>
+                </a:solidFill>
+                <a:effectLst/>
+                <a:latin typeface="+mn-lt"/>
+                <a:ea typeface="+mn-ea"/>
+                <a:cs typeface="+mn-cs"/>
+              </a:rPr>
+              <a:t>4) </a:t>
+            </a:r>
+            <a:r>
+              <a:rPr lang="ru-RU" sz="1200" kern="1200" dirty="0" smtClean="0">
+                <a:solidFill>
+                  <a:schemeClr val="tx1"/>
+                </a:solidFill>
+                <a:effectLst/>
+                <a:latin typeface="+mn-lt"/>
+                <a:ea typeface="+mn-ea"/>
+                <a:cs typeface="+mn-cs"/>
+              </a:rPr>
+              <a:t>(анимация) Именованные сущности в запросах Алисы – для адресов, дат, времени и числовых сущностей</a:t>
+            </a:r>
+          </a:p>
+          <a:p>
+            <a:pPr lvl="0"/>
+            <a:r>
+              <a:rPr lang="en-US" sz="1200" kern="1200" dirty="0" smtClean="0">
+                <a:solidFill>
+                  <a:schemeClr val="tx1"/>
+                </a:solidFill>
+                <a:effectLst/>
+                <a:latin typeface="+mn-lt"/>
+                <a:ea typeface="+mn-ea"/>
+                <a:cs typeface="+mn-cs"/>
+              </a:rPr>
+              <a:t>5) </a:t>
+            </a:r>
+            <a:r>
+              <a:rPr lang="ru-RU" sz="1200" kern="1200" dirty="0" smtClean="0">
+                <a:solidFill>
+                  <a:schemeClr val="tx1"/>
+                </a:solidFill>
+                <a:effectLst/>
+                <a:latin typeface="+mn-lt"/>
+                <a:ea typeface="+mn-ea"/>
+                <a:cs typeface="+mn-cs"/>
+              </a:rPr>
+              <a:t>(анимация) </a:t>
+            </a:r>
+            <a:r>
+              <a:rPr lang="en-US" sz="1200" kern="1200" dirty="0" smtClean="0">
+                <a:solidFill>
+                  <a:schemeClr val="tx1"/>
+                </a:solidFill>
+                <a:effectLst/>
+                <a:latin typeface="+mn-lt"/>
+                <a:ea typeface="+mn-ea"/>
+                <a:cs typeface="+mn-cs"/>
+              </a:rPr>
+              <a:t>Static API </a:t>
+            </a:r>
+            <a:r>
+              <a:rPr lang="ru-RU" sz="1200" kern="1200" dirty="0" smtClean="0">
+                <a:solidFill>
+                  <a:schemeClr val="tx1"/>
+                </a:solidFill>
+                <a:effectLst/>
+                <a:latin typeface="+mn-lt"/>
+                <a:ea typeface="+mn-ea"/>
+                <a:cs typeface="+mn-cs"/>
+              </a:rPr>
+              <a:t>– для загрузки картинки карты с метками</a:t>
+            </a:r>
+          </a:p>
+          <a:p>
+            <a:pPr lvl="0"/>
+            <a:r>
+              <a:rPr lang="en-US" sz="1200" kern="1200" dirty="0" smtClean="0">
+                <a:solidFill>
+                  <a:schemeClr val="tx1"/>
+                </a:solidFill>
+                <a:effectLst/>
+                <a:latin typeface="+mn-lt"/>
+                <a:ea typeface="+mn-ea"/>
+                <a:cs typeface="+mn-cs"/>
+              </a:rPr>
+              <a:t>6) </a:t>
+            </a:r>
+            <a:r>
+              <a:rPr lang="ru-RU" sz="1200" kern="1200" dirty="0" smtClean="0">
+                <a:solidFill>
+                  <a:schemeClr val="tx1"/>
+                </a:solidFill>
+                <a:effectLst/>
+                <a:latin typeface="+mn-lt"/>
+                <a:ea typeface="+mn-ea"/>
+                <a:cs typeface="+mn-cs"/>
+              </a:rPr>
+              <a:t>(анимация) </a:t>
+            </a:r>
+            <a:r>
+              <a:rPr lang="en-US" sz="1200" kern="1200" dirty="0" smtClean="0">
+                <a:solidFill>
+                  <a:schemeClr val="tx1"/>
+                </a:solidFill>
+                <a:effectLst/>
+                <a:latin typeface="+mn-lt"/>
+                <a:ea typeface="+mn-ea"/>
+                <a:cs typeface="+mn-cs"/>
+              </a:rPr>
+              <a:t>Geocoder API </a:t>
+            </a:r>
+            <a:r>
+              <a:rPr lang="ru-RU" sz="1200" kern="1200" dirty="0" smtClean="0">
+                <a:solidFill>
+                  <a:schemeClr val="tx1"/>
+                </a:solidFill>
+                <a:effectLst/>
+                <a:latin typeface="+mn-lt"/>
+                <a:ea typeface="+mn-ea"/>
+                <a:cs typeface="+mn-cs"/>
+              </a:rPr>
+              <a:t>– для получения координат места проведения экскурсии, чтобы ставить метку на карте</a:t>
+            </a:r>
+          </a:p>
+          <a:p>
             <a:endParaRPr lang="ru-RU" dirty="0"/>
           </a:p>
         </p:txBody>
@@ -3066,7 +2643,177 @@
     </p:spTree>
     <p:extLst>
       <p:ext uri="{BB962C8B-B14F-4D97-AF65-F5344CB8AC3E}">
-        <p14:creationId xmlns:p14="http://schemas.microsoft.com/office/powerpoint/2010/main" val="1217312914"/>
+        <p14:creationId xmlns:p14="http://schemas.microsoft.com/office/powerpoint/2010/main" val="4019325450"/>
+      </p:ext>
+    </p:extLst>
+  </p:cSld>
+  <p:clrMapOvr>
+    <a:masterClrMapping/>
+  </p:clrMapOvr>
+</p:notes>
+</file>
+
+<file path=ppt/notesSlides/notesSlide9.xml><?xml version="1.0" encoding="utf-8"?>
+<p:notes xmlns:a="http://schemas.openxmlformats.org/drawingml/2006/main" xmlns:r="http://schemas.openxmlformats.org/officeDocument/2006/relationships" xmlns:p="http://schemas.openxmlformats.org/presentationml/2006/main">
+  <p:cSld>
+    <p:spTree>
+      <p:nvGrpSpPr>
+        <p:cNvPr id="1" name=""/>
+        <p:cNvGrpSpPr/>
+        <p:nvPr/>
+      </p:nvGrpSpPr>
+      <p:grpSpPr>
+        <a:xfrm>
+          <a:off x="0" y="0"/>
+          <a:ext cx="0" cy="0"/>
+          <a:chOff x="0" y="0"/>
+          <a:chExt cx="0" cy="0"/>
+        </a:xfrm>
+      </p:grpSpPr>
+      <p:sp>
+        <p:nvSpPr>
+          <p:cNvPr id="2" name="Образ слайда 1"/>
+          <p:cNvSpPr>
+            <a:spLocks noGrp="1" noRot="1" noChangeAspect="1"/>
+          </p:cNvSpPr>
+          <p:nvPr>
+            <p:ph type="sldImg"/>
+          </p:nvPr>
+        </p:nvSpPr>
+        <p:spPr/>
+      </p:sp>
+      <p:sp>
+        <p:nvSpPr>
+          <p:cNvPr id="3" name="Заметки 2"/>
+          <p:cNvSpPr>
+            <a:spLocks noGrp="1"/>
+          </p:cNvSpPr>
+          <p:nvPr>
+            <p:ph type="body" idx="1"/>
+          </p:nvPr>
+        </p:nvSpPr>
+        <p:spPr/>
+        <p:txBody>
+          <a:bodyPr/>
+          <a:lstStyle/>
+          <a:p>
+            <a:r>
+              <a:rPr lang="ru-RU" sz="1200" kern="1200" dirty="0" smtClean="0">
+                <a:solidFill>
+                  <a:schemeClr val="tx1"/>
+                </a:solidFill>
+                <a:effectLst/>
+                <a:latin typeface="+mn-lt"/>
+                <a:ea typeface="+mn-ea"/>
+                <a:cs typeface="+mn-cs"/>
+              </a:rPr>
+              <a:t>В целях улучшения проекта можно добавить в него множество интересных функций, которые я не успел добавить. Например, можно добавить функцию (анимация) поиска экскурсий в каком-то городе по времени. Например, вы хотите пойти на экскурсию в ближайшие 2 часа, и навык сможет вам с этим помощь. Также можно добавить функцию (анимация) поиска ближайших 5 экскурсий или </a:t>
+            </a:r>
+            <a:r>
+              <a:rPr lang="ru-RU" sz="1200" kern="1200" dirty="0" err="1" smtClean="0">
+                <a:solidFill>
+                  <a:schemeClr val="tx1"/>
+                </a:solidFill>
+                <a:effectLst/>
+                <a:latin typeface="+mn-lt"/>
+                <a:ea typeface="+mn-ea"/>
+                <a:cs typeface="+mn-cs"/>
+              </a:rPr>
+              <a:t>аудиоэкскурсий</a:t>
+            </a:r>
+            <a:r>
+              <a:rPr lang="ru-RU" sz="1200" kern="1200" dirty="0" smtClean="0">
+                <a:solidFill>
+                  <a:schemeClr val="tx1"/>
+                </a:solidFill>
+                <a:effectLst/>
+                <a:latin typeface="+mn-lt"/>
+                <a:ea typeface="+mn-ea"/>
+                <a:cs typeface="+mn-cs"/>
+              </a:rPr>
+              <a:t> по введенному адресу. А чтобы было проще найти подходящую экскурсию, можно добавить (анимация) поиск экскурсий в городе по ключевым словам. Например, если экскурсии в Москве, то запрос мог выглядеть так «Красная площадь, нулевой километр, Собор Василия Блаженного». И в зависимости от количества совпадений ключевых слов с описанием экскурсии, выводился бы рейтинг экскурсий по этим словам. Чтобы экскурсоводу было проще определить, сколько человек будет на экскурсии, можно добавить (анимация) возможность записаться на экскурсию по электронной почте с подтверждением этой почты. А в описании экскурсии отображалось бы, сколько человек уже записались. Для </a:t>
+            </a:r>
+            <a:r>
+              <a:rPr lang="ru-RU" sz="1200" kern="1200" dirty="0" err="1" smtClean="0">
+                <a:solidFill>
+                  <a:schemeClr val="tx1"/>
+                </a:solidFill>
+                <a:effectLst/>
+                <a:latin typeface="+mn-lt"/>
+                <a:ea typeface="+mn-ea"/>
+                <a:cs typeface="+mn-cs"/>
+              </a:rPr>
+              <a:t>аудиоэкскурий</a:t>
+            </a:r>
+            <a:r>
+              <a:rPr lang="ru-RU" sz="1200" kern="1200" dirty="0" smtClean="0">
+                <a:solidFill>
+                  <a:schemeClr val="tx1"/>
+                </a:solidFill>
+                <a:effectLst/>
+                <a:latin typeface="+mn-lt"/>
+                <a:ea typeface="+mn-ea"/>
+                <a:cs typeface="+mn-cs"/>
+              </a:rPr>
+              <a:t> можно добавить рейтинг. (анимация) Люди, которые прослушали </a:t>
+            </a:r>
+            <a:r>
+              <a:rPr lang="ru-RU" sz="1200" kern="1200" dirty="0" err="1" smtClean="0">
+                <a:solidFill>
+                  <a:schemeClr val="tx1"/>
+                </a:solidFill>
+                <a:effectLst/>
+                <a:latin typeface="+mn-lt"/>
+                <a:ea typeface="+mn-ea"/>
+                <a:cs typeface="+mn-cs"/>
+              </a:rPr>
+              <a:t>аудиоэкскурсию</a:t>
+            </a:r>
+            <a:r>
+              <a:rPr lang="ru-RU" sz="1200" kern="1200" dirty="0" smtClean="0">
+                <a:solidFill>
+                  <a:schemeClr val="tx1"/>
+                </a:solidFill>
+                <a:effectLst/>
+                <a:latin typeface="+mn-lt"/>
+                <a:ea typeface="+mn-ea"/>
+                <a:cs typeface="+mn-cs"/>
+              </a:rPr>
+              <a:t>, могут оставить рейтинг с подтверждением по почте, чтобы избежать накрутки. А сам рейтинг будет отображаться в информации.</a:t>
+            </a:r>
+          </a:p>
+          <a:p>
+            <a:endParaRPr lang="ru-RU" dirty="0"/>
+          </a:p>
+        </p:txBody>
+      </p:sp>
+      <p:sp>
+        <p:nvSpPr>
+          <p:cNvPr id="4" name="Номер слайда 3"/>
+          <p:cNvSpPr>
+            <a:spLocks noGrp="1"/>
+          </p:cNvSpPr>
+          <p:nvPr>
+            <p:ph type="sldNum" sz="quarter" idx="10"/>
+          </p:nvPr>
+        </p:nvSpPr>
+        <p:spPr/>
+        <p:txBody>
+          <a:bodyPr/>
+          <a:lstStyle/>
+          <a:p>
+            <a:fld id="{6706262F-AF71-411F-BE67-38E7F4AFAA37}" type="slidenum">
+              <a:rPr lang="ru-RU" smtClean="0"/>
+              <a:t>9</a:t>
+            </a:fld>
+            <a:endParaRPr lang="ru-RU"/>
+          </a:p>
+        </p:txBody>
+      </p:sp>
+    </p:spTree>
+    <p:extLst>
+      <p:ext uri="{BB962C8B-B14F-4D97-AF65-F5344CB8AC3E}">
+        <p14:creationId xmlns:p14="http://schemas.microsoft.com/office/powerpoint/2010/main" val="4264195412"/>
       </p:ext>
     </p:extLst>
   </p:cSld>
@@ -3207,7 +2954,7 @@
           <a:p>
             <a:fld id="{57ACE201-06C7-4F14-88C9-FBFB9E3406F5}" type="datetimeFigureOut">
               <a:rPr lang="ru-RU" smtClean="0"/>
-              <a:t>07.05.2019</a:t>
+              <a:t>10.05.2019</a:t>
             </a:fld>
             <a:endParaRPr lang="ru-RU"/>
           </a:p>
@@ -3377,7 +3124,7 @@
           <a:p>
             <a:fld id="{57ACE201-06C7-4F14-88C9-FBFB9E3406F5}" type="datetimeFigureOut">
               <a:rPr lang="ru-RU" smtClean="0"/>
-              <a:t>07.05.2019</a:t>
+              <a:t>10.05.2019</a:t>
             </a:fld>
             <a:endParaRPr lang="ru-RU"/>
           </a:p>
@@ -3557,7 +3304,7 @@
           <a:p>
             <a:fld id="{57ACE201-06C7-4F14-88C9-FBFB9E3406F5}" type="datetimeFigureOut">
               <a:rPr lang="ru-RU" smtClean="0"/>
-              <a:t>07.05.2019</a:t>
+              <a:t>10.05.2019</a:t>
             </a:fld>
             <a:endParaRPr lang="ru-RU"/>
           </a:p>
@@ -3727,7 +3474,7 @@
           <a:p>
             <a:fld id="{57ACE201-06C7-4F14-88C9-FBFB9E3406F5}" type="datetimeFigureOut">
               <a:rPr lang="ru-RU" smtClean="0"/>
-              <a:t>07.05.2019</a:t>
+              <a:t>10.05.2019</a:t>
             </a:fld>
             <a:endParaRPr lang="ru-RU"/>
           </a:p>
@@ -3973,7 +3720,7 @@
           <a:p>
             <a:fld id="{57ACE201-06C7-4F14-88C9-FBFB9E3406F5}" type="datetimeFigureOut">
               <a:rPr lang="ru-RU" smtClean="0"/>
-              <a:t>07.05.2019</a:t>
+              <a:t>10.05.2019</a:t>
             </a:fld>
             <a:endParaRPr lang="ru-RU"/>
           </a:p>
@@ -4205,7 +3952,7 @@
           <a:p>
             <a:fld id="{57ACE201-06C7-4F14-88C9-FBFB9E3406F5}" type="datetimeFigureOut">
               <a:rPr lang="ru-RU" smtClean="0"/>
-              <a:t>07.05.2019</a:t>
+              <a:t>10.05.2019</a:t>
             </a:fld>
             <a:endParaRPr lang="ru-RU"/>
           </a:p>
@@ -4572,7 +4319,7 @@
           <a:p>
             <a:fld id="{57ACE201-06C7-4F14-88C9-FBFB9E3406F5}" type="datetimeFigureOut">
               <a:rPr lang="ru-RU" smtClean="0"/>
-              <a:t>07.05.2019</a:t>
+              <a:t>10.05.2019</a:t>
             </a:fld>
             <a:endParaRPr lang="ru-RU"/>
           </a:p>
@@ -4690,7 +4437,7 @@
           <a:p>
             <a:fld id="{57ACE201-06C7-4F14-88C9-FBFB9E3406F5}" type="datetimeFigureOut">
               <a:rPr lang="ru-RU" smtClean="0"/>
-              <a:t>07.05.2019</a:t>
+              <a:t>10.05.2019</a:t>
             </a:fld>
             <a:endParaRPr lang="ru-RU"/>
           </a:p>
@@ -4785,7 +4532,7 @@
           <a:p>
             <a:fld id="{57ACE201-06C7-4F14-88C9-FBFB9E3406F5}" type="datetimeFigureOut">
               <a:rPr lang="ru-RU" smtClean="0"/>
-              <a:t>07.05.2019</a:t>
+              <a:t>10.05.2019</a:t>
             </a:fld>
             <a:endParaRPr lang="ru-RU"/>
           </a:p>
@@ -5062,7 +4809,7 @@
           <a:p>
             <a:fld id="{57ACE201-06C7-4F14-88C9-FBFB9E3406F5}" type="datetimeFigureOut">
               <a:rPr lang="ru-RU" smtClean="0"/>
-              <a:t>07.05.2019</a:t>
+              <a:t>10.05.2019</a:t>
             </a:fld>
             <a:endParaRPr lang="ru-RU"/>
           </a:p>
@@ -5315,7 +5062,7 @@
           <a:p>
             <a:fld id="{57ACE201-06C7-4F14-88C9-FBFB9E3406F5}" type="datetimeFigureOut">
               <a:rPr lang="ru-RU" smtClean="0"/>
-              <a:t>07.05.2019</a:t>
+              <a:t>10.05.2019</a:t>
             </a:fld>
             <a:endParaRPr lang="ru-RU"/>
           </a:p>
@@ -5528,7 +5275,7 @@
           <a:p>
             <a:fld id="{57ACE201-06C7-4F14-88C9-FBFB9E3406F5}" type="datetimeFigureOut">
               <a:rPr lang="ru-RU" smtClean="0"/>
-              <a:t>07.05.2019</a:t>
+              <a:t>10.05.2019</a:t>
             </a:fld>
             <a:endParaRPr lang="ru-RU"/>
           </a:p>
@@ -5967,6 +5714,86 @@
 </p:sld>
 </file>
 
+<file path=ppt/slides/slide10.xml><?xml version="1.0" encoding="utf-8"?>
+<p:sld xmlns:a="http://schemas.openxmlformats.org/drawingml/2006/main" xmlns:r="http://schemas.openxmlformats.org/officeDocument/2006/relationships" xmlns:p="http://schemas.openxmlformats.org/presentationml/2006/main">
+  <p:cSld>
+    <p:bg>
+      <p:bgPr>
+        <a:blipFill dpi="0" rotWithShape="1">
+          <a:blip r:embed="rId3">
+            <a:lum/>
+          </a:blip>
+          <a:srcRect/>
+          <a:stretch>
+            <a:fillRect/>
+          </a:stretch>
+        </a:blipFill>
+        <a:effectLst/>
+      </p:bgPr>
+    </p:bg>
+    <p:spTree>
+      <p:nvGrpSpPr>
+        <p:cNvPr id="1" name=""/>
+        <p:cNvGrpSpPr/>
+        <p:nvPr/>
+      </p:nvGrpSpPr>
+      <p:grpSpPr>
+        <a:xfrm>
+          <a:off x="0" y="0"/>
+          <a:ext cx="0" cy="0"/>
+          <a:chOff x="0" y="0"/>
+          <a:chExt cx="0" cy="0"/>
+        </a:xfrm>
+      </p:grpSpPr>
+      <p:sp>
+        <p:nvSpPr>
+          <p:cNvPr id="2" name="Прямоугольник 1"/>
+          <p:cNvSpPr/>
+          <p:nvPr/>
+        </p:nvSpPr>
+        <p:spPr>
+          <a:xfrm>
+            <a:off x="5098113" y="2520434"/>
+            <a:ext cx="1988045" cy="1569660"/>
+          </a:xfrm>
+          <a:prstGeom prst="rect">
+            <a:avLst/>
+          </a:prstGeom>
+        </p:spPr>
+        <p:txBody>
+          <a:bodyPr wrap="none">
+            <a:spAutoFit/>
+          </a:bodyPr>
+          <a:lstStyle/>
+          <a:p>
+            <a:r>
+              <a:rPr lang="ru-RU" sz="9600" dirty="0" smtClean="0"/>
+              <a:t>Всё</a:t>
+            </a:r>
+            <a:endParaRPr lang="ru-RU" sz="9600" dirty="0"/>
+          </a:p>
+        </p:txBody>
+      </p:sp>
+    </p:spTree>
+    <p:extLst>
+      <p:ext uri="{BB962C8B-B14F-4D97-AF65-F5344CB8AC3E}">
+        <p14:creationId xmlns:p14="http://schemas.microsoft.com/office/powerpoint/2010/main" val="3271915467"/>
+      </p:ext>
+    </p:extLst>
+  </p:cSld>
+  <p:clrMapOvr>
+    <a:masterClrMapping/>
+  </p:clrMapOvr>
+  <p:timing>
+    <p:tnLst>
+      <p:par>
+        <p:cTn id="1" dur="indefinite" restart="never" nodeType="tmRoot"/>
+      </p:par>
+    </p:tnLst>
+  </p:timing>
+</p:sld>
+</file>
+
 <file path=ppt/slides/slide2.xml><?xml version="1.0" encoding="utf-8"?>
 <p:sld xmlns:a="http://schemas.openxmlformats.org/drawingml/2006/main" xmlns:r="http://schemas.openxmlformats.org/officeDocument/2006/relationships" xmlns:p="http://schemas.openxmlformats.org/presentationml/2006/main">
   <p:cSld>
@@ -6006,15 +5833,169 @@
         </p:nvSpPr>
         <p:spPr>
           <a:xfrm>
-            <a:off x="1151106" y="227138"/>
-            <a:ext cx="3565400" cy="523220"/>
+            <a:off x="1397000" y="1964652"/>
+            <a:ext cx="9499600" cy="2925544"/>
           </a:xfrm>
           <a:prstGeom prst="rect">
             <a:avLst/>
           </a:prstGeom>
         </p:spPr>
         <p:txBody>
-          <a:bodyPr wrap="none">
+          <a:bodyPr wrap="square">
+            <a:spAutoFit/>
+          </a:bodyPr>
+          <a:lstStyle/>
+          <a:p>
+            <a:pPr algn="ctr">
+              <a:lnSpc>
+                <a:spcPct val="107000"/>
+              </a:lnSpc>
+              <a:spcAft>
+                <a:spcPts val="800"/>
+              </a:spcAft>
+            </a:pPr>
+            <a:r>
+              <a:rPr lang="ru-RU" sz="5400" b="1" dirty="0" smtClean="0">
+                <a:latin typeface="Calibri" panose="020F0502020204030204" pitchFamily="34" charset="0"/>
+                <a:ea typeface="Calibri" panose="020F0502020204030204" pitchFamily="34" charset="0"/>
+                <a:cs typeface="Times New Roman" panose="02020603050405020304" pitchFamily="18" charset="0"/>
+              </a:rPr>
+              <a:t>«Живые» </a:t>
+            </a:r>
+            <a:r>
+              <a:rPr lang="ru-RU" sz="5400" b="1" dirty="0">
+                <a:latin typeface="Calibri" panose="020F0502020204030204" pitchFamily="34" charset="0"/>
+                <a:ea typeface="Calibri" panose="020F0502020204030204" pitchFamily="34" charset="0"/>
+                <a:cs typeface="Times New Roman" panose="02020603050405020304" pitchFamily="18" charset="0"/>
+              </a:rPr>
+              <a:t>экскурсии </a:t>
+            </a:r>
+            <a:endParaRPr lang="ru-RU" sz="5400" b="1" dirty="0" smtClean="0">
+              <a:latin typeface="Calibri" panose="020F0502020204030204" pitchFamily="34" charset="0"/>
+              <a:ea typeface="Calibri" panose="020F0502020204030204" pitchFamily="34" charset="0"/>
+              <a:cs typeface="Times New Roman" panose="02020603050405020304" pitchFamily="18" charset="0"/>
+            </a:endParaRPr>
+          </a:p>
+          <a:p>
+            <a:pPr algn="ctr">
+              <a:lnSpc>
+                <a:spcPct val="107000"/>
+              </a:lnSpc>
+              <a:spcAft>
+                <a:spcPts val="800"/>
+              </a:spcAft>
+            </a:pPr>
+            <a:r>
+              <a:rPr lang="ru-RU" sz="5400" b="1" dirty="0" smtClean="0">
+                <a:latin typeface="Calibri" panose="020F0502020204030204" pitchFamily="34" charset="0"/>
+                <a:ea typeface="Calibri" panose="020F0502020204030204" pitchFamily="34" charset="0"/>
+                <a:cs typeface="Times New Roman" panose="02020603050405020304" pitchFamily="18" charset="0"/>
+              </a:rPr>
+              <a:t>и </a:t>
+            </a:r>
+          </a:p>
+          <a:p>
+            <a:pPr algn="ctr">
+              <a:lnSpc>
+                <a:spcPct val="107000"/>
+              </a:lnSpc>
+              <a:spcAft>
+                <a:spcPts val="800"/>
+              </a:spcAft>
+            </a:pPr>
+            <a:r>
+              <a:rPr lang="ru-RU" sz="5400" b="1" dirty="0" smtClean="0">
+                <a:latin typeface="Calibri" panose="020F0502020204030204" pitchFamily="34" charset="0"/>
+                <a:ea typeface="Calibri" panose="020F0502020204030204" pitchFamily="34" charset="0"/>
+                <a:cs typeface="Times New Roman" panose="02020603050405020304" pitchFamily="18" charset="0"/>
+              </a:rPr>
+              <a:t>аудио </a:t>
+            </a:r>
+            <a:r>
+              <a:rPr lang="ru-RU" sz="5400" b="1" dirty="0">
+                <a:latin typeface="Calibri" panose="020F0502020204030204" pitchFamily="34" charset="0"/>
+                <a:ea typeface="Calibri" panose="020F0502020204030204" pitchFamily="34" charset="0"/>
+                <a:cs typeface="Times New Roman" panose="02020603050405020304" pitchFamily="18" charset="0"/>
+              </a:rPr>
+              <a:t>экскурсии.</a:t>
+            </a:r>
+            <a:endParaRPr lang="ru-RU" sz="5400" dirty="0">
+              <a:effectLst/>
+              <a:latin typeface="Calibri" panose="020F0502020204030204" pitchFamily="34" charset="0"/>
+              <a:ea typeface="Calibri" panose="020F0502020204030204" pitchFamily="34" charset="0"/>
+              <a:cs typeface="Times New Roman" panose="02020603050405020304" pitchFamily="18" charset="0"/>
+            </a:endParaRPr>
+          </a:p>
+        </p:txBody>
+      </p:sp>
+    </p:spTree>
+    <p:extLst>
+      <p:ext uri="{BB962C8B-B14F-4D97-AF65-F5344CB8AC3E}">
+        <p14:creationId xmlns:p14="http://schemas.microsoft.com/office/powerpoint/2010/main" val="3364157830"/>
+      </p:ext>
+    </p:extLst>
+  </p:cSld>
+  <p:clrMapOvr>
+    <a:masterClrMapping/>
+  </p:clrMapOvr>
+  <p:timing>
+    <p:tnLst>
+      <p:par>
+        <p:cTn id="1" dur="indefinite" restart="never" nodeType="tmRoot"/>
+      </p:par>
+    </p:tnLst>
+  </p:timing>
+</p:sld>
+</file>
+
+<file path=ppt/slides/slide3.xml><?xml version="1.0" encoding="utf-8"?>
+<p:sld xmlns:a="http://schemas.openxmlformats.org/drawingml/2006/main" xmlns:r="http://schemas.openxmlformats.org/officeDocument/2006/relationships" xmlns:p="http://schemas.openxmlformats.org/presentationml/2006/main">
+  <p:cSld>
+    <p:bg>
+      <p:bgPr>
+        <a:blipFill dpi="0" rotWithShape="1">
+          <a:blip r:embed="rId3">
+            <a:lum/>
+          </a:blip>
+          <a:srcRect/>
+          <a:stretch>
+            <a:fillRect/>
+          </a:stretch>
+        </a:blipFill>
+        <a:effectLst/>
+      </p:bgPr>
+    </p:bg>
+    <p:spTree>
+      <p:nvGrpSpPr>
+        <p:cNvPr id="1" name=""/>
+        <p:cNvGrpSpPr/>
+        <p:nvPr/>
+      </p:nvGrpSpPr>
+      <p:grpSpPr>
+        <a:xfrm>
+          <a:off x="0" y="0"/>
+          <a:ext cx="0" cy="0"/>
+          <a:chOff x="0" y="0"/>
+          <a:chExt cx="0" cy="0"/>
+        </a:xfrm>
+      </p:grpSpPr>
+      <p:sp>
+        <p:nvSpPr>
+          <p:cNvPr id="2" name="Прямоугольник 1"/>
+          <p:cNvSpPr/>
+          <p:nvPr/>
+        </p:nvSpPr>
+        <p:spPr>
+          <a:xfrm>
+            <a:off x="1151105" y="227138"/>
+            <a:ext cx="8391727" cy="523220"/>
+          </a:xfrm>
+          <a:prstGeom prst="rect">
+            <a:avLst/>
+          </a:prstGeom>
+        </p:spPr>
+        <p:txBody>
+          <a:bodyPr wrap="square">
             <a:spAutoFit/>
           </a:bodyPr>
           <a:lstStyle/>
@@ -6025,7 +6006,22 @@
                 <a:ea typeface="Calibri" panose="020F0502020204030204" pitchFamily="34" charset="0"/>
                 <a:cs typeface="Times New Roman" panose="02020603050405020304" pitchFamily="18" charset="0"/>
               </a:rPr>
-              <a:t>Команды для навыка</a:t>
+              <a:t>Команды для </a:t>
+            </a:r>
+            <a:r>
+              <a:rPr lang="ru-RU" sz="2800" b="1" dirty="0" smtClean="0">
+                <a:latin typeface="Calibri" panose="020F0502020204030204" pitchFamily="34" charset="0"/>
+                <a:ea typeface="Calibri" panose="020F0502020204030204" pitchFamily="34" charset="0"/>
+                <a:cs typeface="Times New Roman" panose="02020603050405020304" pitchFamily="18" charset="0"/>
+              </a:rPr>
+              <a:t>«живых» </a:t>
+            </a:r>
+            <a:r>
+              <a:rPr lang="ru-RU" sz="2800" b="1" dirty="0" smtClean="0">
+                <a:latin typeface="Calibri" panose="020F0502020204030204" pitchFamily="34" charset="0"/>
+                <a:cs typeface="Times New Roman" panose="02020603050405020304" pitchFamily="18" charset="0"/>
+              </a:rPr>
+              <a:t>экскурсий</a:t>
             </a:r>
             <a:endParaRPr lang="ru-RU" sz="2800" dirty="0"/>
           </a:p>
@@ -6140,8 +6136,37 @@
                 <a:ea typeface="Calibri" panose="020F0502020204030204" pitchFamily="34" charset="0"/>
                 <a:cs typeface="Times New Roman" panose="02020603050405020304" pitchFamily="18" charset="0"/>
               </a:rPr>
-              <a:t>Показать экскурсии в каком-либо городе</a:t>
-            </a:r>
+              <a:t>Показать экскурсии в </a:t>
+            </a:r>
+            <a:r>
+              <a:rPr lang="en-US" sz="2400" dirty="0" smtClean="0">
+                <a:latin typeface="Calibri" panose="020F0502020204030204" pitchFamily="34" charset="0"/>
+                <a:ea typeface="Calibri" panose="020F0502020204030204" pitchFamily="34" charset="0"/>
+                <a:cs typeface="Times New Roman" panose="02020603050405020304" pitchFamily="18" charset="0"/>
+              </a:rPr>
+              <a:t>&lt;</a:t>
+            </a:r>
+            <a:r>
+              <a:rPr lang="ru-RU" sz="2400" dirty="0" err="1" smtClean="0">
+                <a:latin typeface="Calibri" panose="020F0502020204030204" pitchFamily="34" charset="0"/>
+                <a:ea typeface="Calibri" panose="020F0502020204030204" pitchFamily="34" charset="0"/>
+                <a:cs typeface="Times New Roman" panose="02020603050405020304" pitchFamily="18" charset="0"/>
+              </a:rPr>
+              <a:t>название_города</a:t>
+            </a:r>
+            <a:r>
+              <a:rPr lang="en-US" sz="2400" dirty="0" smtClean="0">
+                <a:latin typeface="Calibri" panose="020F0502020204030204" pitchFamily="34" charset="0"/>
+                <a:ea typeface="Calibri" panose="020F0502020204030204" pitchFamily="34" charset="0"/>
+                <a:cs typeface="Times New Roman" panose="02020603050405020304" pitchFamily="18" charset="0"/>
+              </a:rPr>
+              <a:t>&gt;</a:t>
+            </a:r>
+            <a:endParaRPr lang="ru-RU" sz="2400" dirty="0" smtClean="0">
+              <a:latin typeface="Calibri" panose="020F0502020204030204" pitchFamily="34" charset="0"/>
+              <a:ea typeface="Calibri" panose="020F0502020204030204" pitchFamily="34" charset="0"/>
+              <a:cs typeface="Times New Roman" panose="02020603050405020304" pitchFamily="18" charset="0"/>
+            </a:endParaRPr>
           </a:p>
           <a:p>
             <a:pPr marL="324000" lvl="0" indent="-342900" algn="just">
@@ -6772,7 +6797,7 @@
 </p:sld>
 </file>
 
-<file path=ppt/slides/slide3.xml><?xml version="1.0" encoding="utf-8"?>
+<file path=ppt/slides/slide4.xml><?xml version="1.0" encoding="utf-8"?>
 <p:sld xmlns:a="http://schemas.openxmlformats.org/drawingml/2006/main" xmlns:r="http://schemas.openxmlformats.org/officeDocument/2006/relationships" xmlns:p="http://schemas.openxmlformats.org/presentationml/2006/main">
   <p:cSld>
     <p:bg>
@@ -6811,48 +6836,15 @@
         </p:nvSpPr>
         <p:spPr>
           <a:xfrm>
-            <a:off x="1124663" y="170934"/>
-            <a:ext cx="7783926" cy="523220"/>
+            <a:off x="4394200" y="1041636"/>
+            <a:ext cx="6096000" cy="5257658"/>
           </a:xfrm>
           <a:prstGeom prst="rect">
             <a:avLst/>
           </a:prstGeom>
         </p:spPr>
         <p:txBody>
-          <a:bodyPr wrap="none">
-            <a:spAutoFit/>
-          </a:bodyPr>
-          <a:lstStyle/>
-          <a:p>
-            <a:r>
-              <a:rPr lang="ru-RU" sz="2800" b="1" dirty="0">
-                <a:latin typeface="Calibri" panose="020F0502020204030204" pitchFamily="34" charset="0"/>
-                <a:ea typeface="Calibri" panose="020F0502020204030204" pitchFamily="34" charset="0"/>
-                <a:cs typeface="Times New Roman" panose="02020603050405020304" pitchFamily="18" charset="0"/>
-              </a:rPr>
-              <a:t>Что нужно указывать для добавления экскурсии</a:t>
-            </a:r>
-            <a:endParaRPr lang="ru-RU" sz="2800" dirty="0"/>
-          </a:p>
-        </p:txBody>
-      </p:sp>
-      <p:sp>
-        <p:nvSpPr>
-          <p:cNvPr id="3" name="Прямоугольник 2"/>
-          <p:cNvSpPr/>
-          <p:nvPr/>
-        </p:nvSpPr>
-        <p:spPr>
-          <a:xfrm>
-            <a:off x="1124662" y="1033199"/>
-            <a:ext cx="9657637" cy="4879990"/>
-          </a:xfrm>
-          <a:prstGeom prst="rect">
-            <a:avLst/>
-          </a:prstGeom>
-        </p:spPr>
-        <p:txBody>
-          <a:bodyPr wrap="square">
+          <a:bodyPr>
             <a:spAutoFit/>
           </a:bodyPr>
           <a:lstStyle/>
@@ -6871,12 +6863,12 @@
               <a:buChar char="•"/>
             </a:pPr>
             <a:r>
-              <a:rPr lang="ru-RU" sz="2400" dirty="0">
+              <a:rPr lang="ru-RU" sz="2400" dirty="0" smtClean="0">
                 <a:latin typeface="Calibri" panose="020F0502020204030204" pitchFamily="34" charset="0"/>
                 <a:ea typeface="Calibri" panose="020F0502020204030204" pitchFamily="34" charset="0"/>
                 <a:cs typeface="Times New Roman" panose="02020603050405020304" pitchFamily="18" charset="0"/>
               </a:rPr>
-              <a:t>Точный адрес начала экскурсии</a:t>
+              <a:t>Название экскурсии</a:t>
             </a:r>
             <a:endParaRPr lang="ru-RU" sz="2400" dirty="0" smtClean="0">
               <a:effectLst/>
@@ -6900,12 +6892,12 @@
               <a:buChar char="•"/>
             </a:pPr>
             <a:r>
-              <a:rPr lang="ru-RU" sz="2400" dirty="0">
+              <a:rPr lang="ru-RU" sz="2400" dirty="0" smtClean="0">
                 <a:latin typeface="Calibri" panose="020F0502020204030204" pitchFamily="34" charset="0"/>
                 <a:ea typeface="Calibri" panose="020F0502020204030204" pitchFamily="34" charset="0"/>
                 <a:cs typeface="Times New Roman" panose="02020603050405020304" pitchFamily="18" charset="0"/>
               </a:rPr>
-              <a:t>Дата проведения экскурсии</a:t>
+              <a:t>Место проведения</a:t>
             </a:r>
             <a:endParaRPr lang="ru-RU" sz="2400" dirty="0" smtClean="0">
               <a:effectLst/>
@@ -6929,12 +6921,12 @@
               <a:buChar char="•"/>
             </a:pPr>
             <a:r>
-              <a:rPr lang="ru-RU" sz="2400" dirty="0">
+              <a:rPr lang="ru-RU" sz="2400" dirty="0" smtClean="0">
                 <a:latin typeface="Calibri" panose="020F0502020204030204" pitchFamily="34" charset="0"/>
                 <a:ea typeface="Calibri" panose="020F0502020204030204" pitchFamily="34" charset="0"/>
                 <a:cs typeface="Times New Roman" panose="02020603050405020304" pitchFamily="18" charset="0"/>
               </a:rPr>
-              <a:t>Пароль для удаления и редактирования экскурсии</a:t>
+              <a:t>Дата проведения</a:t>
             </a:r>
             <a:endParaRPr lang="ru-RU" sz="2400" dirty="0" smtClean="0">
               <a:effectLst/>
@@ -6958,12 +6950,12 @@
               <a:buChar char="•"/>
             </a:pPr>
             <a:r>
-              <a:rPr lang="ru-RU" sz="2400" dirty="0">
+              <a:rPr lang="ru-RU" sz="2400" dirty="0" smtClean="0">
                 <a:latin typeface="Calibri" panose="020F0502020204030204" pitchFamily="34" charset="0"/>
                 <a:ea typeface="Calibri" panose="020F0502020204030204" pitchFamily="34" charset="0"/>
                 <a:cs typeface="Times New Roman" panose="02020603050405020304" pitchFamily="18" charset="0"/>
               </a:rPr>
-              <a:t>ФИО экскурсовода</a:t>
+              <a:t>Конкретное описание места встречи</a:t>
             </a:r>
             <a:endParaRPr lang="ru-RU" sz="2400" dirty="0" smtClean="0">
               <a:effectLst/>
@@ -6987,12 +6979,12 @@
               <a:buChar char="•"/>
             </a:pPr>
             <a:r>
-              <a:rPr lang="ru-RU" sz="2400" dirty="0">
+              <a:rPr lang="ru-RU" sz="2400" dirty="0" smtClean="0">
                 <a:latin typeface="Calibri" panose="020F0502020204030204" pitchFamily="34" charset="0"/>
                 <a:ea typeface="Calibri" panose="020F0502020204030204" pitchFamily="34" charset="0"/>
                 <a:cs typeface="Times New Roman" panose="02020603050405020304" pitchFamily="18" charset="0"/>
               </a:rPr>
-              <a:t>Название экскурсии</a:t>
+              <a:t>ФИО экскурсовода</a:t>
             </a:r>
             <a:endParaRPr lang="ru-RU" sz="2400" dirty="0" smtClean="0">
               <a:effectLst/>
@@ -7016,12 +7008,12 @@
               <a:buChar char="•"/>
             </a:pPr>
             <a:r>
-              <a:rPr lang="ru-RU" sz="2400" dirty="0">
+              <a:rPr lang="ru-RU" sz="2400" dirty="0" smtClean="0">
                 <a:latin typeface="Calibri" panose="020F0502020204030204" pitchFamily="34" charset="0"/>
                 <a:ea typeface="Calibri" panose="020F0502020204030204" pitchFamily="34" charset="0"/>
                 <a:cs typeface="Times New Roman" panose="02020603050405020304" pitchFamily="18" charset="0"/>
               </a:rPr>
-              <a:t>Краткая информация об экскурсии</a:t>
+              <a:t>Описание экскурсии – какие места будут посещены и т.п.</a:t>
             </a:r>
             <a:endParaRPr lang="ru-RU" sz="2400" dirty="0" smtClean="0">
               <a:effectLst/>
@@ -7045,7 +7037,7 @@
               <a:buChar char="•"/>
             </a:pPr>
             <a:r>
-              <a:rPr lang="ru-RU" sz="2400" dirty="0">
+              <a:rPr lang="ru-RU" sz="2400" dirty="0" smtClean="0">
                 <a:latin typeface="Calibri" panose="020F0502020204030204" pitchFamily="34" charset="0"/>
                 <a:ea typeface="Calibri" panose="020F0502020204030204" pitchFamily="34" charset="0"/>
                 <a:cs typeface="Times New Roman" panose="02020603050405020304" pitchFamily="18" charset="0"/>
@@ -7074,21 +7066,19 @@
               <a:buChar char="•"/>
             </a:pPr>
             <a:r>
-              <a:rPr lang="ru-RU" sz="2400" dirty="0">
-                <a:latin typeface="Calibri" panose="020F0502020204030204" pitchFamily="34" charset="0"/>
-                <a:ea typeface="Calibri" panose="020F0502020204030204" pitchFamily="34" charset="0"/>
-                <a:cs typeface="Times New Roman" panose="02020603050405020304" pitchFamily="18" charset="0"/>
-              </a:rPr>
-              <a:t>Описание места </a:t>
-            </a:r>
-            <a:r>
               <a:rPr lang="ru-RU" sz="2400" dirty="0" smtClean="0">
                 <a:latin typeface="Calibri" panose="020F0502020204030204" pitchFamily="34" charset="0"/>
                 <a:ea typeface="Calibri" panose="020F0502020204030204" pitchFamily="34" charset="0"/>
                 <a:cs typeface="Times New Roman" panose="02020603050405020304" pitchFamily="18" charset="0"/>
               </a:rPr>
-              <a:t>встречи</a:t>
-            </a:r>
+              <a:t>Стоимость экскурсии</a:t>
+            </a:r>
+            <a:endParaRPr lang="ru-RU" sz="2400" dirty="0" smtClean="0">
+              <a:effectLst/>
+              <a:latin typeface="Calibri" panose="020F0502020204030204" pitchFamily="34" charset="0"/>
+              <a:ea typeface="Calibri" panose="020F0502020204030204" pitchFamily="34" charset="0"/>
+              <a:cs typeface="Times New Roman" panose="02020603050405020304" pitchFamily="18" charset="0"/>
+            </a:endParaRPr>
           </a:p>
           <a:p>
             <a:pPr marL="342900" lvl="0" indent="-342900">
@@ -7099,7 +7089,7 @@
                 <a:spcPts val="1200"/>
               </a:spcBef>
               <a:spcAft>
-                <a:spcPts val="0"/>
+                <a:spcPts val="800"/>
               </a:spcAft>
               <a:buFont typeface="Arial" panose="020B0604020202020204" pitchFamily="34" charset="0"/>
               <a:buChar char="•"/>
@@ -7110,15 +7100,7 @@
                 <a:ea typeface="Calibri" panose="020F0502020204030204" pitchFamily="34" charset="0"/>
                 <a:cs typeface="Times New Roman" panose="02020603050405020304" pitchFamily="18" charset="0"/>
               </a:rPr>
-              <a:t>Телефон </a:t>
-            </a:r>
-            <a:r>
-              <a:rPr lang="ru-RU" sz="2400" dirty="0">
-                <a:latin typeface="Calibri" panose="020F0502020204030204" pitchFamily="34" charset="0"/>
-                <a:ea typeface="Calibri" panose="020F0502020204030204" pitchFamily="34" charset="0"/>
-                <a:cs typeface="Times New Roman" panose="02020603050405020304" pitchFamily="18" charset="0"/>
-              </a:rPr>
-              <a:t>экскурсовода</a:t>
+              <a:t>Телефон экскурсовода</a:t>
             </a:r>
             <a:endParaRPr lang="ru-RU" sz="2400" dirty="0">
               <a:effectLst/>
@@ -7129,10 +7111,961 @@
           </a:p>
         </p:txBody>
       </p:sp>
+      <p:sp>
+        <p:nvSpPr>
+          <p:cNvPr id="3" name="Прямоугольник 2"/>
+          <p:cNvSpPr/>
+          <p:nvPr/>
+        </p:nvSpPr>
+        <p:spPr>
+          <a:xfrm>
+            <a:off x="3899737" y="250152"/>
+            <a:ext cx="8317663" cy="532903"/>
+          </a:xfrm>
+          <a:prstGeom prst="rect">
+            <a:avLst/>
+          </a:prstGeom>
+        </p:spPr>
+        <p:txBody>
+          <a:bodyPr wrap="none">
+            <a:spAutoFit/>
+          </a:bodyPr>
+          <a:lstStyle/>
+          <a:p>
+            <a:pPr marL="97155" indent="352425" algn="ctr">
+              <a:lnSpc>
+                <a:spcPct val="107000"/>
+              </a:lnSpc>
+              <a:spcAft>
+                <a:spcPts val="800"/>
+              </a:spcAft>
+            </a:pPr>
+            <a:r>
+              <a:rPr lang="ru-RU" sz="2800" b="1" dirty="0">
+                <a:latin typeface="Calibri" panose="020F0502020204030204" pitchFamily="34" charset="0"/>
+                <a:ea typeface="Calibri" panose="020F0502020204030204" pitchFamily="34" charset="0"/>
+                <a:cs typeface="Times New Roman" panose="02020603050405020304" pitchFamily="18" charset="0"/>
+              </a:rPr>
+              <a:t>Как будет выводиться информация об экскурсии</a:t>
+            </a:r>
+            <a:endParaRPr lang="ru-RU" sz="2800" dirty="0">
+              <a:effectLst/>
+              <a:latin typeface="Calibri" panose="020F0502020204030204" pitchFamily="34" charset="0"/>
+              <a:ea typeface="Calibri" panose="020F0502020204030204" pitchFamily="34" charset="0"/>
+              <a:cs typeface="Times New Roman" panose="02020603050405020304" pitchFamily="18" charset="0"/>
+            </a:endParaRPr>
+          </a:p>
+        </p:txBody>
+      </p:sp>
     </p:spTree>
     <p:extLst>
       <p:ext uri="{BB962C8B-B14F-4D97-AF65-F5344CB8AC3E}">
-        <p14:creationId xmlns:p14="http://schemas.microsoft.com/office/powerpoint/2010/main" val="1609402767"/>
+        <p14:creationId xmlns:p14="http://schemas.microsoft.com/office/powerpoint/2010/main" val="1129594189"/>
+      </p:ext>
+    </p:extLst>
+  </p:cSld>
+  <p:clrMapOvr>
+    <a:masterClrMapping/>
+  </p:clrMapOvr>
+  <p:timing>
+    <p:tnLst>
+      <p:par>
+        <p:cTn id="1" dur="indefinite" restart="never" nodeType="tmRoot">
+          <p:childTnLst>
+            <p:seq concurrent="1" nextAc="seek">
+              <p:cTn id="2" dur="indefinite" nodeType="mainSeq">
+                <p:childTnLst>
+                  <p:par>
+                    <p:cTn id="3" fill="hold">
+                      <p:stCondLst>
+                        <p:cond delay="indefinite"/>
+                        <p:cond evt="onBegin" delay="0">
+                          <p:tn val="2"/>
+                        </p:cond>
+                      </p:stCondLst>
+                      <p:childTnLst>
+                        <p:par>
+                          <p:cTn id="4" fill="hold">
+                            <p:stCondLst>
+                              <p:cond delay="0"/>
+                            </p:stCondLst>
+                            <p:childTnLst>
+                              <p:par>
+                                <p:cTn id="5" presetID="22" presetClass="entr" presetSubtype="4" fill="hold" nodeType="withEffect">
+                                  <p:stCondLst>
+                                    <p:cond delay="0"/>
+                                  </p:stCondLst>
+                                  <p:childTnLst>
+                                    <p:set>
+                                      <p:cBhvr>
+                                        <p:cTn id="6" dur="1" fill="hold">
+                                          <p:stCondLst>
+                                            <p:cond delay="0"/>
+                                          </p:stCondLst>
+                                        </p:cTn>
+                                        <p:tgtEl>
+                                          <p:spTgt spid="2">
+                                            <p:txEl>
+                                              <p:pRg st="0" end="0"/>
+                                            </p:txEl>
+                                          </p:spTgt>
+                                        </p:tgtEl>
+                                        <p:attrNameLst>
+                                          <p:attrName>style.visibility</p:attrName>
+                                        </p:attrNameLst>
+                                      </p:cBhvr>
+                                      <p:to>
+                                        <p:strVal val="visible"/>
+                                      </p:to>
+                                    </p:set>
+                                    <p:animEffect transition="in" filter="wipe(down)">
+                                      <p:cBhvr>
+                                        <p:cTn id="7" dur="2000"/>
+                                        <p:tgtEl>
+                                          <p:spTgt spid="2">
+                                            <p:txEl>
+                                              <p:pRg st="0" end="0"/>
+                                            </p:txEl>
+                                          </p:spTgt>
+                                        </p:tgtEl>
+                                      </p:cBhvr>
+                                    </p:animEffect>
+                                  </p:childTnLst>
+                                </p:cTn>
+                              </p:par>
+                              <p:par>
+                                <p:cTn id="8" presetID="22" presetClass="entr" presetSubtype="4" fill="hold" nodeType="withEffect">
+                                  <p:stCondLst>
+                                    <p:cond delay="0"/>
+                                  </p:stCondLst>
+                                  <p:childTnLst>
+                                    <p:set>
+                                      <p:cBhvr>
+                                        <p:cTn id="9" dur="1" fill="hold">
+                                          <p:stCondLst>
+                                            <p:cond delay="0"/>
+                                          </p:stCondLst>
+                                        </p:cTn>
+                                        <p:tgtEl>
+                                          <p:spTgt spid="2">
+                                            <p:txEl>
+                                              <p:pRg st="1" end="1"/>
+                                            </p:txEl>
+                                          </p:spTgt>
+                                        </p:tgtEl>
+                                        <p:attrNameLst>
+                                          <p:attrName>style.visibility</p:attrName>
+                                        </p:attrNameLst>
+                                      </p:cBhvr>
+                                      <p:to>
+                                        <p:strVal val="visible"/>
+                                      </p:to>
+                                    </p:set>
+                                    <p:animEffect transition="in" filter="wipe(down)">
+                                      <p:cBhvr>
+                                        <p:cTn id="10" dur="2000"/>
+                                        <p:tgtEl>
+                                          <p:spTgt spid="2">
+                                            <p:txEl>
+                                              <p:pRg st="1" end="1"/>
+                                            </p:txEl>
+                                          </p:spTgt>
+                                        </p:tgtEl>
+                                      </p:cBhvr>
+                                    </p:animEffect>
+                                  </p:childTnLst>
+                                </p:cTn>
+                              </p:par>
+                              <p:par>
+                                <p:cTn id="11" presetID="22" presetClass="entr" presetSubtype="4" fill="hold" nodeType="withEffect">
+                                  <p:stCondLst>
+                                    <p:cond delay="0"/>
+                                  </p:stCondLst>
+                                  <p:childTnLst>
+                                    <p:set>
+                                      <p:cBhvr>
+                                        <p:cTn id="12" dur="1" fill="hold">
+                                          <p:stCondLst>
+                                            <p:cond delay="0"/>
+                                          </p:stCondLst>
+                                        </p:cTn>
+                                        <p:tgtEl>
+                                          <p:spTgt spid="2">
+                                            <p:txEl>
+                                              <p:pRg st="2" end="2"/>
+                                            </p:txEl>
+                                          </p:spTgt>
+                                        </p:tgtEl>
+                                        <p:attrNameLst>
+                                          <p:attrName>style.visibility</p:attrName>
+                                        </p:attrNameLst>
+                                      </p:cBhvr>
+                                      <p:to>
+                                        <p:strVal val="visible"/>
+                                      </p:to>
+                                    </p:set>
+                                    <p:animEffect transition="in" filter="wipe(down)">
+                                      <p:cBhvr>
+                                        <p:cTn id="13" dur="2000"/>
+                                        <p:tgtEl>
+                                          <p:spTgt spid="2">
+                                            <p:txEl>
+                                              <p:pRg st="2" end="2"/>
+                                            </p:txEl>
+                                          </p:spTgt>
+                                        </p:tgtEl>
+                                      </p:cBhvr>
+                                    </p:animEffect>
+                                  </p:childTnLst>
+                                </p:cTn>
+                              </p:par>
+                              <p:par>
+                                <p:cTn id="14" presetID="22" presetClass="entr" presetSubtype="4" fill="hold" nodeType="withEffect">
+                                  <p:stCondLst>
+                                    <p:cond delay="0"/>
+                                  </p:stCondLst>
+                                  <p:childTnLst>
+                                    <p:set>
+                                      <p:cBhvr>
+                                        <p:cTn id="15" dur="1" fill="hold">
+                                          <p:stCondLst>
+                                            <p:cond delay="0"/>
+                                          </p:stCondLst>
+                                        </p:cTn>
+                                        <p:tgtEl>
+                                          <p:spTgt spid="2">
+                                            <p:txEl>
+                                              <p:pRg st="3" end="3"/>
+                                            </p:txEl>
+                                          </p:spTgt>
+                                        </p:tgtEl>
+                                        <p:attrNameLst>
+                                          <p:attrName>style.visibility</p:attrName>
+                                        </p:attrNameLst>
+                                      </p:cBhvr>
+                                      <p:to>
+                                        <p:strVal val="visible"/>
+                                      </p:to>
+                                    </p:set>
+                                    <p:animEffect transition="in" filter="wipe(down)">
+                                      <p:cBhvr>
+                                        <p:cTn id="16" dur="2000"/>
+                                        <p:tgtEl>
+                                          <p:spTgt spid="2">
+                                            <p:txEl>
+                                              <p:pRg st="3" end="3"/>
+                                            </p:txEl>
+                                          </p:spTgt>
+                                        </p:tgtEl>
+                                      </p:cBhvr>
+                                    </p:animEffect>
+                                  </p:childTnLst>
+                                </p:cTn>
+                              </p:par>
+                              <p:par>
+                                <p:cTn id="17" presetID="22" presetClass="entr" presetSubtype="4" fill="hold" nodeType="withEffect">
+                                  <p:stCondLst>
+                                    <p:cond delay="0"/>
+                                  </p:stCondLst>
+                                  <p:childTnLst>
+                                    <p:set>
+                                      <p:cBhvr>
+                                        <p:cTn id="18" dur="1" fill="hold">
+                                          <p:stCondLst>
+                                            <p:cond delay="0"/>
+                                          </p:stCondLst>
+                                        </p:cTn>
+                                        <p:tgtEl>
+                                          <p:spTgt spid="2">
+                                            <p:txEl>
+                                              <p:pRg st="4" end="4"/>
+                                            </p:txEl>
+                                          </p:spTgt>
+                                        </p:tgtEl>
+                                        <p:attrNameLst>
+                                          <p:attrName>style.visibility</p:attrName>
+                                        </p:attrNameLst>
+                                      </p:cBhvr>
+                                      <p:to>
+                                        <p:strVal val="visible"/>
+                                      </p:to>
+                                    </p:set>
+                                    <p:animEffect transition="in" filter="wipe(down)">
+                                      <p:cBhvr>
+                                        <p:cTn id="19" dur="2000"/>
+                                        <p:tgtEl>
+                                          <p:spTgt spid="2">
+                                            <p:txEl>
+                                              <p:pRg st="4" end="4"/>
+                                            </p:txEl>
+                                          </p:spTgt>
+                                        </p:tgtEl>
+                                      </p:cBhvr>
+                                    </p:animEffect>
+                                  </p:childTnLst>
+                                </p:cTn>
+                              </p:par>
+                              <p:par>
+                                <p:cTn id="20" presetID="22" presetClass="entr" presetSubtype="4" fill="hold" nodeType="withEffect">
+                                  <p:stCondLst>
+                                    <p:cond delay="0"/>
+                                  </p:stCondLst>
+                                  <p:childTnLst>
+                                    <p:set>
+                                      <p:cBhvr>
+                                        <p:cTn id="21" dur="1" fill="hold">
+                                          <p:stCondLst>
+                                            <p:cond delay="0"/>
+                                          </p:stCondLst>
+                                        </p:cTn>
+                                        <p:tgtEl>
+                                          <p:spTgt spid="2">
+                                            <p:txEl>
+                                              <p:pRg st="5" end="5"/>
+                                            </p:txEl>
+                                          </p:spTgt>
+                                        </p:tgtEl>
+                                        <p:attrNameLst>
+                                          <p:attrName>style.visibility</p:attrName>
+                                        </p:attrNameLst>
+                                      </p:cBhvr>
+                                      <p:to>
+                                        <p:strVal val="visible"/>
+                                      </p:to>
+                                    </p:set>
+                                    <p:animEffect transition="in" filter="wipe(down)">
+                                      <p:cBhvr>
+                                        <p:cTn id="22" dur="2000"/>
+                                        <p:tgtEl>
+                                          <p:spTgt spid="2">
+                                            <p:txEl>
+                                              <p:pRg st="5" end="5"/>
+                                            </p:txEl>
+                                          </p:spTgt>
+                                        </p:tgtEl>
+                                      </p:cBhvr>
+                                    </p:animEffect>
+                                  </p:childTnLst>
+                                </p:cTn>
+                              </p:par>
+                              <p:par>
+                                <p:cTn id="23" presetID="22" presetClass="entr" presetSubtype="4" fill="hold" nodeType="withEffect">
+                                  <p:stCondLst>
+                                    <p:cond delay="0"/>
+                                  </p:stCondLst>
+                                  <p:childTnLst>
+                                    <p:set>
+                                      <p:cBhvr>
+                                        <p:cTn id="24" dur="1" fill="hold">
+                                          <p:stCondLst>
+                                            <p:cond delay="0"/>
+                                          </p:stCondLst>
+                                        </p:cTn>
+                                        <p:tgtEl>
+                                          <p:spTgt spid="2">
+                                            <p:txEl>
+                                              <p:pRg st="6" end="6"/>
+                                            </p:txEl>
+                                          </p:spTgt>
+                                        </p:tgtEl>
+                                        <p:attrNameLst>
+                                          <p:attrName>style.visibility</p:attrName>
+                                        </p:attrNameLst>
+                                      </p:cBhvr>
+                                      <p:to>
+                                        <p:strVal val="visible"/>
+                                      </p:to>
+                                    </p:set>
+                                    <p:animEffect transition="in" filter="wipe(down)">
+                                      <p:cBhvr>
+                                        <p:cTn id="25" dur="2000"/>
+                                        <p:tgtEl>
+                                          <p:spTgt spid="2">
+                                            <p:txEl>
+                                              <p:pRg st="6" end="6"/>
+                                            </p:txEl>
+                                          </p:spTgt>
+                                        </p:tgtEl>
+                                      </p:cBhvr>
+                                    </p:animEffect>
+                                  </p:childTnLst>
+                                </p:cTn>
+                              </p:par>
+                              <p:par>
+                                <p:cTn id="26" presetID="22" presetClass="entr" presetSubtype="4" fill="hold" nodeType="withEffect">
+                                  <p:stCondLst>
+                                    <p:cond delay="0"/>
+                                  </p:stCondLst>
+                                  <p:childTnLst>
+                                    <p:set>
+                                      <p:cBhvr>
+                                        <p:cTn id="27" dur="1" fill="hold">
+                                          <p:stCondLst>
+                                            <p:cond delay="0"/>
+                                          </p:stCondLst>
+                                        </p:cTn>
+                                        <p:tgtEl>
+                                          <p:spTgt spid="2">
+                                            <p:txEl>
+                                              <p:pRg st="7" end="7"/>
+                                            </p:txEl>
+                                          </p:spTgt>
+                                        </p:tgtEl>
+                                        <p:attrNameLst>
+                                          <p:attrName>style.visibility</p:attrName>
+                                        </p:attrNameLst>
+                                      </p:cBhvr>
+                                      <p:to>
+                                        <p:strVal val="visible"/>
+                                      </p:to>
+                                    </p:set>
+                                    <p:animEffect transition="in" filter="wipe(down)">
+                                      <p:cBhvr>
+                                        <p:cTn id="28" dur="2000"/>
+                                        <p:tgtEl>
+                                          <p:spTgt spid="2">
+                                            <p:txEl>
+                                              <p:pRg st="7" end="7"/>
+                                            </p:txEl>
+                                          </p:spTgt>
+                                        </p:tgtEl>
+                                      </p:cBhvr>
+                                    </p:animEffect>
+                                  </p:childTnLst>
+                                </p:cTn>
+                              </p:par>
+                              <p:par>
+                                <p:cTn id="29" presetID="22" presetClass="entr" presetSubtype="4" fill="hold" nodeType="withEffect">
+                                  <p:stCondLst>
+                                    <p:cond delay="0"/>
+                                  </p:stCondLst>
+                                  <p:childTnLst>
+                                    <p:set>
+                                      <p:cBhvr>
+                                        <p:cTn id="30" dur="1" fill="hold">
+                                          <p:stCondLst>
+                                            <p:cond delay="0"/>
+                                          </p:stCondLst>
+                                        </p:cTn>
+                                        <p:tgtEl>
+                                          <p:spTgt spid="2">
+                                            <p:txEl>
+                                              <p:pRg st="8" end="8"/>
+                                            </p:txEl>
+                                          </p:spTgt>
+                                        </p:tgtEl>
+                                        <p:attrNameLst>
+                                          <p:attrName>style.visibility</p:attrName>
+                                        </p:attrNameLst>
+                                      </p:cBhvr>
+                                      <p:to>
+                                        <p:strVal val="visible"/>
+                                      </p:to>
+                                    </p:set>
+                                    <p:animEffect transition="in" filter="wipe(down)">
+                                      <p:cBhvr>
+                                        <p:cTn id="31" dur="2000"/>
+                                        <p:tgtEl>
+                                          <p:spTgt spid="2">
+                                            <p:txEl>
+                                              <p:pRg st="8" end="8"/>
+                                            </p:txEl>
+                                          </p:spTgt>
+                                        </p:tgtEl>
+                                      </p:cBhvr>
+                                    </p:animEffect>
+                                  </p:childTnLst>
+                                </p:cTn>
+                              </p:par>
+                            </p:childTnLst>
+                          </p:cTn>
+                        </p:par>
+                      </p:childTnLst>
+                    </p:cTn>
+                  </p:par>
+                </p:childTnLst>
+              </p:cTn>
+              <p:prevCondLst>
+                <p:cond evt="onPrev" delay="0">
+                  <p:tgtEl>
+                    <p:sldTgt/>
+                  </p:tgtEl>
+                </p:cond>
+              </p:prevCondLst>
+              <p:nextCondLst>
+                <p:cond evt="onNext" delay="0">
+                  <p:tgtEl>
+                    <p:sldTgt/>
+                  </p:tgtEl>
+                </p:cond>
+              </p:nextCondLst>
+            </p:seq>
+          </p:childTnLst>
+        </p:cTn>
+      </p:par>
+    </p:tnLst>
+  </p:timing>
+</p:sld>
+</file>
+
+<file path=ppt/slides/slide5.xml><?xml version="1.0" encoding="utf-8"?>
+<p:sld xmlns:a="http://schemas.openxmlformats.org/drawingml/2006/main" xmlns:r="http://schemas.openxmlformats.org/officeDocument/2006/relationships" xmlns:p="http://schemas.openxmlformats.org/presentationml/2006/main">
+  <p:cSld>
+    <p:bg>
+      <p:bgPr>
+        <a:blipFill dpi="0" rotWithShape="1">
+          <a:blip r:embed="rId3">
+            <a:lum/>
+          </a:blip>
+          <a:srcRect/>
+          <a:stretch>
+            <a:fillRect/>
+          </a:stretch>
+        </a:blipFill>
+        <a:effectLst/>
+      </p:bgPr>
+    </p:bg>
+    <p:spTree>
+      <p:nvGrpSpPr>
+        <p:cNvPr id="1" name=""/>
+        <p:cNvGrpSpPr/>
+        <p:nvPr/>
+      </p:nvGrpSpPr>
+      <p:grpSpPr>
+        <a:xfrm>
+          <a:off x="0" y="0"/>
+          <a:ext cx="0" cy="0"/>
+          <a:chOff x="0" y="0"/>
+          <a:chExt cx="0" cy="0"/>
+        </a:xfrm>
+      </p:grpSpPr>
+      <p:sp>
+        <p:nvSpPr>
+          <p:cNvPr id="2" name="Прямоугольник 1"/>
+          <p:cNvSpPr/>
+          <p:nvPr/>
+        </p:nvSpPr>
+        <p:spPr>
+          <a:xfrm>
+            <a:off x="900086" y="437634"/>
+            <a:ext cx="4911153" cy="523220"/>
+          </a:xfrm>
+          <a:prstGeom prst="rect">
+            <a:avLst/>
+          </a:prstGeom>
+        </p:spPr>
+        <p:txBody>
+          <a:bodyPr wrap="none">
+            <a:spAutoFit/>
+          </a:bodyPr>
+          <a:lstStyle/>
+          <a:p>
+            <a:r>
+              <a:rPr lang="ru-RU" sz="2800" b="1" dirty="0">
+                <a:latin typeface="Calibri" panose="020F0502020204030204" pitchFamily="34" charset="0"/>
+                <a:ea typeface="Calibri" panose="020F0502020204030204" pitchFamily="34" charset="0"/>
+                <a:cs typeface="Times New Roman" panose="02020603050405020304" pitchFamily="18" charset="0"/>
+              </a:rPr>
+              <a:t>Команды для </a:t>
+            </a:r>
+            <a:r>
+              <a:rPr lang="ru-RU" sz="2800" b="1" dirty="0" err="1" smtClean="0">
+                <a:latin typeface="Calibri" panose="020F0502020204030204" pitchFamily="34" charset="0"/>
+                <a:ea typeface="Calibri" panose="020F0502020204030204" pitchFamily="34" charset="0"/>
+                <a:cs typeface="Times New Roman" panose="02020603050405020304" pitchFamily="18" charset="0"/>
+              </a:rPr>
+              <a:t>аудио</a:t>
+            </a:r>
+            <a:r>
+              <a:rPr lang="ru-RU" sz="2800" b="1" dirty="0" err="1" smtClean="0">
+                <a:latin typeface="Calibri" panose="020F0502020204030204" pitchFamily="34" charset="0"/>
+                <a:cs typeface="Times New Roman" panose="02020603050405020304" pitchFamily="18" charset="0"/>
+              </a:rPr>
+              <a:t>экскурсий</a:t>
+            </a:r>
+            <a:endParaRPr lang="ru-RU" sz="2800" dirty="0"/>
+          </a:p>
+        </p:txBody>
+      </p:sp>
+      <p:sp>
+        <p:nvSpPr>
+          <p:cNvPr id="3" name="Прямоугольник 2"/>
+          <p:cNvSpPr/>
+          <p:nvPr/>
+        </p:nvSpPr>
+        <p:spPr>
+          <a:xfrm>
+            <a:off x="1003300" y="1442691"/>
+            <a:ext cx="9347200" cy="3766672"/>
+          </a:xfrm>
+          <a:prstGeom prst="rect">
+            <a:avLst/>
+          </a:prstGeom>
+        </p:spPr>
+        <p:txBody>
+          <a:bodyPr wrap="square">
+            <a:spAutoFit/>
+          </a:bodyPr>
+          <a:lstStyle/>
+          <a:p>
+            <a:pPr marL="342900" lvl="0" indent="-342900" algn="just">
+              <a:lnSpc>
+                <a:spcPct val="107000"/>
+              </a:lnSpc>
+              <a:spcAft>
+                <a:spcPts val="0"/>
+              </a:spcAft>
+              <a:buFont typeface="Arial" panose="020B0604020202020204" pitchFamily="34" charset="0"/>
+              <a:buChar char="•"/>
+            </a:pPr>
+            <a:r>
+              <a:rPr lang="ru-RU" sz="2400" dirty="0">
+                <a:latin typeface="Calibri" panose="020F0502020204030204" pitchFamily="34" charset="0"/>
+                <a:ea typeface="Calibri" panose="020F0502020204030204" pitchFamily="34" charset="0"/>
+                <a:cs typeface="Times New Roman" panose="02020603050405020304" pitchFamily="18" charset="0"/>
+              </a:rPr>
+              <a:t>Показать все </a:t>
+            </a:r>
+            <a:r>
+              <a:rPr lang="ru-RU" sz="2400" dirty="0" err="1">
+                <a:latin typeface="Calibri" panose="020F0502020204030204" pitchFamily="34" charset="0"/>
+                <a:ea typeface="Calibri" panose="020F0502020204030204" pitchFamily="34" charset="0"/>
+                <a:cs typeface="Times New Roman" panose="02020603050405020304" pitchFamily="18" charset="0"/>
+              </a:rPr>
+              <a:t>аудиоэкскурсии</a:t>
+            </a:r>
+            <a:r>
+              <a:rPr lang="ru-RU" sz="2400" dirty="0">
+                <a:latin typeface="Calibri" panose="020F0502020204030204" pitchFamily="34" charset="0"/>
+                <a:ea typeface="Calibri" panose="020F0502020204030204" pitchFamily="34" charset="0"/>
+                <a:cs typeface="Times New Roman" panose="02020603050405020304" pitchFamily="18" charset="0"/>
+              </a:rPr>
+              <a:t> </a:t>
+            </a:r>
+            <a:endParaRPr lang="ru-RU" sz="2400" dirty="0" smtClean="0">
+              <a:latin typeface="Calibri" panose="020F0502020204030204" pitchFamily="34" charset="0"/>
+              <a:ea typeface="Calibri" panose="020F0502020204030204" pitchFamily="34" charset="0"/>
+              <a:cs typeface="Times New Roman" panose="02020603050405020304" pitchFamily="18" charset="0"/>
+            </a:endParaRPr>
+          </a:p>
+          <a:p>
+            <a:pPr marL="342900" lvl="0" indent="-342900" algn="just">
+              <a:lnSpc>
+                <a:spcPct val="107000"/>
+              </a:lnSpc>
+              <a:spcAft>
+                <a:spcPts val="0"/>
+              </a:spcAft>
+              <a:buFont typeface="Arial" panose="020B0604020202020204" pitchFamily="34" charset="0"/>
+              <a:buChar char="•"/>
+            </a:pPr>
+            <a:r>
+              <a:rPr lang="ru-RU" sz="2400" dirty="0" smtClean="0">
+                <a:latin typeface="Calibri" panose="020F0502020204030204" pitchFamily="34" charset="0"/>
+                <a:ea typeface="Calibri" panose="020F0502020204030204" pitchFamily="34" charset="0"/>
+                <a:cs typeface="Times New Roman" panose="02020603050405020304" pitchFamily="18" charset="0"/>
+              </a:rPr>
+              <a:t>Города</a:t>
+            </a:r>
+            <a:r>
+              <a:rPr lang="ru-RU" sz="2400" dirty="0">
+                <a:latin typeface="Calibri" panose="020F0502020204030204" pitchFamily="34" charset="0"/>
+                <a:ea typeface="Calibri" panose="020F0502020204030204" pitchFamily="34" charset="0"/>
+                <a:cs typeface="Times New Roman" panose="02020603050405020304" pitchFamily="18" charset="0"/>
+              </a:rPr>
+              <a:t>, в которых есть </a:t>
+            </a:r>
+            <a:r>
+              <a:rPr lang="ru-RU" sz="2400" dirty="0" err="1">
+                <a:latin typeface="Calibri" panose="020F0502020204030204" pitchFamily="34" charset="0"/>
+                <a:ea typeface="Calibri" panose="020F0502020204030204" pitchFamily="34" charset="0"/>
+                <a:cs typeface="Times New Roman" panose="02020603050405020304" pitchFamily="18" charset="0"/>
+              </a:rPr>
+              <a:t>аудиоэкскурсии</a:t>
+            </a:r>
+            <a:endParaRPr lang="ru-RU" sz="2400" dirty="0">
+              <a:latin typeface="Calibri" panose="020F0502020204030204" pitchFamily="34" charset="0"/>
+              <a:ea typeface="Calibri" panose="020F0502020204030204" pitchFamily="34" charset="0"/>
+              <a:cs typeface="Times New Roman" panose="02020603050405020304" pitchFamily="18" charset="0"/>
+            </a:endParaRPr>
+          </a:p>
+          <a:p>
+            <a:pPr marL="342900" lvl="0" indent="-342900" algn="just">
+              <a:lnSpc>
+                <a:spcPct val="107000"/>
+              </a:lnSpc>
+              <a:spcAft>
+                <a:spcPts val="800"/>
+              </a:spcAft>
+              <a:buFont typeface="Arial" panose="020B0604020202020204" pitchFamily="34" charset="0"/>
+              <a:buChar char="•"/>
+            </a:pPr>
+            <a:r>
+              <a:rPr lang="ru-RU" sz="2400" dirty="0">
+                <a:latin typeface="Calibri" panose="020F0502020204030204" pitchFamily="34" charset="0"/>
+                <a:ea typeface="Calibri" panose="020F0502020204030204" pitchFamily="34" charset="0"/>
+                <a:cs typeface="Times New Roman" panose="02020603050405020304" pitchFamily="18" charset="0"/>
+              </a:rPr>
+              <a:t>Показать </a:t>
+            </a:r>
+            <a:r>
+              <a:rPr lang="ru-RU" sz="2400" dirty="0" err="1">
+                <a:latin typeface="Calibri" panose="020F0502020204030204" pitchFamily="34" charset="0"/>
+                <a:ea typeface="Calibri" panose="020F0502020204030204" pitchFamily="34" charset="0"/>
+                <a:cs typeface="Times New Roman" panose="02020603050405020304" pitchFamily="18" charset="0"/>
+              </a:rPr>
+              <a:t>аудиоэкскурсии</a:t>
+            </a:r>
+            <a:r>
+              <a:rPr lang="ru-RU" sz="2400" dirty="0">
+                <a:latin typeface="Calibri" panose="020F0502020204030204" pitchFamily="34" charset="0"/>
+                <a:ea typeface="Calibri" panose="020F0502020204030204" pitchFamily="34" charset="0"/>
+                <a:cs typeface="Times New Roman" panose="02020603050405020304" pitchFamily="18" charset="0"/>
+              </a:rPr>
+              <a:t> в </a:t>
+            </a:r>
+            <a:r>
+              <a:rPr lang="en-US" sz="2400" dirty="0" smtClean="0">
+                <a:latin typeface="Calibri" panose="020F0502020204030204" pitchFamily="34" charset="0"/>
+                <a:ea typeface="Calibri" panose="020F0502020204030204" pitchFamily="34" charset="0"/>
+                <a:cs typeface="Times New Roman" panose="02020603050405020304" pitchFamily="18" charset="0"/>
+              </a:rPr>
+              <a:t>&lt;</a:t>
+            </a:r>
+            <a:r>
+              <a:rPr lang="ru-RU" sz="2400" dirty="0" err="1" smtClean="0">
+                <a:latin typeface="Calibri" panose="020F0502020204030204" pitchFamily="34" charset="0"/>
+                <a:ea typeface="Calibri" panose="020F0502020204030204" pitchFamily="34" charset="0"/>
+                <a:cs typeface="Times New Roman" panose="02020603050405020304" pitchFamily="18" charset="0"/>
+              </a:rPr>
+              <a:t>название_города</a:t>
+            </a:r>
+            <a:r>
+              <a:rPr lang="en-US" sz="2400" dirty="0" smtClean="0">
+                <a:latin typeface="Calibri" panose="020F0502020204030204" pitchFamily="34" charset="0"/>
+                <a:ea typeface="Calibri" panose="020F0502020204030204" pitchFamily="34" charset="0"/>
+                <a:cs typeface="Times New Roman" panose="02020603050405020304" pitchFamily="18" charset="0"/>
+              </a:rPr>
+              <a:t>&gt;</a:t>
+            </a:r>
+            <a:endParaRPr lang="ru-RU" sz="2400" dirty="0" smtClean="0">
+              <a:latin typeface="Calibri" panose="020F0502020204030204" pitchFamily="34" charset="0"/>
+              <a:ea typeface="Calibri" panose="020F0502020204030204" pitchFamily="34" charset="0"/>
+              <a:cs typeface="Times New Roman" panose="02020603050405020304" pitchFamily="18" charset="0"/>
+            </a:endParaRPr>
+          </a:p>
+          <a:p>
+            <a:pPr marL="342900" lvl="0" indent="-342900" algn="just">
+              <a:lnSpc>
+                <a:spcPct val="107000"/>
+              </a:lnSpc>
+              <a:spcAft>
+                <a:spcPts val="800"/>
+              </a:spcAft>
+              <a:buFont typeface="Arial" panose="020B0604020202020204" pitchFamily="34" charset="0"/>
+              <a:buChar char="•"/>
+            </a:pPr>
+            <a:endParaRPr lang="ru-RU" sz="2400" dirty="0">
+              <a:latin typeface="Calibri" panose="020F0502020204030204" pitchFamily="34" charset="0"/>
+              <a:ea typeface="Calibri" panose="020F0502020204030204" pitchFamily="34" charset="0"/>
+              <a:cs typeface="Times New Roman" panose="02020603050405020304" pitchFamily="18" charset="0"/>
+            </a:endParaRPr>
+          </a:p>
+          <a:p>
+            <a:pPr marL="342900" lvl="0" indent="-342900" algn="just">
+              <a:lnSpc>
+                <a:spcPct val="107000"/>
+              </a:lnSpc>
+              <a:spcAft>
+                <a:spcPts val="800"/>
+              </a:spcAft>
+              <a:buFont typeface="Arial" panose="020B0604020202020204" pitchFamily="34" charset="0"/>
+              <a:buChar char="•"/>
+            </a:pPr>
+            <a:endParaRPr lang="ru-RU" sz="2400" dirty="0" smtClean="0">
+              <a:latin typeface="Calibri" panose="020F0502020204030204" pitchFamily="34" charset="0"/>
+              <a:ea typeface="Calibri" panose="020F0502020204030204" pitchFamily="34" charset="0"/>
+              <a:cs typeface="Times New Roman" panose="02020603050405020304" pitchFamily="18" charset="0"/>
+            </a:endParaRPr>
+          </a:p>
+          <a:p>
+            <a:pPr marL="342900" lvl="0" indent="-342900" algn="just">
+              <a:lnSpc>
+                <a:spcPct val="107000"/>
+              </a:lnSpc>
+              <a:spcAft>
+                <a:spcPts val="800"/>
+              </a:spcAft>
+              <a:buFont typeface="Arial" panose="020B0604020202020204" pitchFamily="34" charset="0"/>
+              <a:buChar char="•"/>
+            </a:pPr>
+            <a:r>
+              <a:rPr lang="ru-RU" sz="2400" dirty="0" smtClean="0">
+                <a:latin typeface="Calibri" panose="020F0502020204030204" pitchFamily="34" charset="0"/>
+                <a:ea typeface="Calibri" panose="020F0502020204030204" pitchFamily="34" charset="0"/>
+                <a:cs typeface="Times New Roman" panose="02020603050405020304" pitchFamily="18" charset="0"/>
+              </a:rPr>
+              <a:t>Показать </a:t>
+            </a:r>
+            <a:r>
+              <a:rPr lang="ru-RU" sz="2400" dirty="0" err="1">
+                <a:latin typeface="Calibri" panose="020F0502020204030204" pitchFamily="34" charset="0"/>
+                <a:ea typeface="Calibri" panose="020F0502020204030204" pitchFamily="34" charset="0"/>
+                <a:cs typeface="Times New Roman" panose="02020603050405020304" pitchFamily="18" charset="0"/>
+              </a:rPr>
+              <a:t>аудиоэкскурсию</a:t>
+            </a:r>
+            <a:r>
+              <a:rPr lang="ru-RU" sz="2400" dirty="0">
+                <a:latin typeface="Calibri" panose="020F0502020204030204" pitchFamily="34" charset="0"/>
+                <a:ea typeface="Calibri" panose="020F0502020204030204" pitchFamily="34" charset="0"/>
+                <a:cs typeface="Times New Roman" panose="02020603050405020304" pitchFamily="18" charset="0"/>
+              </a:rPr>
+              <a:t> номер &lt;</a:t>
+            </a:r>
+            <a:r>
+              <a:rPr lang="ru-RU" sz="2400" dirty="0" err="1">
+                <a:latin typeface="Calibri" panose="020F0502020204030204" pitchFamily="34" charset="0"/>
+                <a:ea typeface="Calibri" panose="020F0502020204030204" pitchFamily="34" charset="0"/>
+                <a:cs typeface="Times New Roman" panose="02020603050405020304" pitchFamily="18" charset="0"/>
+              </a:rPr>
+              <a:t>номер_экскурсии</a:t>
+            </a:r>
+            <a:r>
+              <a:rPr lang="ru-RU" sz="2400" dirty="0">
+                <a:latin typeface="Calibri" panose="020F0502020204030204" pitchFamily="34" charset="0"/>
+                <a:ea typeface="Calibri" panose="020F0502020204030204" pitchFamily="34" charset="0"/>
+                <a:cs typeface="Times New Roman" panose="02020603050405020304" pitchFamily="18" charset="0"/>
+              </a:rPr>
+              <a:t>&gt; </a:t>
+            </a:r>
+            <a:endParaRPr lang="ru-RU" sz="2400" dirty="0" smtClean="0">
+              <a:latin typeface="Calibri" panose="020F0502020204030204" pitchFamily="34" charset="0"/>
+              <a:ea typeface="Calibri" panose="020F0502020204030204" pitchFamily="34" charset="0"/>
+              <a:cs typeface="Times New Roman" panose="02020603050405020304" pitchFamily="18" charset="0"/>
+            </a:endParaRPr>
+          </a:p>
+          <a:p>
+            <a:pPr marL="342900" lvl="0" indent="-342900" algn="just">
+              <a:lnSpc>
+                <a:spcPct val="107000"/>
+              </a:lnSpc>
+              <a:spcAft>
+                <a:spcPts val="800"/>
+              </a:spcAft>
+              <a:buFont typeface="Arial" panose="020B0604020202020204" pitchFamily="34" charset="0"/>
+              <a:buChar char="•"/>
+            </a:pPr>
+            <a:r>
+              <a:rPr lang="ru-RU" sz="2400" dirty="0" smtClean="0">
+                <a:latin typeface="Calibri" panose="020F0502020204030204" pitchFamily="34" charset="0"/>
+                <a:ea typeface="Calibri" panose="020F0502020204030204" pitchFamily="34" charset="0"/>
+                <a:cs typeface="Times New Roman" panose="02020603050405020304" pitchFamily="18" charset="0"/>
+              </a:rPr>
+              <a:t>Удалить </a:t>
+            </a:r>
+            <a:r>
+              <a:rPr lang="ru-RU" sz="2400" dirty="0" err="1">
+                <a:latin typeface="Calibri" panose="020F0502020204030204" pitchFamily="34" charset="0"/>
+                <a:ea typeface="Calibri" panose="020F0502020204030204" pitchFamily="34" charset="0"/>
+                <a:cs typeface="Times New Roman" panose="02020603050405020304" pitchFamily="18" charset="0"/>
+              </a:rPr>
+              <a:t>аудиоэкскурсию</a:t>
+            </a:r>
+            <a:r>
+              <a:rPr lang="ru-RU" sz="2400" dirty="0">
+                <a:latin typeface="Calibri" panose="020F0502020204030204" pitchFamily="34" charset="0"/>
+                <a:ea typeface="Calibri" panose="020F0502020204030204" pitchFamily="34" charset="0"/>
+                <a:cs typeface="Times New Roman" panose="02020603050405020304" pitchFamily="18" charset="0"/>
+              </a:rPr>
+              <a:t> номер &lt;</a:t>
+            </a:r>
+            <a:r>
+              <a:rPr lang="ru-RU" sz="2400" dirty="0" err="1">
+                <a:latin typeface="Calibri" panose="020F0502020204030204" pitchFamily="34" charset="0"/>
+                <a:ea typeface="Calibri" panose="020F0502020204030204" pitchFamily="34" charset="0"/>
+                <a:cs typeface="Times New Roman" panose="02020603050405020304" pitchFamily="18" charset="0"/>
+              </a:rPr>
+              <a:t>номер_экскурсии</a:t>
+            </a:r>
+            <a:r>
+              <a:rPr lang="ru-RU" sz="2400" dirty="0">
+                <a:latin typeface="Calibri" panose="020F0502020204030204" pitchFamily="34" charset="0"/>
+                <a:ea typeface="Calibri" panose="020F0502020204030204" pitchFamily="34" charset="0"/>
+                <a:cs typeface="Times New Roman" panose="02020603050405020304" pitchFamily="18" charset="0"/>
+              </a:rPr>
+              <a:t>&gt; </a:t>
+            </a:r>
+            <a:endParaRPr lang="ru-RU" sz="2400" dirty="0" smtClean="0">
+              <a:latin typeface="Calibri" panose="020F0502020204030204" pitchFamily="34" charset="0"/>
+              <a:ea typeface="Calibri" panose="020F0502020204030204" pitchFamily="34" charset="0"/>
+              <a:cs typeface="Times New Roman" panose="02020603050405020304" pitchFamily="18" charset="0"/>
+            </a:endParaRPr>
+          </a:p>
+          <a:p>
+            <a:pPr marL="342900" lvl="0" indent="-342900" algn="just">
+              <a:lnSpc>
+                <a:spcPct val="107000"/>
+              </a:lnSpc>
+              <a:spcAft>
+                <a:spcPts val="800"/>
+              </a:spcAft>
+              <a:buFont typeface="Arial" panose="020B0604020202020204" pitchFamily="34" charset="0"/>
+              <a:buChar char="•"/>
+            </a:pPr>
+            <a:r>
+              <a:rPr lang="ru-RU" sz="2400" dirty="0" smtClean="0">
+                <a:latin typeface="Calibri" panose="020F0502020204030204" pitchFamily="34" charset="0"/>
+                <a:ea typeface="Calibri" panose="020F0502020204030204" pitchFamily="34" charset="0"/>
+                <a:cs typeface="Times New Roman" panose="02020603050405020304" pitchFamily="18" charset="0"/>
+              </a:rPr>
+              <a:t>Прослушать </a:t>
+            </a:r>
+            <a:r>
+              <a:rPr lang="ru-RU" sz="2400" dirty="0" err="1">
+                <a:latin typeface="Calibri" panose="020F0502020204030204" pitchFamily="34" charset="0"/>
+                <a:ea typeface="Calibri" panose="020F0502020204030204" pitchFamily="34" charset="0"/>
+                <a:cs typeface="Times New Roman" panose="02020603050405020304" pitchFamily="18" charset="0"/>
+              </a:rPr>
+              <a:t>аудиоэкскурсию</a:t>
+            </a:r>
+            <a:r>
+              <a:rPr lang="ru-RU" sz="2400" dirty="0">
+                <a:latin typeface="Calibri" panose="020F0502020204030204" pitchFamily="34" charset="0"/>
+                <a:ea typeface="Calibri" panose="020F0502020204030204" pitchFamily="34" charset="0"/>
+                <a:cs typeface="Times New Roman" panose="02020603050405020304" pitchFamily="18" charset="0"/>
+              </a:rPr>
+              <a:t> номер &lt;</a:t>
+            </a:r>
+            <a:r>
+              <a:rPr lang="ru-RU" sz="2400" dirty="0" err="1">
+                <a:latin typeface="Calibri" panose="020F0502020204030204" pitchFamily="34" charset="0"/>
+                <a:ea typeface="Calibri" panose="020F0502020204030204" pitchFamily="34" charset="0"/>
+                <a:cs typeface="Times New Roman" panose="02020603050405020304" pitchFamily="18" charset="0"/>
+              </a:rPr>
+              <a:t>номер_экскурсии</a:t>
+            </a:r>
+            <a:r>
+              <a:rPr lang="ru-RU" sz="2400" dirty="0" smtClean="0">
+                <a:latin typeface="Calibri" panose="020F0502020204030204" pitchFamily="34" charset="0"/>
+                <a:ea typeface="Calibri" panose="020F0502020204030204" pitchFamily="34" charset="0"/>
+                <a:cs typeface="Times New Roman" panose="02020603050405020304" pitchFamily="18" charset="0"/>
+              </a:rPr>
+              <a:t>&gt;</a:t>
+            </a:r>
+            <a:endParaRPr lang="ru-RU" sz="2400" dirty="0">
+              <a:effectLst/>
+              <a:latin typeface="Calibri" panose="020F0502020204030204" pitchFamily="34" charset="0"/>
+              <a:ea typeface="Calibri" panose="020F0502020204030204" pitchFamily="34" charset="0"/>
+              <a:cs typeface="Times New Roman" panose="02020603050405020304" pitchFamily="18" charset="0"/>
+            </a:endParaRPr>
+          </a:p>
+        </p:txBody>
+      </p:sp>
+    </p:spTree>
+    <p:extLst>
+      <p:ext uri="{BB962C8B-B14F-4D97-AF65-F5344CB8AC3E}">
+        <p14:creationId xmlns:p14="http://schemas.microsoft.com/office/powerpoint/2010/main" val="3944807839"/>
       </p:ext>
     </p:extLst>
   </p:cSld>
@@ -7358,7 +8291,7 @@
                                         <p:tgtEl>
                                           <p:spTgt spid="3">
                                             <p:txEl>
-                                              <p:pRg st="3" end="3"/>
+                                              <p:pRg st="5" end="5"/>
                                             </p:txEl>
                                           </p:spTgt>
                                         </p:tgtEl>
@@ -7376,7 +8309,7 @@
                                         <p:tgtEl>
                                           <p:spTgt spid="3">
                                             <p:txEl>
-                                              <p:pRg st="3" end="3"/>
+                                              <p:pRg st="5" end="5"/>
                                             </p:txEl>
                                           </p:spTgt>
                                         </p:tgtEl>
@@ -7419,7 +8352,7 @@
                                         <p:tgtEl>
                                           <p:spTgt spid="3">
                                             <p:txEl>
-                                              <p:pRg st="4" end="4"/>
+                                              <p:pRg st="6" end="6"/>
                                             </p:txEl>
                                           </p:spTgt>
                                         </p:tgtEl>
@@ -7437,7 +8370,7 @@
                                         <p:tgtEl>
                                           <p:spTgt spid="3">
                                             <p:txEl>
-                                              <p:pRg st="4" end="4"/>
+                                              <p:pRg st="6" end="6"/>
                                             </p:txEl>
                                           </p:spTgt>
                                         </p:tgtEl>
@@ -7480,7 +8413,7 @@
                                         <p:tgtEl>
                                           <p:spTgt spid="3">
                                             <p:txEl>
-                                              <p:pRg st="5" end="5"/>
+                                              <p:pRg st="7" end="7"/>
                                             </p:txEl>
                                           </p:spTgt>
                                         </p:tgtEl>
@@ -7498,190 +8431,7 @@
                                         <p:tgtEl>
                                           <p:spTgt spid="3">
                                             <p:txEl>
-                                              <p:pRg st="5" end="5"/>
-                                            </p:txEl>
-                                          </p:spTgt>
-                                        </p:tgtEl>
-                                      </p:cBhvr>
-                                    </p:animEffect>
-                                  </p:childTnLst>
-                                </p:cTn>
-                              </p:par>
-                            </p:childTnLst>
-                          </p:cTn>
-                        </p:par>
-                      </p:childTnLst>
-                    </p:cTn>
-                  </p:par>
-                  <p:par>
-                    <p:cTn id="33" fill="hold">
-                      <p:stCondLst>
-                        <p:cond delay="indefinite"/>
-                      </p:stCondLst>
-                      <p:childTnLst>
-                        <p:par>
-                          <p:cTn id="34" fill="hold">
-                            <p:stCondLst>
-                              <p:cond delay="0"/>
-                            </p:stCondLst>
-                            <p:childTnLst>
-                              <p:par>
-                                <p:cTn id="35" presetID="22" presetClass="entr" presetSubtype="8" fill="hold" nodeType="clickEffect">
-                                  <p:stCondLst>
-                                    <p:cond delay="0"/>
-                                  </p:stCondLst>
-                                  <p:childTnLst>
-                                    <p:set>
-                                      <p:cBhvr>
-                                        <p:cTn id="36" dur="1" fill="hold">
-                                          <p:stCondLst>
-                                            <p:cond delay="0"/>
-                                          </p:stCondLst>
-                                        </p:cTn>
-                                        <p:tgtEl>
-                                          <p:spTgt spid="3">
-                                            <p:txEl>
-                                              <p:pRg st="6" end="6"/>
-                                            </p:txEl>
-                                          </p:spTgt>
-                                        </p:tgtEl>
-                                        <p:attrNameLst>
-                                          <p:attrName>style.visibility</p:attrName>
-                                        </p:attrNameLst>
-                                      </p:cBhvr>
-                                      <p:to>
-                                        <p:strVal val="visible"/>
-                                      </p:to>
-                                    </p:set>
-                                    <p:animEffect transition="in" filter="wipe(left)">
-                                      <p:cBhvr>
-                                        <p:cTn id="37" dur="500"/>
-                                        <p:tgtEl>
-                                          <p:spTgt spid="3">
-                                            <p:txEl>
-                                              <p:pRg st="6" end="6"/>
-                                            </p:txEl>
-                                          </p:spTgt>
-                                        </p:tgtEl>
-                                      </p:cBhvr>
-                                    </p:animEffect>
-                                  </p:childTnLst>
-                                </p:cTn>
-                              </p:par>
-                            </p:childTnLst>
-                          </p:cTn>
-                        </p:par>
-                      </p:childTnLst>
-                    </p:cTn>
-                  </p:par>
-                  <p:par>
-                    <p:cTn id="38" fill="hold">
-                      <p:stCondLst>
-                        <p:cond delay="indefinite"/>
-                      </p:stCondLst>
-                      <p:childTnLst>
-                        <p:par>
-                          <p:cTn id="39" fill="hold">
-                            <p:stCondLst>
-                              <p:cond delay="0"/>
-                            </p:stCondLst>
-                            <p:childTnLst>
-                              <p:par>
-                                <p:cTn id="40" presetID="22" presetClass="entr" presetSubtype="8" fill="hold" nodeType="clickEffect">
-                                  <p:stCondLst>
-                                    <p:cond delay="0"/>
-                                  </p:stCondLst>
-                                  <p:childTnLst>
-                                    <p:set>
-                                      <p:cBhvr>
-                                        <p:cTn id="41" dur="1" fill="hold">
-                                          <p:stCondLst>
-                                            <p:cond delay="0"/>
-                                          </p:stCondLst>
-                                        </p:cTn>
-                                        <p:tgtEl>
-                                          <p:spTgt spid="3">
-                                            <p:txEl>
                                               <p:pRg st="7" end="7"/>
-                                            </p:txEl>
-                                          </p:spTgt>
-                                        </p:tgtEl>
-                                        <p:attrNameLst>
-                                          <p:attrName>style.visibility</p:attrName>
-                                        </p:attrNameLst>
-                                      </p:cBhvr>
-                                      <p:to>
-                                        <p:strVal val="visible"/>
-                                      </p:to>
-                                    </p:set>
-                                    <p:animEffect transition="in" filter="wipe(left)">
-                                      <p:cBhvr>
-                                        <p:cTn id="42" dur="500"/>
-                                        <p:tgtEl>
-                                          <p:spTgt spid="3">
-                                            <p:txEl>
-                                              <p:pRg st="7" end="7"/>
-                                            </p:txEl>
-                                          </p:spTgt>
-                                        </p:tgtEl>
-                                      </p:cBhvr>
-                                    </p:animEffect>
-                                  </p:childTnLst>
-                                </p:cTn>
-                              </p:par>
-                            </p:childTnLst>
-                          </p:cTn>
-                        </p:par>
-                      </p:childTnLst>
-                    </p:cTn>
-                  </p:par>
-                  <p:par>
-                    <p:cTn id="43" fill="hold">
-                      <p:stCondLst>
-                        <p:cond delay="indefinite"/>
-                      </p:stCondLst>
-                      <p:childTnLst>
-                        <p:par>
-                          <p:cTn id="44" fill="hold">
-                            <p:stCondLst>
-                              <p:cond delay="0"/>
-                            </p:stCondLst>
-                            <p:childTnLst>
-                              <p:par>
-                                <p:cTn id="45" presetID="22" presetClass="entr" presetSubtype="8" fill="hold" nodeType="clickEffect">
-                                  <p:stCondLst>
-                                    <p:cond delay="0"/>
-                                  </p:stCondLst>
-                                  <p:childTnLst>
-                                    <p:set>
-                                      <p:cBhvr>
-                                        <p:cTn id="46" dur="1" fill="hold">
-                                          <p:stCondLst>
-                                            <p:cond delay="0"/>
-                                          </p:stCondLst>
-                                        </p:cTn>
-                                        <p:tgtEl>
-                                          <p:spTgt spid="3">
-                                            <p:txEl>
-                                              <p:pRg st="8" end="8"/>
-                                            </p:txEl>
-                                          </p:spTgt>
-                                        </p:tgtEl>
-                                        <p:attrNameLst>
-                                          <p:attrName>style.visibility</p:attrName>
-                                        </p:attrNameLst>
-                                      </p:cBhvr>
-                                      <p:to>
-                                        <p:strVal val="visible"/>
-                                      </p:to>
-                                    </p:set>
-                                    <p:animEffect transition="in" filter="wipe(left)">
-                                      <p:cBhvr>
-                                        <p:cTn id="47" dur="500"/>
-                                        <p:tgtEl>
-                                          <p:spTgt spid="3">
-                                            <p:txEl>
-                                              <p:pRg st="8" end="8"/>
                                             </p:txEl>
                                           </p:spTgt>
                                         </p:tgtEl>
@@ -7721,7 +8471,7 @@
 </p:sld>
 </file>
 
-<file path=ppt/slides/slide4.xml><?xml version="1.0" encoding="utf-8"?>
+<file path=ppt/slides/slide6.xml><?xml version="1.0" encoding="utf-8"?>
 <p:sld xmlns:a="http://schemas.openxmlformats.org/drawingml/2006/main" xmlns:r="http://schemas.openxmlformats.org/officeDocument/2006/relationships" xmlns:p="http://schemas.openxmlformats.org/presentationml/2006/main">
   <p:cSld>
     <p:bg>
@@ -7760,285 +8510,8 @@
         </p:nvSpPr>
         <p:spPr>
           <a:xfrm>
-            <a:off x="4394200" y="1041636"/>
-            <a:ext cx="6096000" cy="4879990"/>
-          </a:xfrm>
-          <a:prstGeom prst="rect">
-            <a:avLst/>
-          </a:prstGeom>
-        </p:spPr>
-        <p:txBody>
-          <a:bodyPr>
-            <a:spAutoFit/>
-          </a:bodyPr>
-          <a:lstStyle/>
-          <a:p>
-            <a:pPr marL="342900" lvl="0" indent="-342900">
-              <a:lnSpc>
-                <a:spcPct val="107000"/>
-              </a:lnSpc>
-              <a:spcBef>
-                <a:spcPts val="1200"/>
-              </a:spcBef>
-              <a:spcAft>
-                <a:spcPts val="0"/>
-              </a:spcAft>
-              <a:buFont typeface="Arial" panose="020B0604020202020204" pitchFamily="34" charset="0"/>
-              <a:buChar char="•"/>
-            </a:pPr>
-            <a:r>
-              <a:rPr lang="ru-RU" sz="2400" dirty="0" smtClean="0">
-                <a:latin typeface="Calibri" panose="020F0502020204030204" pitchFamily="34" charset="0"/>
-                <a:ea typeface="Calibri" panose="020F0502020204030204" pitchFamily="34" charset="0"/>
-                <a:cs typeface="Times New Roman" panose="02020603050405020304" pitchFamily="18" charset="0"/>
-              </a:rPr>
-              <a:t>Название экскурсии</a:t>
-            </a:r>
-            <a:endParaRPr lang="ru-RU" sz="2400" dirty="0" smtClean="0">
-              <a:effectLst/>
-              <a:latin typeface="Calibri" panose="020F0502020204030204" pitchFamily="34" charset="0"/>
-              <a:ea typeface="Calibri" panose="020F0502020204030204" pitchFamily="34" charset="0"/>
-              <a:cs typeface="Times New Roman" panose="02020603050405020304" pitchFamily="18" charset="0"/>
-            </a:endParaRPr>
-          </a:p>
-          <a:p>
-            <a:pPr marL="342900" lvl="0" indent="-342900">
-              <a:lnSpc>
-                <a:spcPct val="107000"/>
-              </a:lnSpc>
-              <a:spcBef>
-                <a:spcPts val="1200"/>
-              </a:spcBef>
-              <a:spcAft>
-                <a:spcPts val="0"/>
-              </a:spcAft>
-              <a:buFont typeface="Arial" panose="020B0604020202020204" pitchFamily="34" charset="0"/>
-              <a:buChar char="•"/>
-            </a:pPr>
-            <a:r>
-              <a:rPr lang="ru-RU" sz="2400" dirty="0" smtClean="0">
-                <a:latin typeface="Calibri" panose="020F0502020204030204" pitchFamily="34" charset="0"/>
-                <a:ea typeface="Calibri" panose="020F0502020204030204" pitchFamily="34" charset="0"/>
-                <a:cs typeface="Times New Roman" panose="02020603050405020304" pitchFamily="18" charset="0"/>
-              </a:rPr>
-              <a:t>Место проведения</a:t>
-            </a:r>
-            <a:endParaRPr lang="ru-RU" sz="2400" dirty="0" smtClean="0">
-              <a:effectLst/>
-              <a:latin typeface="Calibri" panose="020F0502020204030204" pitchFamily="34" charset="0"/>
-              <a:ea typeface="Calibri" panose="020F0502020204030204" pitchFamily="34" charset="0"/>
-              <a:cs typeface="Times New Roman" panose="02020603050405020304" pitchFamily="18" charset="0"/>
-            </a:endParaRPr>
-          </a:p>
-          <a:p>
-            <a:pPr marL="342900" lvl="0" indent="-342900">
-              <a:lnSpc>
-                <a:spcPct val="107000"/>
-              </a:lnSpc>
-              <a:spcBef>
-                <a:spcPts val="1200"/>
-              </a:spcBef>
-              <a:spcAft>
-                <a:spcPts val="0"/>
-              </a:spcAft>
-              <a:buFont typeface="Arial" panose="020B0604020202020204" pitchFamily="34" charset="0"/>
-              <a:buChar char="•"/>
-            </a:pPr>
-            <a:r>
-              <a:rPr lang="ru-RU" sz="2400" dirty="0" smtClean="0">
-                <a:latin typeface="Calibri" panose="020F0502020204030204" pitchFamily="34" charset="0"/>
-                <a:ea typeface="Calibri" panose="020F0502020204030204" pitchFamily="34" charset="0"/>
-                <a:cs typeface="Times New Roman" panose="02020603050405020304" pitchFamily="18" charset="0"/>
-              </a:rPr>
-              <a:t>Дата проведения</a:t>
-            </a:r>
-            <a:endParaRPr lang="ru-RU" sz="2400" dirty="0" smtClean="0">
-              <a:effectLst/>
-              <a:latin typeface="Calibri" panose="020F0502020204030204" pitchFamily="34" charset="0"/>
-              <a:ea typeface="Calibri" panose="020F0502020204030204" pitchFamily="34" charset="0"/>
-              <a:cs typeface="Times New Roman" panose="02020603050405020304" pitchFamily="18" charset="0"/>
-            </a:endParaRPr>
-          </a:p>
-          <a:p>
-            <a:pPr marL="342900" lvl="0" indent="-342900">
-              <a:lnSpc>
-                <a:spcPct val="107000"/>
-              </a:lnSpc>
-              <a:spcBef>
-                <a:spcPts val="1200"/>
-              </a:spcBef>
-              <a:spcAft>
-                <a:spcPts val="0"/>
-              </a:spcAft>
-              <a:buFont typeface="Arial" panose="020B0604020202020204" pitchFamily="34" charset="0"/>
-              <a:buChar char="•"/>
-            </a:pPr>
-            <a:r>
-              <a:rPr lang="ru-RU" sz="2400" dirty="0" smtClean="0">
-                <a:latin typeface="Calibri" panose="020F0502020204030204" pitchFamily="34" charset="0"/>
-                <a:ea typeface="Calibri" panose="020F0502020204030204" pitchFamily="34" charset="0"/>
-                <a:cs typeface="Times New Roman" panose="02020603050405020304" pitchFamily="18" charset="0"/>
-              </a:rPr>
-              <a:t>Конкретное описание места встречи</a:t>
-            </a:r>
-            <a:endParaRPr lang="ru-RU" sz="2400" dirty="0" smtClean="0">
-              <a:effectLst/>
-              <a:latin typeface="Calibri" panose="020F0502020204030204" pitchFamily="34" charset="0"/>
-              <a:ea typeface="Calibri" panose="020F0502020204030204" pitchFamily="34" charset="0"/>
-              <a:cs typeface="Times New Roman" panose="02020603050405020304" pitchFamily="18" charset="0"/>
-            </a:endParaRPr>
-          </a:p>
-          <a:p>
-            <a:pPr marL="342900" lvl="0" indent="-342900">
-              <a:lnSpc>
-                <a:spcPct val="107000"/>
-              </a:lnSpc>
-              <a:spcBef>
-                <a:spcPts val="1200"/>
-              </a:spcBef>
-              <a:spcAft>
-                <a:spcPts val="0"/>
-              </a:spcAft>
-              <a:buFont typeface="Arial" panose="020B0604020202020204" pitchFamily="34" charset="0"/>
-              <a:buChar char="•"/>
-            </a:pPr>
-            <a:r>
-              <a:rPr lang="ru-RU" sz="2400" dirty="0" smtClean="0">
-                <a:latin typeface="Calibri" panose="020F0502020204030204" pitchFamily="34" charset="0"/>
-                <a:ea typeface="Calibri" panose="020F0502020204030204" pitchFamily="34" charset="0"/>
-                <a:cs typeface="Times New Roman" panose="02020603050405020304" pitchFamily="18" charset="0"/>
-              </a:rPr>
-              <a:t>ФИО экскурсовода</a:t>
-            </a:r>
-            <a:endParaRPr lang="ru-RU" sz="2400" dirty="0" smtClean="0">
-              <a:effectLst/>
-              <a:latin typeface="Calibri" panose="020F0502020204030204" pitchFamily="34" charset="0"/>
-              <a:ea typeface="Calibri" panose="020F0502020204030204" pitchFamily="34" charset="0"/>
-              <a:cs typeface="Times New Roman" panose="02020603050405020304" pitchFamily="18" charset="0"/>
-            </a:endParaRPr>
-          </a:p>
-          <a:p>
-            <a:pPr marL="342900" lvl="0" indent="-342900">
-              <a:lnSpc>
-                <a:spcPct val="107000"/>
-              </a:lnSpc>
-              <a:spcBef>
-                <a:spcPts val="1200"/>
-              </a:spcBef>
-              <a:spcAft>
-                <a:spcPts val="0"/>
-              </a:spcAft>
-              <a:buFont typeface="Arial" panose="020B0604020202020204" pitchFamily="34" charset="0"/>
-              <a:buChar char="•"/>
-            </a:pPr>
-            <a:r>
-              <a:rPr lang="ru-RU" sz="2400" dirty="0" smtClean="0">
-                <a:latin typeface="Calibri" panose="020F0502020204030204" pitchFamily="34" charset="0"/>
-                <a:ea typeface="Calibri" panose="020F0502020204030204" pitchFamily="34" charset="0"/>
-                <a:cs typeface="Times New Roman" panose="02020603050405020304" pitchFamily="18" charset="0"/>
-              </a:rPr>
-              <a:t>Описание экскурсии </a:t>
-            </a:r>
-          </a:p>
-          <a:p>
-            <a:pPr marL="342900" lvl="0" indent="-342900">
-              <a:lnSpc>
-                <a:spcPct val="107000"/>
-              </a:lnSpc>
-              <a:spcBef>
-                <a:spcPts val="1200"/>
-              </a:spcBef>
-              <a:spcAft>
-                <a:spcPts val="0"/>
-              </a:spcAft>
-              <a:buFont typeface="Arial" panose="020B0604020202020204" pitchFamily="34" charset="0"/>
-              <a:buChar char="•"/>
-            </a:pPr>
-            <a:r>
-              <a:rPr lang="ru-RU" sz="2400" dirty="0" smtClean="0">
-                <a:latin typeface="Calibri" panose="020F0502020204030204" pitchFamily="34" charset="0"/>
-                <a:ea typeface="Calibri" panose="020F0502020204030204" pitchFamily="34" charset="0"/>
-                <a:cs typeface="Times New Roman" panose="02020603050405020304" pitchFamily="18" charset="0"/>
-              </a:rPr>
-              <a:t>Средняя продолжительность экскурсии</a:t>
-            </a:r>
-            <a:endParaRPr lang="ru-RU" sz="2400" dirty="0" smtClean="0">
-              <a:effectLst/>
-              <a:latin typeface="Calibri" panose="020F0502020204030204" pitchFamily="34" charset="0"/>
-              <a:ea typeface="Calibri" panose="020F0502020204030204" pitchFamily="34" charset="0"/>
-              <a:cs typeface="Times New Roman" panose="02020603050405020304" pitchFamily="18" charset="0"/>
-            </a:endParaRPr>
-          </a:p>
-          <a:p>
-            <a:pPr marL="342900" lvl="0" indent="-342900">
-              <a:lnSpc>
-                <a:spcPct val="107000"/>
-              </a:lnSpc>
-              <a:spcBef>
-                <a:spcPts val="1200"/>
-              </a:spcBef>
-              <a:spcAft>
-                <a:spcPts val="0"/>
-              </a:spcAft>
-              <a:buFont typeface="Arial" panose="020B0604020202020204" pitchFamily="34" charset="0"/>
-              <a:buChar char="•"/>
-            </a:pPr>
-            <a:r>
-              <a:rPr lang="ru-RU" sz="2400" dirty="0" smtClean="0">
-                <a:latin typeface="Calibri" panose="020F0502020204030204" pitchFamily="34" charset="0"/>
-                <a:ea typeface="Calibri" panose="020F0502020204030204" pitchFamily="34" charset="0"/>
-                <a:cs typeface="Times New Roman" panose="02020603050405020304" pitchFamily="18" charset="0"/>
-              </a:rPr>
-              <a:t>Стоимость экскурсии</a:t>
-            </a:r>
-            <a:endParaRPr lang="ru-RU" sz="2400" dirty="0" smtClean="0">
-              <a:effectLst/>
-              <a:latin typeface="Calibri" panose="020F0502020204030204" pitchFamily="34" charset="0"/>
-              <a:ea typeface="Calibri" panose="020F0502020204030204" pitchFamily="34" charset="0"/>
-              <a:cs typeface="Times New Roman" panose="02020603050405020304" pitchFamily="18" charset="0"/>
-            </a:endParaRPr>
-          </a:p>
-          <a:p>
-            <a:pPr marL="342900" lvl="0" indent="-342900">
-              <a:lnSpc>
-                <a:spcPct val="107000"/>
-              </a:lnSpc>
-              <a:spcBef>
-                <a:spcPts val="1200"/>
-              </a:spcBef>
-              <a:spcAft>
-                <a:spcPts val="800"/>
-              </a:spcAft>
-              <a:buFont typeface="Arial" panose="020B0604020202020204" pitchFamily="34" charset="0"/>
-              <a:buChar char="•"/>
-            </a:pPr>
-            <a:r>
-              <a:rPr lang="ru-RU" sz="2400" dirty="0" smtClean="0">
-                <a:latin typeface="Calibri" panose="020F0502020204030204" pitchFamily="34" charset="0"/>
-                <a:ea typeface="Calibri" panose="020F0502020204030204" pitchFamily="34" charset="0"/>
-                <a:cs typeface="Times New Roman" panose="02020603050405020304" pitchFamily="18" charset="0"/>
-              </a:rPr>
-              <a:t>Телефон экскурсовода</a:t>
-            </a:r>
-            <a:endParaRPr lang="ru-RU" sz="2400" dirty="0">
-              <a:effectLst/>
-              <a:latin typeface="Calibri" panose="020F0502020204030204" pitchFamily="34" charset="0"/>
-              <a:ea typeface="Calibri" panose="020F0502020204030204" pitchFamily="34" charset="0"/>
-              <a:cs typeface="Times New Roman" panose="02020603050405020304" pitchFamily="18" charset="0"/>
-            </a:endParaRPr>
-          </a:p>
-        </p:txBody>
-      </p:sp>
-      <p:sp>
-        <p:nvSpPr>
-          <p:cNvPr id="3" name="Прямоугольник 2"/>
-          <p:cNvSpPr/>
-          <p:nvPr/>
-        </p:nvSpPr>
-        <p:spPr>
-          <a:xfrm>
-            <a:off x="3899737" y="250152"/>
-            <a:ext cx="8317663" cy="532903"/>
+            <a:off x="1293729" y="199352"/>
+            <a:ext cx="9248943" cy="532903"/>
           </a:xfrm>
           <a:prstGeom prst="rect">
             <a:avLst/>
@@ -8064,10 +8537,17 @@
                 <a:ea typeface="Calibri" panose="020F0502020204030204" pitchFamily="34" charset="0"/>
                 <a:cs typeface="Times New Roman" panose="02020603050405020304" pitchFamily="18" charset="0"/>
               </a:rPr>
-              <a:t>Как будет выводиться информация об экскурсии</a:t>
+              <a:t>Как будет выводиться информация об </a:t>
+            </a:r>
+            <a:r>
+              <a:rPr lang="ru-RU" sz="2800" b="1" dirty="0" err="1" smtClean="0">
+                <a:latin typeface="Calibri" panose="020F0502020204030204" pitchFamily="34" charset="0"/>
+                <a:ea typeface="Calibri" panose="020F0502020204030204" pitchFamily="34" charset="0"/>
+                <a:cs typeface="Times New Roman" panose="02020603050405020304" pitchFamily="18" charset="0"/>
+              </a:rPr>
+              <a:t>аудиоэкскурсии</a:t>
             </a:r>
             <a:endParaRPr lang="ru-RU" sz="2800" dirty="0">
-              <a:effectLst/>
               <a:latin typeface="Calibri" panose="020F0502020204030204" pitchFamily="34" charset="0"/>
               <a:ea typeface="Calibri" panose="020F0502020204030204" pitchFamily="34" charset="0"/>
               <a:cs typeface="Times New Roman" panose="02020603050405020304" pitchFamily="18" charset="0"/>
@@ -8075,10 +8555,40 @@
           </a:p>
         </p:txBody>
       </p:sp>
+      <p:pic>
+        <p:nvPicPr>
+          <p:cNvPr id="3" name="Рисунок 2"/>
+          <p:cNvPicPr>
+            <a:picLocks noChangeAspect="1"/>
+          </p:cNvPicPr>
+          <p:nvPr/>
+        </p:nvPicPr>
+        <p:blipFill>
+          <a:blip r:embed="rId4">
+            <a:extLst>
+              <a:ext uri="{28A0092B-C50C-407E-A947-70E740481C1C}">
+                <a14:useLocalDpi xmlns:a14="http://schemas.microsoft.com/office/drawing/2010/main" val="0"/>
+              </a:ext>
+            </a:extLst>
+          </a:blip>
+          <a:stretch>
+            <a:fillRect/>
+          </a:stretch>
+        </p:blipFill>
+        <p:spPr>
+          <a:xfrm>
+            <a:off x="4521144" y="732255"/>
+            <a:ext cx="2794111" cy="5990303"/>
+          </a:xfrm>
+          <a:prstGeom prst="rect">
+            <a:avLst/>
+          </a:prstGeom>
+        </p:spPr>
+      </p:pic>
     </p:spTree>
     <p:extLst>
       <p:ext uri="{BB962C8B-B14F-4D97-AF65-F5344CB8AC3E}">
-        <p14:creationId xmlns:p14="http://schemas.microsoft.com/office/powerpoint/2010/main" val="1129594189"/>
+        <p14:creationId xmlns:p14="http://schemas.microsoft.com/office/powerpoint/2010/main" val="3044918715"/>
       </p:ext>
     </p:extLst>
   </p:cSld>
@@ -8106,7 +8616,7 @@
                             </p:stCondLst>
                             <p:childTnLst>
                               <p:par>
-                                <p:cTn id="5" presetID="22" presetClass="entr" presetSubtype="8" fill="hold" nodeType="clickEffect">
+                                <p:cTn id="5" presetID="14" presetClass="entr" presetSubtype="10" fill="hold" nodeType="clickEffect">
                                   <p:stCondLst>
                                     <p:cond delay="0"/>
                                   </p:stCondLst>
@@ -8119,7 +8629,298 @@
                                           </p:stCondLst>
                                         </p:cTn>
                                         <p:tgtEl>
-                                          <p:spTgt spid="2">
+                                          <p:spTgt spid="3"/>
+                                        </p:tgtEl>
+                                        <p:attrNameLst>
+                                          <p:attrName>style.visibility</p:attrName>
+                                        </p:attrNameLst>
+                                      </p:cBhvr>
+                                      <p:to>
+                                        <p:strVal val="visible"/>
+                                      </p:to>
+                                    </p:set>
+                                    <p:animEffect transition="in" filter="randombar(horizontal)">
+                                      <p:cBhvr>
+                                        <p:cTn id="7" dur="500"/>
+                                        <p:tgtEl>
+                                          <p:spTgt spid="3"/>
+                                        </p:tgtEl>
+                                      </p:cBhvr>
+                                    </p:animEffect>
+                                  </p:childTnLst>
+                                </p:cTn>
+                              </p:par>
+                            </p:childTnLst>
+                          </p:cTn>
+                        </p:par>
+                      </p:childTnLst>
+                    </p:cTn>
+                  </p:par>
+                </p:childTnLst>
+              </p:cTn>
+              <p:prevCondLst>
+                <p:cond evt="onPrev" delay="0">
+                  <p:tgtEl>
+                    <p:sldTgt/>
+                  </p:tgtEl>
+                </p:cond>
+              </p:prevCondLst>
+              <p:nextCondLst>
+                <p:cond evt="onNext" delay="0">
+                  <p:tgtEl>
+                    <p:sldTgt/>
+                  </p:tgtEl>
+                </p:cond>
+              </p:nextCondLst>
+            </p:seq>
+          </p:childTnLst>
+        </p:cTn>
+      </p:par>
+    </p:tnLst>
+  </p:timing>
+</p:sld>
+</file>
+
+<file path=ppt/slides/slide7.xml><?xml version="1.0" encoding="utf-8"?>
+<p:sld xmlns:a="http://schemas.openxmlformats.org/drawingml/2006/main" xmlns:r="http://schemas.openxmlformats.org/officeDocument/2006/relationships" xmlns:p="http://schemas.openxmlformats.org/presentationml/2006/main">
+  <p:cSld>
+    <p:bg>
+      <p:bgPr>
+        <a:blipFill dpi="0" rotWithShape="1">
+          <a:blip r:embed="rId3">
+            <a:lum/>
+          </a:blip>
+          <a:srcRect/>
+          <a:stretch>
+            <a:fillRect/>
+          </a:stretch>
+        </a:blipFill>
+        <a:effectLst/>
+      </p:bgPr>
+    </p:bg>
+    <p:spTree>
+      <p:nvGrpSpPr>
+        <p:cNvPr id="1" name=""/>
+        <p:cNvGrpSpPr/>
+        <p:nvPr/>
+      </p:nvGrpSpPr>
+      <p:grpSpPr>
+        <a:xfrm>
+          <a:off x="0" y="0"/>
+          <a:ext cx="0" cy="0"/>
+          <a:chOff x="0" y="0"/>
+          <a:chExt cx="0" cy="0"/>
+        </a:xfrm>
+      </p:grpSpPr>
+      <p:sp>
+        <p:nvSpPr>
+          <p:cNvPr id="2" name="Прямоугольник 1"/>
+          <p:cNvSpPr/>
+          <p:nvPr/>
+        </p:nvSpPr>
+        <p:spPr>
+          <a:xfrm>
+            <a:off x="3891050" y="190500"/>
+            <a:ext cx="4486100" cy="532903"/>
+          </a:xfrm>
+          <a:prstGeom prst="rect">
+            <a:avLst/>
+          </a:prstGeom>
+        </p:spPr>
+        <p:txBody>
+          <a:bodyPr wrap="none">
+            <a:spAutoFit/>
+          </a:bodyPr>
+          <a:lstStyle/>
+          <a:p>
+            <a:pPr algn="just">
+              <a:lnSpc>
+                <a:spcPct val="107000"/>
+              </a:lnSpc>
+              <a:spcAft>
+                <a:spcPts val="800"/>
+              </a:spcAft>
+            </a:pPr>
+            <a:r>
+              <a:rPr lang="ru-RU" sz="2800" b="1" dirty="0">
+                <a:latin typeface="Calibri" panose="020F0502020204030204" pitchFamily="34" charset="0"/>
+                <a:ea typeface="Calibri" panose="020F0502020204030204" pitchFamily="34" charset="0"/>
+                <a:cs typeface="Times New Roman" panose="02020603050405020304" pitchFamily="18" charset="0"/>
+              </a:rPr>
+              <a:t>Доступные </a:t>
+            </a:r>
+            <a:r>
+              <a:rPr lang="ru-RU" sz="2800" b="1" dirty="0" err="1" smtClean="0">
+                <a:latin typeface="Calibri" panose="020F0502020204030204" pitchFamily="34" charset="0"/>
+                <a:ea typeface="Calibri" panose="020F0502020204030204" pitchFamily="34" charset="0"/>
+                <a:cs typeface="Times New Roman" panose="02020603050405020304" pitchFamily="18" charset="0"/>
+              </a:rPr>
+              <a:t>аудиоэкскурсии</a:t>
+            </a:r>
+            <a:endParaRPr lang="ru-RU" sz="2800" dirty="0">
+              <a:effectLst/>
+              <a:latin typeface="Calibri" panose="020F0502020204030204" pitchFamily="34" charset="0"/>
+              <a:ea typeface="Calibri" panose="020F0502020204030204" pitchFamily="34" charset="0"/>
+              <a:cs typeface="Times New Roman" panose="02020603050405020304" pitchFamily="18" charset="0"/>
+            </a:endParaRPr>
+          </a:p>
+        </p:txBody>
+      </p:sp>
+      <p:sp>
+        <p:nvSpPr>
+          <p:cNvPr id="3" name="Прямоугольник 2"/>
+          <p:cNvSpPr/>
+          <p:nvPr/>
+        </p:nvSpPr>
+        <p:spPr>
+          <a:xfrm>
+            <a:off x="3891050" y="1274455"/>
+            <a:ext cx="6096000" cy="1980799"/>
+          </a:xfrm>
+          <a:prstGeom prst="rect">
+            <a:avLst/>
+          </a:prstGeom>
+        </p:spPr>
+        <p:txBody>
+          <a:bodyPr>
+            <a:spAutoFit/>
+          </a:bodyPr>
+          <a:lstStyle/>
+          <a:p>
+            <a:pPr marL="342900" indent="-342900" algn="just">
+              <a:lnSpc>
+                <a:spcPct val="107000"/>
+              </a:lnSpc>
+              <a:spcAft>
+                <a:spcPts val="800"/>
+              </a:spcAft>
+              <a:buFont typeface="Arial" panose="020B0604020202020204" pitchFamily="34" charset="0"/>
+              <a:buChar char="•"/>
+            </a:pPr>
+            <a:r>
+              <a:rPr lang="ru-RU" sz="2400" dirty="0" smtClean="0">
+                <a:latin typeface="Calibri" panose="020F0502020204030204" pitchFamily="34" charset="0"/>
+                <a:ea typeface="Calibri" panose="020F0502020204030204" pitchFamily="34" charset="0"/>
+                <a:cs typeface="Times New Roman" panose="02020603050405020304" pitchFamily="18" charset="0"/>
+              </a:rPr>
+              <a:t>Ярославль</a:t>
+            </a:r>
+          </a:p>
+          <a:p>
+            <a:pPr marL="342900" indent="-342900" algn="just">
+              <a:lnSpc>
+                <a:spcPct val="107000"/>
+              </a:lnSpc>
+              <a:spcAft>
+                <a:spcPts val="800"/>
+              </a:spcAft>
+              <a:buFont typeface="Arial" panose="020B0604020202020204" pitchFamily="34" charset="0"/>
+              <a:buChar char="•"/>
+            </a:pPr>
+            <a:r>
+              <a:rPr lang="ru-RU" sz="2400" dirty="0" smtClean="0">
+                <a:effectLst/>
+                <a:latin typeface="Calibri" panose="020F0502020204030204" pitchFamily="34" charset="0"/>
+                <a:ea typeface="Calibri" panose="020F0502020204030204" pitchFamily="34" charset="0"/>
+                <a:cs typeface="Times New Roman" panose="02020603050405020304" pitchFamily="18" charset="0"/>
+              </a:rPr>
+              <a:t>Переславль-Залесский</a:t>
+            </a:r>
+          </a:p>
+          <a:p>
+            <a:pPr marL="342900" indent="-342900" algn="just">
+              <a:lnSpc>
+                <a:spcPct val="107000"/>
+              </a:lnSpc>
+              <a:spcAft>
+                <a:spcPts val="800"/>
+              </a:spcAft>
+              <a:buFont typeface="Arial" panose="020B0604020202020204" pitchFamily="34" charset="0"/>
+              <a:buChar char="•"/>
+            </a:pPr>
+            <a:r>
+              <a:rPr lang="ru-RU" sz="2400" dirty="0" smtClean="0">
+                <a:latin typeface="Calibri" panose="020F0502020204030204" pitchFamily="34" charset="0"/>
+                <a:ea typeface="Calibri" panose="020F0502020204030204" pitchFamily="34" charset="0"/>
+                <a:cs typeface="Times New Roman" panose="02020603050405020304" pitchFamily="18" charset="0"/>
+              </a:rPr>
+              <a:t>Сергиев-Посад</a:t>
+            </a:r>
+          </a:p>
+          <a:p>
+            <a:pPr marL="342900" indent="-342900" algn="just">
+              <a:lnSpc>
+                <a:spcPct val="107000"/>
+              </a:lnSpc>
+              <a:spcAft>
+                <a:spcPts val="800"/>
+              </a:spcAft>
+              <a:buFont typeface="Arial" panose="020B0604020202020204" pitchFamily="34" charset="0"/>
+              <a:buChar char="•"/>
+            </a:pPr>
+            <a:r>
+              <a:rPr lang="ru-RU" sz="2400" dirty="0" smtClean="0">
+                <a:effectLst/>
+                <a:latin typeface="Calibri" panose="020F0502020204030204" pitchFamily="34" charset="0"/>
+                <a:ea typeface="Calibri" panose="020F0502020204030204" pitchFamily="34" charset="0"/>
+                <a:cs typeface="Times New Roman" panose="02020603050405020304" pitchFamily="18" charset="0"/>
+              </a:rPr>
+              <a:t>Ростов Великий</a:t>
+            </a:r>
+            <a:endParaRPr lang="ru-RU" sz="2400" dirty="0">
+              <a:effectLst/>
+              <a:latin typeface="Calibri" panose="020F0502020204030204" pitchFamily="34" charset="0"/>
+              <a:ea typeface="Calibri" panose="020F0502020204030204" pitchFamily="34" charset="0"/>
+              <a:cs typeface="Times New Roman" panose="02020603050405020304" pitchFamily="18" charset="0"/>
+            </a:endParaRPr>
+          </a:p>
+        </p:txBody>
+      </p:sp>
+    </p:spTree>
+    <p:extLst>
+      <p:ext uri="{BB962C8B-B14F-4D97-AF65-F5344CB8AC3E}">
+        <p14:creationId xmlns:p14="http://schemas.microsoft.com/office/powerpoint/2010/main" val="3033856043"/>
+      </p:ext>
+    </p:extLst>
+  </p:cSld>
+  <p:clrMapOvr>
+    <a:masterClrMapping/>
+  </p:clrMapOvr>
+  <p:timing>
+    <p:tnLst>
+      <p:par>
+        <p:cTn id="1" dur="indefinite" restart="never" nodeType="tmRoot">
+          <p:childTnLst>
+            <p:seq concurrent="1" nextAc="seek">
+              <p:cTn id="2" dur="indefinite" nodeType="mainSeq">
+                <p:childTnLst>
+                  <p:par>
+                    <p:cTn id="3" fill="hold">
+                      <p:stCondLst>
+                        <p:cond delay="indefinite"/>
+                      </p:stCondLst>
+                      <p:childTnLst>
+                        <p:par>
+                          <p:cTn id="4" fill="hold">
+                            <p:stCondLst>
+                              <p:cond delay="0"/>
+                            </p:stCondLst>
+                            <p:childTnLst>
+                              <p:par>
+                                <p:cTn id="5" presetID="22" presetClass="entr" presetSubtype="4" fill="hold" nodeType="clickEffect">
+                                  <p:stCondLst>
+                                    <p:cond delay="0"/>
+                                  </p:stCondLst>
+                                  <p:childTnLst>
+                                    <p:set>
+                                      <p:cBhvr>
+                                        <p:cTn id="6" dur="1" fill="hold">
+                                          <p:stCondLst>
+                                            <p:cond delay="0"/>
+                                          </p:stCondLst>
+                                        </p:cTn>
+                                        <p:tgtEl>
+                                          <p:spTgt spid="3">
                                             <p:txEl>
                                               <p:pRg st="0" end="0"/>
                                             </p:txEl>
@@ -8133,11 +8934,11 @@
                                         <p:strVal val="visible"/>
                                       </p:to>
                                     </p:set>
-                                    <p:animEffect transition="in" filter="wipe(left)">
+                                    <p:animEffect transition="in" filter="wipe(down)">
                                       <p:cBhvr>
-                                        <p:cTn id="7" dur="500"/>
+                                        <p:cTn id="7" dur="2000"/>
                                         <p:tgtEl>
-                                          <p:spTgt spid="2">
+                                          <p:spTgt spid="3">
                                             <p:txEl>
                                               <p:pRg st="0" end="0"/>
                                             </p:txEl>
@@ -8148,39 +8949,21 @@
                                   </p:childTnLst>
                                 </p:cTn>
                               </p:par>
-                            </p:childTnLst>
-                          </p:cTn>
-                        </p:par>
-                      </p:childTnLst>
-                    </p:cTn>
-                  </p:par>
-                  <p:par>
-                    <p:cTn id="8" fill="hold">
-                      <p:stCondLst>
-                        <p:cond delay="indefinite"/>
-                      </p:stCondLst>
-                      <p:childTnLst>
-                        <p:par>
-                          <p:cTn id="9" fill="hold">
-                            <p:stCondLst>
-                              <p:cond delay="0"/>
-                            </p:stCondLst>
-                            <p:childTnLst>
                               <p:par>
-                                <p:cTn id="10" presetID="22" presetClass="entr" presetSubtype="8" fill="hold" nodeType="clickEffect">
+                                <p:cTn id="8" presetID="22" presetClass="entr" presetSubtype="4" fill="hold" nodeType="withEffect">
                                   <p:stCondLst>
                                     <p:cond delay="0"/>
                                   </p:stCondLst>
                                   <p:childTnLst>
                                     <p:set>
                                       <p:cBhvr>
-                                        <p:cTn id="11" dur="1" fill="hold">
+                                        <p:cTn id="9" dur="1" fill="hold">
                                           <p:stCondLst>
                                             <p:cond delay="0"/>
                                           </p:stCondLst>
                                         </p:cTn>
                                         <p:tgtEl>
-                                          <p:spTgt spid="2">
+                                          <p:spTgt spid="3">
                                             <p:txEl>
                                               <p:pRg st="1" end="1"/>
                                             </p:txEl>
@@ -8194,11 +8977,11 @@
                                         <p:strVal val="visible"/>
                                       </p:to>
                                     </p:set>
-                                    <p:animEffect transition="in" filter="wipe(left)">
+                                    <p:animEffect transition="in" filter="wipe(down)">
                                       <p:cBhvr>
-                                        <p:cTn id="12" dur="500"/>
+                                        <p:cTn id="10" dur="2000"/>
                                         <p:tgtEl>
-                                          <p:spTgt spid="2">
+                                          <p:spTgt spid="3">
                                             <p:txEl>
                                               <p:pRg st="1" end="1"/>
                                             </p:txEl>
@@ -8209,39 +8992,21 @@
                                   </p:childTnLst>
                                 </p:cTn>
                               </p:par>
-                            </p:childTnLst>
-                          </p:cTn>
-                        </p:par>
-                      </p:childTnLst>
-                    </p:cTn>
-                  </p:par>
-                  <p:par>
-                    <p:cTn id="13" fill="hold">
-                      <p:stCondLst>
-                        <p:cond delay="indefinite"/>
-                      </p:stCondLst>
-                      <p:childTnLst>
-                        <p:par>
-                          <p:cTn id="14" fill="hold">
-                            <p:stCondLst>
-                              <p:cond delay="0"/>
-                            </p:stCondLst>
-                            <p:childTnLst>
                               <p:par>
-                                <p:cTn id="15" presetID="22" presetClass="entr" presetSubtype="8" fill="hold" nodeType="clickEffect">
+                                <p:cTn id="11" presetID="22" presetClass="entr" presetSubtype="4" fill="hold" nodeType="withEffect">
                                   <p:stCondLst>
                                     <p:cond delay="0"/>
                                   </p:stCondLst>
                                   <p:childTnLst>
                                     <p:set>
                                       <p:cBhvr>
-                                        <p:cTn id="16" dur="1" fill="hold">
+                                        <p:cTn id="12" dur="1" fill="hold">
                                           <p:stCondLst>
                                             <p:cond delay="0"/>
                                           </p:stCondLst>
                                         </p:cTn>
                                         <p:tgtEl>
-                                          <p:spTgt spid="2">
+                                          <p:spTgt spid="3">
                                             <p:txEl>
                                               <p:pRg st="2" end="2"/>
                                             </p:txEl>
@@ -8255,11 +9020,11 @@
                                         <p:strVal val="visible"/>
                                       </p:to>
                                     </p:set>
-                                    <p:animEffect transition="in" filter="wipe(left)">
+                                    <p:animEffect transition="in" filter="wipe(down)">
                                       <p:cBhvr>
-                                        <p:cTn id="17" dur="500"/>
+                                        <p:cTn id="13" dur="2000"/>
                                         <p:tgtEl>
-                                          <p:spTgt spid="2">
+                                          <p:spTgt spid="3">
                                             <p:txEl>
                                               <p:pRg st="2" end="2"/>
                                             </p:txEl>
@@ -8270,39 +9035,21 @@
                                   </p:childTnLst>
                                 </p:cTn>
                               </p:par>
-                            </p:childTnLst>
-                          </p:cTn>
-                        </p:par>
-                      </p:childTnLst>
-                    </p:cTn>
-                  </p:par>
-                  <p:par>
-                    <p:cTn id="18" fill="hold">
-                      <p:stCondLst>
-                        <p:cond delay="indefinite"/>
-                      </p:stCondLst>
-                      <p:childTnLst>
-                        <p:par>
-                          <p:cTn id="19" fill="hold">
-                            <p:stCondLst>
-                              <p:cond delay="0"/>
-                            </p:stCondLst>
-                            <p:childTnLst>
                               <p:par>
-                                <p:cTn id="20" presetID="22" presetClass="entr" presetSubtype="8" fill="hold" nodeType="clickEffect">
+                                <p:cTn id="14" presetID="22" presetClass="entr" presetSubtype="4" fill="hold" nodeType="withEffect">
                                   <p:stCondLst>
                                     <p:cond delay="0"/>
                                   </p:stCondLst>
                                   <p:childTnLst>
                                     <p:set>
                                       <p:cBhvr>
-                                        <p:cTn id="21" dur="1" fill="hold">
+                                        <p:cTn id="15" dur="1" fill="hold">
                                           <p:stCondLst>
                                             <p:cond delay="0"/>
                                           </p:stCondLst>
                                         </p:cTn>
                                         <p:tgtEl>
-                                          <p:spTgt spid="2">
+                                          <p:spTgt spid="3">
                                             <p:txEl>
                                               <p:pRg st="3" end="3"/>
                                             </p:txEl>
@@ -8316,318 +9063,13 @@
                                         <p:strVal val="visible"/>
                                       </p:to>
                                     </p:set>
-                                    <p:animEffect transition="in" filter="wipe(left)">
+                                    <p:animEffect transition="in" filter="wipe(down)">
                                       <p:cBhvr>
-                                        <p:cTn id="22" dur="500"/>
+                                        <p:cTn id="16" dur="2000"/>
                                         <p:tgtEl>
-                                          <p:spTgt spid="2">
+                                          <p:spTgt spid="3">
                                             <p:txEl>
                                               <p:pRg st="3" end="3"/>
-                                            </p:txEl>
-                                          </p:spTgt>
-                                        </p:tgtEl>
-                                      </p:cBhvr>
-                                    </p:animEffect>
-                                  </p:childTnLst>
-                                </p:cTn>
-                              </p:par>
-                            </p:childTnLst>
-                          </p:cTn>
-                        </p:par>
-                      </p:childTnLst>
-                    </p:cTn>
-                  </p:par>
-                  <p:par>
-                    <p:cTn id="23" fill="hold">
-                      <p:stCondLst>
-                        <p:cond delay="indefinite"/>
-                      </p:stCondLst>
-                      <p:childTnLst>
-                        <p:par>
-                          <p:cTn id="24" fill="hold">
-                            <p:stCondLst>
-                              <p:cond delay="0"/>
-                            </p:stCondLst>
-                            <p:childTnLst>
-                              <p:par>
-                                <p:cTn id="25" presetID="22" presetClass="entr" presetSubtype="8" fill="hold" nodeType="clickEffect">
-                                  <p:stCondLst>
-                                    <p:cond delay="0"/>
-                                  </p:stCondLst>
-                                  <p:childTnLst>
-                                    <p:set>
-                                      <p:cBhvr>
-                                        <p:cTn id="26" dur="1" fill="hold">
-                                          <p:stCondLst>
-                                            <p:cond delay="0"/>
-                                          </p:stCondLst>
-                                        </p:cTn>
-                                        <p:tgtEl>
-                                          <p:spTgt spid="2">
-                                            <p:txEl>
-                                              <p:pRg st="4" end="4"/>
-                                            </p:txEl>
-                                          </p:spTgt>
-                                        </p:tgtEl>
-                                        <p:attrNameLst>
-                                          <p:attrName>style.visibility</p:attrName>
-                                        </p:attrNameLst>
-                                      </p:cBhvr>
-                                      <p:to>
-                                        <p:strVal val="visible"/>
-                                      </p:to>
-                                    </p:set>
-                                    <p:animEffect transition="in" filter="wipe(left)">
-                                      <p:cBhvr>
-                                        <p:cTn id="27" dur="500"/>
-                                        <p:tgtEl>
-                                          <p:spTgt spid="2">
-                                            <p:txEl>
-                                              <p:pRg st="4" end="4"/>
-                                            </p:txEl>
-                                          </p:spTgt>
-                                        </p:tgtEl>
-                                      </p:cBhvr>
-                                    </p:animEffect>
-                                  </p:childTnLst>
-                                </p:cTn>
-                              </p:par>
-                            </p:childTnLst>
-                          </p:cTn>
-                        </p:par>
-                      </p:childTnLst>
-                    </p:cTn>
-                  </p:par>
-                  <p:par>
-                    <p:cTn id="28" fill="hold">
-                      <p:stCondLst>
-                        <p:cond delay="indefinite"/>
-                      </p:stCondLst>
-                      <p:childTnLst>
-                        <p:par>
-                          <p:cTn id="29" fill="hold">
-                            <p:stCondLst>
-                              <p:cond delay="0"/>
-                            </p:stCondLst>
-                            <p:childTnLst>
-                              <p:par>
-                                <p:cTn id="30" presetID="22" presetClass="entr" presetSubtype="8" fill="hold" nodeType="clickEffect">
-                                  <p:stCondLst>
-                                    <p:cond delay="0"/>
-                                  </p:stCondLst>
-                                  <p:childTnLst>
-                                    <p:set>
-                                      <p:cBhvr>
-                                        <p:cTn id="31" dur="1" fill="hold">
-                                          <p:stCondLst>
-                                            <p:cond delay="0"/>
-                                          </p:stCondLst>
-                                        </p:cTn>
-                                        <p:tgtEl>
-                                          <p:spTgt spid="2">
-                                            <p:txEl>
-                                              <p:pRg st="5" end="5"/>
-                                            </p:txEl>
-                                          </p:spTgt>
-                                        </p:tgtEl>
-                                        <p:attrNameLst>
-                                          <p:attrName>style.visibility</p:attrName>
-                                        </p:attrNameLst>
-                                      </p:cBhvr>
-                                      <p:to>
-                                        <p:strVal val="visible"/>
-                                      </p:to>
-                                    </p:set>
-                                    <p:animEffect transition="in" filter="wipe(left)">
-                                      <p:cBhvr>
-                                        <p:cTn id="32" dur="500"/>
-                                        <p:tgtEl>
-                                          <p:spTgt spid="2">
-                                            <p:txEl>
-                                              <p:pRg st="5" end="5"/>
-                                            </p:txEl>
-                                          </p:spTgt>
-                                        </p:tgtEl>
-                                      </p:cBhvr>
-                                    </p:animEffect>
-                                  </p:childTnLst>
-                                </p:cTn>
-                              </p:par>
-                            </p:childTnLst>
-                          </p:cTn>
-                        </p:par>
-                      </p:childTnLst>
-                    </p:cTn>
-                  </p:par>
-                  <p:par>
-                    <p:cTn id="33" fill="hold">
-                      <p:stCondLst>
-                        <p:cond delay="indefinite"/>
-                      </p:stCondLst>
-                      <p:childTnLst>
-                        <p:par>
-                          <p:cTn id="34" fill="hold">
-                            <p:stCondLst>
-                              <p:cond delay="0"/>
-                            </p:stCondLst>
-                            <p:childTnLst>
-                              <p:par>
-                                <p:cTn id="35" presetID="22" presetClass="entr" presetSubtype="8" fill="hold" nodeType="clickEffect">
-                                  <p:stCondLst>
-                                    <p:cond delay="0"/>
-                                  </p:stCondLst>
-                                  <p:childTnLst>
-                                    <p:set>
-                                      <p:cBhvr>
-                                        <p:cTn id="36" dur="1" fill="hold">
-                                          <p:stCondLst>
-                                            <p:cond delay="0"/>
-                                          </p:stCondLst>
-                                        </p:cTn>
-                                        <p:tgtEl>
-                                          <p:spTgt spid="2">
-                                            <p:txEl>
-                                              <p:pRg st="6" end="6"/>
-                                            </p:txEl>
-                                          </p:spTgt>
-                                        </p:tgtEl>
-                                        <p:attrNameLst>
-                                          <p:attrName>style.visibility</p:attrName>
-                                        </p:attrNameLst>
-                                      </p:cBhvr>
-                                      <p:to>
-                                        <p:strVal val="visible"/>
-                                      </p:to>
-                                    </p:set>
-                                    <p:animEffect transition="in" filter="wipe(left)">
-                                      <p:cBhvr>
-                                        <p:cTn id="37" dur="500"/>
-                                        <p:tgtEl>
-                                          <p:spTgt spid="2">
-                                            <p:txEl>
-                                              <p:pRg st="6" end="6"/>
-                                            </p:txEl>
-                                          </p:spTgt>
-                                        </p:tgtEl>
-                                      </p:cBhvr>
-                                    </p:animEffect>
-                                  </p:childTnLst>
-                                </p:cTn>
-                              </p:par>
-                            </p:childTnLst>
-                          </p:cTn>
-                        </p:par>
-                      </p:childTnLst>
-                    </p:cTn>
-                  </p:par>
-                  <p:par>
-                    <p:cTn id="38" fill="hold">
-                      <p:stCondLst>
-                        <p:cond delay="indefinite"/>
-                      </p:stCondLst>
-                      <p:childTnLst>
-                        <p:par>
-                          <p:cTn id="39" fill="hold">
-                            <p:stCondLst>
-                              <p:cond delay="0"/>
-                            </p:stCondLst>
-                            <p:childTnLst>
-                              <p:par>
-                                <p:cTn id="40" presetID="22" presetClass="entr" presetSubtype="8" fill="hold" nodeType="clickEffect">
-                                  <p:stCondLst>
-                                    <p:cond delay="0"/>
-                                  </p:stCondLst>
-                                  <p:childTnLst>
-                                    <p:set>
-                                      <p:cBhvr>
-                                        <p:cTn id="41" dur="1" fill="hold">
-                                          <p:stCondLst>
-                                            <p:cond delay="0"/>
-                                          </p:stCondLst>
-                                        </p:cTn>
-                                        <p:tgtEl>
-                                          <p:spTgt spid="2">
-                                            <p:txEl>
-                                              <p:pRg st="7" end="7"/>
-                                            </p:txEl>
-                                          </p:spTgt>
-                                        </p:tgtEl>
-                                        <p:attrNameLst>
-                                          <p:attrName>style.visibility</p:attrName>
-                                        </p:attrNameLst>
-                                      </p:cBhvr>
-                                      <p:to>
-                                        <p:strVal val="visible"/>
-                                      </p:to>
-                                    </p:set>
-                                    <p:animEffect transition="in" filter="wipe(left)">
-                                      <p:cBhvr>
-                                        <p:cTn id="42" dur="500"/>
-                                        <p:tgtEl>
-                                          <p:spTgt spid="2">
-                                            <p:txEl>
-                                              <p:pRg st="7" end="7"/>
-                                            </p:txEl>
-                                          </p:spTgt>
-                                        </p:tgtEl>
-                                      </p:cBhvr>
-                                    </p:animEffect>
-                                  </p:childTnLst>
-                                </p:cTn>
-                              </p:par>
-                            </p:childTnLst>
-                          </p:cTn>
-                        </p:par>
-                      </p:childTnLst>
-                    </p:cTn>
-                  </p:par>
-                  <p:par>
-                    <p:cTn id="43" fill="hold">
-                      <p:stCondLst>
-                        <p:cond delay="indefinite"/>
-                      </p:stCondLst>
-                      <p:childTnLst>
-                        <p:par>
-                          <p:cTn id="44" fill="hold">
-                            <p:stCondLst>
-                              <p:cond delay="0"/>
-                            </p:stCondLst>
-                            <p:childTnLst>
-                              <p:par>
-                                <p:cTn id="45" presetID="22" presetClass="entr" presetSubtype="8" fill="hold" nodeType="clickEffect">
-                                  <p:stCondLst>
-                                    <p:cond delay="0"/>
-                                  </p:stCondLst>
-                                  <p:childTnLst>
-                                    <p:set>
-                                      <p:cBhvr>
-                                        <p:cTn id="46" dur="1" fill="hold">
-                                          <p:stCondLst>
-                                            <p:cond delay="0"/>
-                                          </p:stCondLst>
-                                        </p:cTn>
-                                        <p:tgtEl>
-                                          <p:spTgt spid="2">
-                                            <p:txEl>
-                                              <p:pRg st="8" end="8"/>
-                                            </p:txEl>
-                                          </p:spTgt>
-                                        </p:tgtEl>
-                                        <p:attrNameLst>
-                                          <p:attrName>style.visibility</p:attrName>
-                                        </p:attrNameLst>
-                                      </p:cBhvr>
-                                      <p:to>
-                                        <p:strVal val="visible"/>
-                                      </p:to>
-                                    </p:set>
-                                    <p:animEffect transition="in" filter="wipe(left)">
-                                      <p:cBhvr>
-                                        <p:cTn id="47" dur="500"/>
-                                        <p:tgtEl>
-                                          <p:spTgt spid="2">
-                                            <p:txEl>
-                                              <p:pRg st="8" end="8"/>
                                             </p:txEl>
                                           </p:spTgt>
                                         </p:tgtEl>
@@ -8667,7 +9109,7 @@
 </p:sld>
 </file>
 
-<file path=ppt/slides/slide5.xml><?xml version="1.0" encoding="utf-8"?>
+<file path=ppt/slides/slide8.xml><?xml version="1.0" encoding="utf-8"?>
 <p:sld xmlns:a="http://schemas.openxmlformats.org/drawingml/2006/main" xmlns:r="http://schemas.openxmlformats.org/officeDocument/2006/relationships" xmlns:p="http://schemas.openxmlformats.org/presentationml/2006/main">
   <p:cSld>
     <p:bg>
@@ -9410,7 +9852,7 @@
 </p:sld>
 </file>
 
-<file path=ppt/slides/slide6.xml><?xml version="1.0" encoding="utf-8"?>
+<file path=ppt/slides/slide9.xml><?xml version="1.0" encoding="utf-8"?>
 <p:sld xmlns:a="http://schemas.openxmlformats.org/drawingml/2006/main" xmlns:r="http://schemas.openxmlformats.org/officeDocument/2006/relationships" xmlns:p="http://schemas.openxmlformats.org/presentationml/2006/main">
   <p:cSld>
     <p:bg>
@@ -9449,8 +9891,8 @@
         </p:nvSpPr>
         <p:spPr>
           <a:xfrm>
-            <a:off x="528572" y="0"/>
-            <a:ext cx="3565656" cy="532903"/>
+            <a:off x="4151169" y="139700"/>
+            <a:ext cx="3483262" cy="532903"/>
           </a:xfrm>
           <a:prstGeom prst="rect">
             <a:avLst/>
@@ -9462,7 +9904,7 @@
           </a:bodyPr>
           <a:lstStyle/>
           <a:p>
-            <a:pPr marL="457200" algn="ctr">
+            <a:pPr marL="228600" algn="ctr">
               <a:lnSpc>
                 <a:spcPct val="107000"/>
               </a:lnSpc>
@@ -9476,7 +9918,7 @@
                 <a:ea typeface="Calibri" panose="020F0502020204030204" pitchFamily="34" charset="0"/>
                 <a:cs typeface="Times New Roman" panose="02020603050405020304" pitchFamily="18" charset="0"/>
               </a:rPr>
-              <a:t>Поля базы данных</a:t>
+              <a:t>Улучшение проекта</a:t>
             </a:r>
             <a:endParaRPr lang="ru-RU" sz="2800" dirty="0">
               <a:effectLst/>
@@ -9495,36 +9937,106 @@
         </p:nvSpPr>
         <p:spPr>
           <a:xfrm>
-            <a:off x="927100" y="795849"/>
-            <a:ext cx="6096000" cy="5607241"/>
+            <a:off x="1308100" y="1079602"/>
+            <a:ext cx="9093200" cy="2683748"/>
           </a:xfrm>
           <a:prstGeom prst="rect">
             <a:avLst/>
           </a:prstGeom>
         </p:spPr>
         <p:txBody>
-          <a:bodyPr>
+          <a:bodyPr wrap="square">
             <a:spAutoFit/>
           </a:bodyPr>
           <a:lstStyle/>
           <a:p>
-            <a:pPr marL="342900" lvl="0" indent="-342900">
+            <a:pPr marL="571500" indent="-342900" algn="just">
               <a:lnSpc>
                 <a:spcPct val="107000"/>
               </a:lnSpc>
-              <a:spcAft>
-                <a:spcPts val="0"/>
-              </a:spcAft>
+              <a:spcBef>
+                <a:spcPts val="1200"/>
+              </a:spcBef>
               <a:buFont typeface="Arial" panose="020B0604020202020204" pitchFamily="34" charset="0"/>
               <a:buChar char="•"/>
             </a:pPr>
             <a:r>
-              <a:rPr lang="en-US" sz="2400" dirty="0">
+              <a:rPr lang="ru-RU" sz="2400" dirty="0" smtClean="0">
                 <a:latin typeface="Calibri" panose="020F0502020204030204" pitchFamily="34" charset="0"/>
                 <a:ea typeface="Calibri" panose="020F0502020204030204" pitchFamily="34" charset="0"/>
                 <a:cs typeface="Times New Roman" panose="02020603050405020304" pitchFamily="18" charset="0"/>
               </a:rPr>
-              <a:t>Address </a:t>
+              <a:t>Поиск экскурсий по заданному времени</a:t>
+            </a:r>
+          </a:p>
+          <a:p>
+            <a:pPr marL="571500" indent="-342900" algn="just">
+              <a:lnSpc>
+                <a:spcPct val="107000"/>
+              </a:lnSpc>
+              <a:spcBef>
+                <a:spcPts val="1200"/>
+              </a:spcBef>
+              <a:buFont typeface="Arial" panose="020B0604020202020204" pitchFamily="34" charset="0"/>
+              <a:buChar char="•"/>
+            </a:pPr>
+            <a:r>
+              <a:rPr lang="ru-RU" sz="2400" dirty="0" smtClean="0">
+                <a:effectLst/>
+                <a:latin typeface="Calibri" panose="020F0502020204030204" pitchFamily="34" charset="0"/>
+                <a:ea typeface="Calibri" panose="020F0502020204030204" pitchFamily="34" charset="0"/>
+                <a:cs typeface="Times New Roman" panose="02020603050405020304" pitchFamily="18" charset="0"/>
+              </a:rPr>
+              <a:t>Поиск ближайших 5 экскурсий</a:t>
+            </a:r>
+          </a:p>
+          <a:p>
+            <a:pPr marL="571500" indent="-342900" algn="just">
+              <a:lnSpc>
+                <a:spcPct val="107000"/>
+              </a:lnSpc>
+              <a:spcBef>
+                <a:spcPts val="1200"/>
+              </a:spcBef>
+              <a:buFont typeface="Arial" panose="020B0604020202020204" pitchFamily="34" charset="0"/>
+              <a:buChar char="•"/>
+            </a:pPr>
+            <a:r>
+              <a:rPr lang="ru-RU" sz="2400" dirty="0" smtClean="0">
+                <a:latin typeface="Calibri" panose="020F0502020204030204" pitchFamily="34" charset="0"/>
+                <a:ea typeface="Calibri" panose="020F0502020204030204" pitchFamily="34" charset="0"/>
+                <a:cs typeface="Times New Roman" panose="02020603050405020304" pitchFamily="18" charset="0"/>
+              </a:rPr>
+              <a:t>Поиск экскурсий по ключевым словам</a:t>
+            </a:r>
+          </a:p>
+          <a:p>
+            <a:pPr marL="571500" indent="-342900" algn="just">
+              <a:lnSpc>
+                <a:spcPct val="107000"/>
+              </a:lnSpc>
+              <a:spcBef>
+                <a:spcPts val="1200"/>
+              </a:spcBef>
+              <a:buFont typeface="Arial" panose="020B0604020202020204" pitchFamily="34" charset="0"/>
+              <a:buChar char="•"/>
+            </a:pPr>
+            <a:r>
+              <a:rPr lang="ru-RU" sz="2400" dirty="0" smtClean="0">
+                <a:effectLst/>
+                <a:latin typeface="Calibri" panose="020F0502020204030204" pitchFamily="34" charset="0"/>
+                <a:ea typeface="Calibri" panose="020F0502020204030204" pitchFamily="34" charset="0"/>
+                <a:cs typeface="Times New Roman" panose="02020603050405020304" pitchFamily="18" charset="0"/>
+              </a:rPr>
+              <a:t>Запись на экскурсию по </a:t>
+            </a:r>
+            <a:r>
+              <a:rPr lang="en-US" sz="2400" dirty="0" smtClean="0">
+                <a:latin typeface="Calibri" panose="020F0502020204030204" pitchFamily="34" charset="0"/>
+                <a:ea typeface="Calibri" panose="020F0502020204030204" pitchFamily="34" charset="0"/>
+                <a:cs typeface="Times New Roman" panose="02020603050405020304" pitchFamily="18" charset="0"/>
+              </a:rPr>
+              <a:t>e-mail</a:t>
             </a:r>
             <a:endParaRPr lang="ru-RU" sz="2400" dirty="0" smtClean="0">
               <a:latin typeface="Calibri" panose="020F0502020204030204" pitchFamily="34" charset="0"/>
@@ -9533,412 +10045,31 @@
             </a:endParaRPr>
           </a:p>
           <a:p>
-            <a:pPr marL="342900" lvl="0" indent="-342900">
+            <a:pPr marL="571500" indent="-342900" algn="just">
               <a:lnSpc>
                 <a:spcPct val="107000"/>
               </a:lnSpc>
-              <a:spcAft>
-                <a:spcPts val="0"/>
-              </a:spcAft>
+              <a:spcBef>
+                <a:spcPts val="1200"/>
+              </a:spcBef>
               <a:buFont typeface="Arial" panose="020B0604020202020204" pitchFamily="34" charset="0"/>
               <a:buChar char="•"/>
             </a:pPr>
             <a:r>
-              <a:rPr lang="en-US" sz="2400" dirty="0" smtClean="0">
+              <a:rPr lang="ru-RU" sz="2400" dirty="0" smtClean="0">
                 <a:latin typeface="Calibri" panose="020F0502020204030204" pitchFamily="34" charset="0"/>
                 <a:ea typeface="Calibri" panose="020F0502020204030204" pitchFamily="34" charset="0"/>
                 <a:cs typeface="Times New Roman" panose="02020603050405020304" pitchFamily="18" charset="0"/>
               </a:rPr>
-              <a:t>Date </a:t>
-            </a:r>
-            <a:endParaRPr lang="ru-RU" sz="2400" dirty="0">
-              <a:latin typeface="Calibri" panose="020F0502020204030204" pitchFamily="34" charset="0"/>
-              <a:ea typeface="Calibri" panose="020F0502020204030204" pitchFamily="34" charset="0"/>
-              <a:cs typeface="Times New Roman" panose="02020603050405020304" pitchFamily="18" charset="0"/>
-            </a:endParaRPr>
-          </a:p>
-          <a:p>
-            <a:pPr marL="342900" lvl="0" indent="-342900">
-              <a:lnSpc>
-                <a:spcPct val="107000"/>
-              </a:lnSpc>
-              <a:spcAft>
-                <a:spcPts val="0"/>
-              </a:spcAft>
-              <a:buFont typeface="Arial" panose="020B0604020202020204" pitchFamily="34" charset="0"/>
-              <a:buChar char="•"/>
-            </a:pPr>
-            <a:r>
-              <a:rPr lang="en-US" sz="2400" dirty="0" smtClean="0">
+              <a:t>Рейтинг </a:t>
+            </a:r>
+            <a:r>
+              <a:rPr lang="ru-RU" sz="2400" dirty="0" err="1" smtClean="0">
                 <a:latin typeface="Calibri" panose="020F0502020204030204" pitchFamily="34" charset="0"/>
                 <a:ea typeface="Calibri" panose="020F0502020204030204" pitchFamily="34" charset="0"/>
                 <a:cs typeface="Times New Roman" panose="02020603050405020304" pitchFamily="18" charset="0"/>
               </a:rPr>
-              <a:t>Password</a:t>
-            </a:r>
-            <a:r>
-              <a:rPr lang="ru-RU" sz="2400" dirty="0">
-                <a:latin typeface="Calibri" panose="020F0502020204030204" pitchFamily="34" charset="0"/>
-                <a:ea typeface="Calibri" panose="020F0502020204030204" pitchFamily="34" charset="0"/>
-                <a:cs typeface="Times New Roman" panose="02020603050405020304" pitchFamily="18" charset="0"/>
-              </a:rPr>
-              <a:t>_</a:t>
-            </a:r>
-            <a:r>
-              <a:rPr lang="en-US" sz="2400" dirty="0">
-                <a:latin typeface="Calibri" panose="020F0502020204030204" pitchFamily="34" charset="0"/>
-                <a:ea typeface="Calibri" panose="020F0502020204030204" pitchFamily="34" charset="0"/>
-                <a:cs typeface="Times New Roman" panose="02020603050405020304" pitchFamily="18" charset="0"/>
-              </a:rPr>
-              <a:t>hash </a:t>
-            </a:r>
-            <a:endParaRPr lang="ru-RU" sz="2400" dirty="0" smtClean="0">
-              <a:latin typeface="Calibri" panose="020F0502020204030204" pitchFamily="34" charset="0"/>
-              <a:ea typeface="Calibri" panose="020F0502020204030204" pitchFamily="34" charset="0"/>
-              <a:cs typeface="Times New Roman" panose="02020603050405020304" pitchFamily="18" charset="0"/>
-            </a:endParaRPr>
-          </a:p>
-          <a:p>
-            <a:pPr marL="342900" lvl="0" indent="-342900">
-              <a:lnSpc>
-                <a:spcPct val="107000"/>
-              </a:lnSpc>
-              <a:spcAft>
-                <a:spcPts val="0"/>
-              </a:spcAft>
-              <a:buFont typeface="Arial" panose="020B0604020202020204" pitchFamily="34" charset="0"/>
-              <a:buChar char="•"/>
-            </a:pPr>
-            <a:r>
-              <a:rPr lang="en-US" sz="2400" dirty="0" smtClean="0">
-                <a:latin typeface="Calibri" panose="020F0502020204030204" pitchFamily="34" charset="0"/>
-                <a:ea typeface="Calibri" panose="020F0502020204030204" pitchFamily="34" charset="0"/>
-                <a:cs typeface="Times New Roman" panose="02020603050405020304" pitchFamily="18" charset="0"/>
-              </a:rPr>
-              <a:t>Name </a:t>
-            </a:r>
-            <a:endParaRPr lang="ru-RU" sz="2400" dirty="0" smtClean="0">
-              <a:latin typeface="Calibri" panose="020F0502020204030204" pitchFamily="34" charset="0"/>
-              <a:ea typeface="Calibri" panose="020F0502020204030204" pitchFamily="34" charset="0"/>
-              <a:cs typeface="Times New Roman" panose="02020603050405020304" pitchFamily="18" charset="0"/>
-            </a:endParaRPr>
-          </a:p>
-          <a:p>
-            <a:pPr marL="342900" lvl="0" indent="-342900">
-              <a:lnSpc>
-                <a:spcPct val="107000"/>
-              </a:lnSpc>
-              <a:spcAft>
-                <a:spcPts val="0"/>
-              </a:spcAft>
-              <a:buFont typeface="Arial" panose="020B0604020202020204" pitchFamily="34" charset="0"/>
-              <a:buChar char="•"/>
-            </a:pPr>
-            <a:r>
-              <a:rPr lang="en-US" sz="2400" dirty="0" smtClean="0">
-                <a:latin typeface="Calibri" panose="020F0502020204030204" pitchFamily="34" charset="0"/>
-                <a:ea typeface="Calibri" panose="020F0502020204030204" pitchFamily="34" charset="0"/>
-                <a:cs typeface="Times New Roman" panose="02020603050405020304" pitchFamily="18" charset="0"/>
-              </a:rPr>
-              <a:t>Excursion</a:t>
-            </a:r>
-            <a:r>
-              <a:rPr lang="ru-RU" sz="2400" dirty="0">
-                <a:latin typeface="Calibri" panose="020F0502020204030204" pitchFamily="34" charset="0"/>
-                <a:ea typeface="Calibri" panose="020F0502020204030204" pitchFamily="34" charset="0"/>
-                <a:cs typeface="Times New Roman" panose="02020603050405020304" pitchFamily="18" charset="0"/>
-              </a:rPr>
-              <a:t>_</a:t>
-            </a:r>
-            <a:r>
-              <a:rPr lang="en-US" sz="2400" dirty="0">
-                <a:latin typeface="Calibri" panose="020F0502020204030204" pitchFamily="34" charset="0"/>
-                <a:ea typeface="Calibri" panose="020F0502020204030204" pitchFamily="34" charset="0"/>
-                <a:cs typeface="Times New Roman" panose="02020603050405020304" pitchFamily="18" charset="0"/>
-              </a:rPr>
-              <a:t>name </a:t>
-            </a:r>
-            <a:endParaRPr lang="ru-RU" sz="2400" dirty="0" smtClean="0">
-              <a:latin typeface="Calibri" panose="020F0502020204030204" pitchFamily="34" charset="0"/>
-              <a:ea typeface="Calibri" panose="020F0502020204030204" pitchFamily="34" charset="0"/>
-              <a:cs typeface="Times New Roman" panose="02020603050405020304" pitchFamily="18" charset="0"/>
-            </a:endParaRPr>
-          </a:p>
-          <a:p>
-            <a:pPr marL="342900" lvl="0" indent="-342900">
-              <a:lnSpc>
-                <a:spcPct val="107000"/>
-              </a:lnSpc>
-              <a:spcAft>
-                <a:spcPts val="0"/>
-              </a:spcAft>
-              <a:buFont typeface="Arial" panose="020B0604020202020204" pitchFamily="34" charset="0"/>
-              <a:buChar char="•"/>
-            </a:pPr>
-            <a:r>
-              <a:rPr lang="en-US" sz="2400" dirty="0" smtClean="0">
-                <a:latin typeface="Calibri" panose="020F0502020204030204" pitchFamily="34" charset="0"/>
-                <a:ea typeface="Calibri" panose="020F0502020204030204" pitchFamily="34" charset="0"/>
-                <a:cs typeface="Times New Roman" panose="02020603050405020304" pitchFamily="18" charset="0"/>
-              </a:rPr>
-              <a:t>Excursion</a:t>
-            </a:r>
-            <a:r>
-              <a:rPr lang="ru-RU" sz="2400" dirty="0">
-                <a:latin typeface="Calibri" panose="020F0502020204030204" pitchFamily="34" charset="0"/>
-                <a:ea typeface="Calibri" panose="020F0502020204030204" pitchFamily="34" charset="0"/>
-                <a:cs typeface="Times New Roman" panose="02020603050405020304" pitchFamily="18" charset="0"/>
-              </a:rPr>
-              <a:t>_</a:t>
-            </a:r>
-            <a:r>
-              <a:rPr lang="en-US" sz="2400" dirty="0">
-                <a:latin typeface="Calibri" panose="020F0502020204030204" pitchFamily="34" charset="0"/>
-                <a:ea typeface="Calibri" panose="020F0502020204030204" pitchFamily="34" charset="0"/>
-                <a:cs typeface="Times New Roman" panose="02020603050405020304" pitchFamily="18" charset="0"/>
-              </a:rPr>
-              <a:t>description </a:t>
-            </a:r>
-            <a:endParaRPr lang="ru-RU" sz="2400" dirty="0" smtClean="0">
-              <a:latin typeface="Calibri" panose="020F0502020204030204" pitchFamily="34" charset="0"/>
-              <a:ea typeface="Calibri" panose="020F0502020204030204" pitchFamily="34" charset="0"/>
-              <a:cs typeface="Times New Roman" panose="02020603050405020304" pitchFamily="18" charset="0"/>
-            </a:endParaRPr>
-          </a:p>
-          <a:p>
-            <a:pPr marL="342900" lvl="0" indent="-342900">
-              <a:lnSpc>
-                <a:spcPct val="107000"/>
-              </a:lnSpc>
-              <a:spcAft>
-                <a:spcPts val="0"/>
-              </a:spcAft>
-              <a:buFont typeface="Arial" panose="020B0604020202020204" pitchFamily="34" charset="0"/>
-              <a:buChar char="•"/>
-            </a:pPr>
-            <a:r>
-              <a:rPr lang="en-US" sz="2400" dirty="0" smtClean="0">
-                <a:latin typeface="Calibri" panose="020F0502020204030204" pitchFamily="34" charset="0"/>
-                <a:ea typeface="Calibri" panose="020F0502020204030204" pitchFamily="34" charset="0"/>
-                <a:cs typeface="Times New Roman" panose="02020603050405020304" pitchFamily="18" charset="0"/>
-              </a:rPr>
-              <a:t>Excursion</a:t>
-            </a:r>
-            <a:r>
-              <a:rPr lang="ru-RU" sz="2400" dirty="0">
-                <a:latin typeface="Calibri" panose="020F0502020204030204" pitchFamily="34" charset="0"/>
-                <a:ea typeface="Calibri" panose="020F0502020204030204" pitchFamily="34" charset="0"/>
-                <a:cs typeface="Times New Roman" panose="02020603050405020304" pitchFamily="18" charset="0"/>
-              </a:rPr>
-              <a:t>_</a:t>
-            </a:r>
-            <a:r>
-              <a:rPr lang="en-US" sz="2400" dirty="0">
-                <a:latin typeface="Calibri" panose="020F0502020204030204" pitchFamily="34" charset="0"/>
-                <a:ea typeface="Calibri" panose="020F0502020204030204" pitchFamily="34" charset="0"/>
-                <a:cs typeface="Times New Roman" panose="02020603050405020304" pitchFamily="18" charset="0"/>
-              </a:rPr>
-              <a:t>duration </a:t>
-            </a:r>
-            <a:endParaRPr lang="ru-RU" sz="2400" dirty="0" smtClean="0">
-              <a:latin typeface="Calibri" panose="020F0502020204030204" pitchFamily="34" charset="0"/>
-              <a:ea typeface="Calibri" panose="020F0502020204030204" pitchFamily="34" charset="0"/>
-              <a:cs typeface="Times New Roman" panose="02020603050405020304" pitchFamily="18" charset="0"/>
-            </a:endParaRPr>
-          </a:p>
-          <a:p>
-            <a:pPr marL="342900" lvl="0" indent="-342900">
-              <a:lnSpc>
-                <a:spcPct val="107000"/>
-              </a:lnSpc>
-              <a:spcAft>
-                <a:spcPts val="0"/>
-              </a:spcAft>
-              <a:buFont typeface="Arial" panose="020B0604020202020204" pitchFamily="34" charset="0"/>
-              <a:buChar char="•"/>
-            </a:pPr>
-            <a:r>
-              <a:rPr lang="en-US" sz="2400" dirty="0" smtClean="0">
-                <a:latin typeface="Calibri" panose="020F0502020204030204" pitchFamily="34" charset="0"/>
-                <a:ea typeface="Calibri" panose="020F0502020204030204" pitchFamily="34" charset="0"/>
-                <a:cs typeface="Times New Roman" panose="02020603050405020304" pitchFamily="18" charset="0"/>
-              </a:rPr>
-              <a:t>Place</a:t>
-            </a:r>
-            <a:r>
-              <a:rPr lang="ru-RU" sz="2400" dirty="0">
-                <a:latin typeface="Calibri" panose="020F0502020204030204" pitchFamily="34" charset="0"/>
-                <a:ea typeface="Calibri" panose="020F0502020204030204" pitchFamily="34" charset="0"/>
-                <a:cs typeface="Times New Roman" panose="02020603050405020304" pitchFamily="18" charset="0"/>
-              </a:rPr>
-              <a:t>_</a:t>
-            </a:r>
-            <a:r>
-              <a:rPr lang="en-US" sz="2400" dirty="0">
-                <a:latin typeface="Calibri" panose="020F0502020204030204" pitchFamily="34" charset="0"/>
-                <a:ea typeface="Calibri" panose="020F0502020204030204" pitchFamily="34" charset="0"/>
-                <a:cs typeface="Times New Roman" panose="02020603050405020304" pitchFamily="18" charset="0"/>
-              </a:rPr>
-              <a:t>description </a:t>
-            </a:r>
-            <a:endParaRPr lang="ru-RU" sz="2400" dirty="0" smtClean="0">
-              <a:latin typeface="Calibri" panose="020F0502020204030204" pitchFamily="34" charset="0"/>
-              <a:ea typeface="Calibri" panose="020F0502020204030204" pitchFamily="34" charset="0"/>
-              <a:cs typeface="Times New Roman" panose="02020603050405020304" pitchFamily="18" charset="0"/>
-            </a:endParaRPr>
-          </a:p>
-          <a:p>
-            <a:pPr marL="342900" lvl="0" indent="-342900">
-              <a:lnSpc>
-                <a:spcPct val="107000"/>
-              </a:lnSpc>
-              <a:spcAft>
-                <a:spcPts val="0"/>
-              </a:spcAft>
-              <a:buFont typeface="Arial" panose="020B0604020202020204" pitchFamily="34" charset="0"/>
-              <a:buChar char="•"/>
-            </a:pPr>
-            <a:r>
-              <a:rPr lang="en-US" sz="2400" dirty="0" smtClean="0">
-                <a:latin typeface="Calibri" panose="020F0502020204030204" pitchFamily="34" charset="0"/>
-                <a:ea typeface="Calibri" panose="020F0502020204030204" pitchFamily="34" charset="0"/>
-                <a:cs typeface="Times New Roman" panose="02020603050405020304" pitchFamily="18" charset="0"/>
-              </a:rPr>
-              <a:t>Currency </a:t>
-            </a:r>
-            <a:endParaRPr lang="ru-RU" sz="2400" dirty="0">
-              <a:latin typeface="Calibri" panose="020F0502020204030204" pitchFamily="34" charset="0"/>
-              <a:ea typeface="Calibri" panose="020F0502020204030204" pitchFamily="34" charset="0"/>
-              <a:cs typeface="Times New Roman" panose="02020603050405020304" pitchFamily="18" charset="0"/>
-            </a:endParaRPr>
-          </a:p>
-          <a:p>
-            <a:pPr marL="342900" lvl="0" indent="-342900">
-              <a:lnSpc>
-                <a:spcPct val="107000"/>
-              </a:lnSpc>
-              <a:spcAft>
-                <a:spcPts val="0"/>
-              </a:spcAft>
-              <a:buFont typeface="Arial" panose="020B0604020202020204" pitchFamily="34" charset="0"/>
-              <a:buChar char="•"/>
-            </a:pPr>
-            <a:r>
-              <a:rPr lang="en-US" sz="2400" dirty="0" err="1" smtClean="0">
-                <a:latin typeface="Calibri" panose="020F0502020204030204" pitchFamily="34" charset="0"/>
-                <a:ea typeface="Calibri" panose="020F0502020204030204" pitchFamily="34" charset="0"/>
-                <a:cs typeface="Times New Roman" panose="02020603050405020304" pitchFamily="18" charset="0"/>
-              </a:rPr>
-              <a:t>Sile</a:t>
-            </a:r>
-            <a:r>
-              <a:rPr lang="en-US" sz="2400" dirty="0" smtClean="0">
-                <a:latin typeface="Calibri" panose="020F0502020204030204" pitchFamily="34" charset="0"/>
-                <a:ea typeface="Calibri" panose="020F0502020204030204" pitchFamily="34" charset="0"/>
-                <a:cs typeface="Times New Roman" panose="02020603050405020304" pitchFamily="18" charset="0"/>
-              </a:rPr>
-              <a:t> </a:t>
-            </a:r>
-            <a:endParaRPr lang="ru-RU" sz="2400" dirty="0" smtClean="0">
-              <a:latin typeface="Calibri" panose="020F0502020204030204" pitchFamily="34" charset="0"/>
-              <a:ea typeface="Calibri" panose="020F0502020204030204" pitchFamily="34" charset="0"/>
-              <a:cs typeface="Times New Roman" panose="02020603050405020304" pitchFamily="18" charset="0"/>
-            </a:endParaRPr>
-          </a:p>
-          <a:p>
-            <a:pPr marL="342900" lvl="0" indent="-342900">
-              <a:lnSpc>
-                <a:spcPct val="107000"/>
-              </a:lnSpc>
-              <a:spcAft>
-                <a:spcPts val="0"/>
-              </a:spcAft>
-              <a:buFont typeface="Arial" panose="020B0604020202020204" pitchFamily="34" charset="0"/>
-              <a:buChar char="•"/>
-            </a:pPr>
-            <a:r>
-              <a:rPr lang="en-US" sz="2400" dirty="0" err="1" smtClean="0">
-                <a:latin typeface="Calibri" panose="020F0502020204030204" pitchFamily="34" charset="0"/>
-                <a:ea typeface="Calibri" panose="020F0502020204030204" pitchFamily="34" charset="0"/>
-                <a:cs typeface="Times New Roman" panose="02020603050405020304" pitchFamily="18" charset="0"/>
-              </a:rPr>
-              <a:t>Telephone_number</a:t>
-            </a:r>
-            <a:endParaRPr lang="ru-RU" sz="2400" dirty="0" smtClean="0">
-              <a:latin typeface="Calibri" panose="020F0502020204030204" pitchFamily="34" charset="0"/>
-              <a:ea typeface="Calibri" panose="020F0502020204030204" pitchFamily="34" charset="0"/>
-              <a:cs typeface="Times New Roman" panose="02020603050405020304" pitchFamily="18" charset="0"/>
-            </a:endParaRPr>
-          </a:p>
-          <a:p>
-            <a:pPr marL="342900" lvl="0" indent="-342900">
-              <a:lnSpc>
-                <a:spcPct val="107000"/>
-              </a:lnSpc>
-              <a:spcAft>
-                <a:spcPts val="0"/>
-              </a:spcAft>
-              <a:buFont typeface="Arial" panose="020B0604020202020204" pitchFamily="34" charset="0"/>
-              <a:buChar char="•"/>
-            </a:pPr>
-            <a:r>
-              <a:rPr lang="en-US" sz="2400" dirty="0" smtClean="0">
-                <a:latin typeface="Calibri" panose="020F0502020204030204" pitchFamily="34" charset="0"/>
-                <a:ea typeface="Calibri" panose="020F0502020204030204" pitchFamily="34" charset="0"/>
-                <a:cs typeface="Times New Roman" panose="02020603050405020304" pitchFamily="18" charset="0"/>
-              </a:rPr>
-              <a:t>Number</a:t>
-            </a:r>
-            <a:endParaRPr lang="ru-RU" sz="2400" dirty="0" smtClean="0">
-              <a:latin typeface="Calibri" panose="020F0502020204030204" pitchFamily="34" charset="0"/>
-              <a:ea typeface="Calibri" panose="020F0502020204030204" pitchFamily="34" charset="0"/>
-              <a:cs typeface="Times New Roman" panose="02020603050405020304" pitchFamily="18" charset="0"/>
-            </a:endParaRPr>
-          </a:p>
-          <a:p>
-            <a:pPr marL="342900" lvl="0" indent="-342900">
-              <a:lnSpc>
-                <a:spcPct val="107000"/>
-              </a:lnSpc>
-              <a:spcAft>
-                <a:spcPts val="0"/>
-              </a:spcAft>
-              <a:buFont typeface="Arial" panose="020B0604020202020204" pitchFamily="34" charset="0"/>
-              <a:buChar char="•"/>
-            </a:pPr>
-            <a:r>
-              <a:rPr lang="en-US" sz="2400" dirty="0" smtClean="0">
-                <a:latin typeface="Calibri" panose="020F0502020204030204" pitchFamily="34" charset="0"/>
-                <a:ea typeface="Calibri" panose="020F0502020204030204" pitchFamily="34" charset="0"/>
-                <a:cs typeface="Times New Roman" panose="02020603050405020304" pitchFamily="18" charset="0"/>
-              </a:rPr>
-              <a:t>City</a:t>
-            </a:r>
-            <a:endParaRPr lang="ru-RU" sz="2400" dirty="0" smtClean="0">
-              <a:effectLst/>
-              <a:latin typeface="Calibri" panose="020F0502020204030204" pitchFamily="34" charset="0"/>
-              <a:ea typeface="Calibri" panose="020F0502020204030204" pitchFamily="34" charset="0"/>
-              <a:cs typeface="Times New Roman" panose="02020603050405020304" pitchFamily="18" charset="0"/>
-            </a:endParaRPr>
-          </a:p>
-          <a:p>
-            <a:pPr marL="342900" lvl="0" indent="-342900">
-              <a:lnSpc>
-                <a:spcPct val="107000"/>
-              </a:lnSpc>
-              <a:spcAft>
-                <a:spcPts val="800"/>
-              </a:spcAft>
-              <a:buFont typeface="Arial" panose="020B0604020202020204" pitchFamily="34" charset="0"/>
-              <a:buChar char="•"/>
-            </a:pPr>
-            <a:r>
-              <a:rPr lang="en-US" sz="2400" dirty="0" smtClean="0">
-                <a:latin typeface="Calibri" panose="020F0502020204030204" pitchFamily="34" charset="0"/>
-                <a:ea typeface="Calibri" panose="020F0502020204030204" pitchFamily="34" charset="0"/>
-                <a:cs typeface="Times New Roman" panose="02020603050405020304" pitchFamily="18" charset="0"/>
-              </a:rPr>
-              <a:t>Pt</a:t>
+              <a:t>аудиоэкскурсий</a:t>
             </a:r>
             <a:endParaRPr lang="ru-RU" sz="2400" dirty="0">
               <a:effectLst/>
@@ -9952,7 +10083,7 @@
     </p:spTree>
     <p:extLst>
       <p:ext uri="{BB962C8B-B14F-4D97-AF65-F5344CB8AC3E}">
-        <p14:creationId xmlns:p14="http://schemas.microsoft.com/office/powerpoint/2010/main" val="3342668185"/>
+        <p14:creationId xmlns:p14="http://schemas.microsoft.com/office/powerpoint/2010/main" val="248368870"/>
       </p:ext>
     </p:extLst>
   </p:cSld>
@@ -10272,555 +10403,6 @@
                       </p:childTnLst>
                     </p:cTn>
                   </p:par>
-                  <p:par>
-                    <p:cTn id="28" fill="hold">
-                      <p:stCondLst>
-                        <p:cond delay="indefinite"/>
-                      </p:stCondLst>
-                      <p:childTnLst>
-                        <p:par>
-                          <p:cTn id="29" fill="hold">
-                            <p:stCondLst>
-                              <p:cond delay="0"/>
-                            </p:stCondLst>
-                            <p:childTnLst>
-                              <p:par>
-                                <p:cTn id="30" presetID="22" presetClass="entr" presetSubtype="8" fill="hold" nodeType="clickEffect">
-                                  <p:stCondLst>
-                                    <p:cond delay="0"/>
-                                  </p:stCondLst>
-                                  <p:childTnLst>
-                                    <p:set>
-                                      <p:cBhvr>
-                                        <p:cTn id="31" dur="1" fill="hold">
-                                          <p:stCondLst>
-                                            <p:cond delay="0"/>
-                                          </p:stCondLst>
-                                        </p:cTn>
-                                        <p:tgtEl>
-                                          <p:spTgt spid="3">
-                                            <p:txEl>
-                                              <p:pRg st="5" end="5"/>
-                                            </p:txEl>
-                                          </p:spTgt>
-                                        </p:tgtEl>
-                                        <p:attrNameLst>
-                                          <p:attrName>style.visibility</p:attrName>
-                                        </p:attrNameLst>
-                                      </p:cBhvr>
-                                      <p:to>
-                                        <p:strVal val="visible"/>
-                                      </p:to>
-                                    </p:set>
-                                    <p:animEffect transition="in" filter="wipe(left)">
-                                      <p:cBhvr>
-                                        <p:cTn id="32" dur="500"/>
-                                        <p:tgtEl>
-                                          <p:spTgt spid="3">
-                                            <p:txEl>
-                                              <p:pRg st="5" end="5"/>
-                                            </p:txEl>
-                                          </p:spTgt>
-                                        </p:tgtEl>
-                                      </p:cBhvr>
-                                    </p:animEffect>
-                                  </p:childTnLst>
-                                </p:cTn>
-                              </p:par>
-                            </p:childTnLst>
-                          </p:cTn>
-                        </p:par>
-                      </p:childTnLst>
-                    </p:cTn>
-                  </p:par>
-                  <p:par>
-                    <p:cTn id="33" fill="hold">
-                      <p:stCondLst>
-                        <p:cond delay="indefinite"/>
-                      </p:stCondLst>
-                      <p:childTnLst>
-                        <p:par>
-                          <p:cTn id="34" fill="hold">
-                            <p:stCondLst>
-                              <p:cond delay="0"/>
-                            </p:stCondLst>
-                            <p:childTnLst>
-                              <p:par>
-                                <p:cTn id="35" presetID="22" presetClass="entr" presetSubtype="8" fill="hold" nodeType="clickEffect">
-                                  <p:stCondLst>
-                                    <p:cond delay="0"/>
-                                  </p:stCondLst>
-                                  <p:childTnLst>
-                                    <p:set>
-                                      <p:cBhvr>
-                                        <p:cTn id="36" dur="1" fill="hold">
-                                          <p:stCondLst>
-                                            <p:cond delay="0"/>
-                                          </p:stCondLst>
-                                        </p:cTn>
-                                        <p:tgtEl>
-                                          <p:spTgt spid="3">
-                                            <p:txEl>
-                                              <p:pRg st="6" end="6"/>
-                                            </p:txEl>
-                                          </p:spTgt>
-                                        </p:tgtEl>
-                                        <p:attrNameLst>
-                                          <p:attrName>style.visibility</p:attrName>
-                                        </p:attrNameLst>
-                                      </p:cBhvr>
-                                      <p:to>
-                                        <p:strVal val="visible"/>
-                                      </p:to>
-                                    </p:set>
-                                    <p:animEffect transition="in" filter="wipe(left)">
-                                      <p:cBhvr>
-                                        <p:cTn id="37" dur="500"/>
-                                        <p:tgtEl>
-                                          <p:spTgt spid="3">
-                                            <p:txEl>
-                                              <p:pRg st="6" end="6"/>
-                                            </p:txEl>
-                                          </p:spTgt>
-                                        </p:tgtEl>
-                                      </p:cBhvr>
-                                    </p:animEffect>
-                                  </p:childTnLst>
-                                </p:cTn>
-                              </p:par>
-                            </p:childTnLst>
-                          </p:cTn>
-                        </p:par>
-                      </p:childTnLst>
-                    </p:cTn>
-                  </p:par>
-                  <p:par>
-                    <p:cTn id="38" fill="hold">
-                      <p:stCondLst>
-                        <p:cond delay="indefinite"/>
-                      </p:stCondLst>
-                      <p:childTnLst>
-                        <p:par>
-                          <p:cTn id="39" fill="hold">
-                            <p:stCondLst>
-                              <p:cond delay="0"/>
-                            </p:stCondLst>
-                            <p:childTnLst>
-                              <p:par>
-                                <p:cTn id="40" presetID="22" presetClass="entr" presetSubtype="8" fill="hold" nodeType="clickEffect">
-                                  <p:stCondLst>
-                                    <p:cond delay="0"/>
-                                  </p:stCondLst>
-                                  <p:childTnLst>
-                                    <p:set>
-                                      <p:cBhvr>
-                                        <p:cTn id="41" dur="1" fill="hold">
-                                          <p:stCondLst>
-                                            <p:cond delay="0"/>
-                                          </p:stCondLst>
-                                        </p:cTn>
-                                        <p:tgtEl>
-                                          <p:spTgt spid="3">
-                                            <p:txEl>
-                                              <p:pRg st="7" end="7"/>
-                                            </p:txEl>
-                                          </p:spTgt>
-                                        </p:tgtEl>
-                                        <p:attrNameLst>
-                                          <p:attrName>style.visibility</p:attrName>
-                                        </p:attrNameLst>
-                                      </p:cBhvr>
-                                      <p:to>
-                                        <p:strVal val="visible"/>
-                                      </p:to>
-                                    </p:set>
-                                    <p:animEffect transition="in" filter="wipe(left)">
-                                      <p:cBhvr>
-                                        <p:cTn id="42" dur="500"/>
-                                        <p:tgtEl>
-                                          <p:spTgt spid="3">
-                                            <p:txEl>
-                                              <p:pRg st="7" end="7"/>
-                                            </p:txEl>
-                                          </p:spTgt>
-                                        </p:tgtEl>
-                                      </p:cBhvr>
-                                    </p:animEffect>
-                                  </p:childTnLst>
-                                </p:cTn>
-                              </p:par>
-                            </p:childTnLst>
-                          </p:cTn>
-                        </p:par>
-                      </p:childTnLst>
-                    </p:cTn>
-                  </p:par>
-                  <p:par>
-                    <p:cTn id="43" fill="hold">
-                      <p:stCondLst>
-                        <p:cond delay="indefinite"/>
-                      </p:stCondLst>
-                      <p:childTnLst>
-                        <p:par>
-                          <p:cTn id="44" fill="hold">
-                            <p:stCondLst>
-                              <p:cond delay="0"/>
-                            </p:stCondLst>
-                            <p:childTnLst>
-                              <p:par>
-                                <p:cTn id="45" presetID="22" presetClass="entr" presetSubtype="8" fill="hold" nodeType="clickEffect">
-                                  <p:stCondLst>
-                                    <p:cond delay="0"/>
-                                  </p:stCondLst>
-                                  <p:childTnLst>
-                                    <p:set>
-                                      <p:cBhvr>
-                                        <p:cTn id="46" dur="1" fill="hold">
-                                          <p:stCondLst>
-                                            <p:cond delay="0"/>
-                                          </p:stCondLst>
-                                        </p:cTn>
-                                        <p:tgtEl>
-                                          <p:spTgt spid="3">
-                                            <p:txEl>
-                                              <p:pRg st="8" end="8"/>
-                                            </p:txEl>
-                                          </p:spTgt>
-                                        </p:tgtEl>
-                                        <p:attrNameLst>
-                                          <p:attrName>style.visibility</p:attrName>
-                                        </p:attrNameLst>
-                                      </p:cBhvr>
-                                      <p:to>
-                                        <p:strVal val="visible"/>
-                                      </p:to>
-                                    </p:set>
-                                    <p:animEffect transition="in" filter="wipe(left)">
-                                      <p:cBhvr>
-                                        <p:cTn id="47" dur="500"/>
-                                        <p:tgtEl>
-                                          <p:spTgt spid="3">
-                                            <p:txEl>
-                                              <p:pRg st="8" end="8"/>
-                                            </p:txEl>
-                                          </p:spTgt>
-                                        </p:tgtEl>
-                                      </p:cBhvr>
-                                    </p:animEffect>
-                                  </p:childTnLst>
-                                </p:cTn>
-                              </p:par>
-                            </p:childTnLst>
-                          </p:cTn>
-                        </p:par>
-                      </p:childTnLst>
-                    </p:cTn>
-                  </p:par>
-                  <p:par>
-                    <p:cTn id="48" fill="hold">
-                      <p:stCondLst>
-                        <p:cond delay="indefinite"/>
-                      </p:stCondLst>
-                      <p:childTnLst>
-                        <p:par>
-                          <p:cTn id="49" fill="hold">
-                            <p:stCondLst>
-                              <p:cond delay="0"/>
-                            </p:stCondLst>
-                            <p:childTnLst>
-                              <p:par>
-                                <p:cTn id="50" presetID="22" presetClass="entr" presetSubtype="8" fill="hold" nodeType="clickEffect">
-                                  <p:stCondLst>
-                                    <p:cond delay="0"/>
-                                  </p:stCondLst>
-                                  <p:childTnLst>
-                                    <p:set>
-                                      <p:cBhvr>
-                                        <p:cTn id="51" dur="1" fill="hold">
-                                          <p:stCondLst>
-                                            <p:cond delay="0"/>
-                                          </p:stCondLst>
-                                        </p:cTn>
-                                        <p:tgtEl>
-                                          <p:spTgt spid="3">
-                                            <p:txEl>
-                                              <p:pRg st="9" end="9"/>
-                                            </p:txEl>
-                                          </p:spTgt>
-                                        </p:tgtEl>
-                                        <p:attrNameLst>
-                                          <p:attrName>style.visibility</p:attrName>
-                                        </p:attrNameLst>
-                                      </p:cBhvr>
-                                      <p:to>
-                                        <p:strVal val="visible"/>
-                                      </p:to>
-                                    </p:set>
-                                    <p:animEffect transition="in" filter="wipe(left)">
-                                      <p:cBhvr>
-                                        <p:cTn id="52" dur="500"/>
-                                        <p:tgtEl>
-                                          <p:spTgt spid="3">
-                                            <p:txEl>
-                                              <p:pRg st="9" end="9"/>
-                                            </p:txEl>
-                                          </p:spTgt>
-                                        </p:tgtEl>
-                                      </p:cBhvr>
-                                    </p:animEffect>
-                                  </p:childTnLst>
-                                </p:cTn>
-                              </p:par>
-                            </p:childTnLst>
-                          </p:cTn>
-                        </p:par>
-                      </p:childTnLst>
-                    </p:cTn>
-                  </p:par>
-                  <p:par>
-                    <p:cTn id="53" fill="hold">
-                      <p:stCondLst>
-                        <p:cond delay="indefinite"/>
-                      </p:stCondLst>
-                      <p:childTnLst>
-                        <p:par>
-                          <p:cTn id="54" fill="hold">
-                            <p:stCondLst>
-                              <p:cond delay="0"/>
-                            </p:stCondLst>
-                            <p:childTnLst>
-                              <p:par>
-                                <p:cTn id="55" presetID="22" presetClass="entr" presetSubtype="8" fill="hold" nodeType="clickEffect">
-                                  <p:stCondLst>
-                                    <p:cond delay="0"/>
-                                  </p:stCondLst>
-                                  <p:childTnLst>
-                                    <p:set>
-                                      <p:cBhvr>
-                                        <p:cTn id="56" dur="1" fill="hold">
-                                          <p:stCondLst>
-                                            <p:cond delay="0"/>
-                                          </p:stCondLst>
-                                        </p:cTn>
-                                        <p:tgtEl>
-                                          <p:spTgt spid="3">
-                                            <p:txEl>
-                                              <p:pRg st="10" end="10"/>
-                                            </p:txEl>
-                                          </p:spTgt>
-                                        </p:tgtEl>
-                                        <p:attrNameLst>
-                                          <p:attrName>style.visibility</p:attrName>
-                                        </p:attrNameLst>
-                                      </p:cBhvr>
-                                      <p:to>
-                                        <p:strVal val="visible"/>
-                                      </p:to>
-                                    </p:set>
-                                    <p:animEffect transition="in" filter="wipe(left)">
-                                      <p:cBhvr>
-                                        <p:cTn id="57" dur="500"/>
-                                        <p:tgtEl>
-                                          <p:spTgt spid="3">
-                                            <p:txEl>
-                                              <p:pRg st="10" end="10"/>
-                                            </p:txEl>
-                                          </p:spTgt>
-                                        </p:tgtEl>
-                                      </p:cBhvr>
-                                    </p:animEffect>
-                                  </p:childTnLst>
-                                </p:cTn>
-                              </p:par>
-                            </p:childTnLst>
-                          </p:cTn>
-                        </p:par>
-                      </p:childTnLst>
-                    </p:cTn>
-                  </p:par>
-                  <p:par>
-                    <p:cTn id="58" fill="hold">
-                      <p:stCondLst>
-                        <p:cond delay="indefinite"/>
-                      </p:stCondLst>
-                      <p:childTnLst>
-                        <p:par>
-                          <p:cTn id="59" fill="hold">
-                            <p:stCondLst>
-                              <p:cond delay="0"/>
-                            </p:stCondLst>
-                            <p:childTnLst>
-                              <p:par>
-                                <p:cTn id="60" presetID="22" presetClass="entr" presetSubtype="8" fill="hold" nodeType="clickEffect">
-                                  <p:stCondLst>
-                                    <p:cond delay="0"/>
-                                  </p:stCondLst>
-                                  <p:childTnLst>
-                                    <p:set>
-                                      <p:cBhvr>
-                                        <p:cTn id="61" dur="1" fill="hold">
-                                          <p:stCondLst>
-                                            <p:cond delay="0"/>
-                                          </p:stCondLst>
-                                        </p:cTn>
-                                        <p:tgtEl>
-                                          <p:spTgt spid="3">
-                                            <p:txEl>
-                                              <p:pRg st="11" end="11"/>
-                                            </p:txEl>
-                                          </p:spTgt>
-                                        </p:tgtEl>
-                                        <p:attrNameLst>
-                                          <p:attrName>style.visibility</p:attrName>
-                                        </p:attrNameLst>
-                                      </p:cBhvr>
-                                      <p:to>
-                                        <p:strVal val="visible"/>
-                                      </p:to>
-                                    </p:set>
-                                    <p:animEffect transition="in" filter="wipe(left)">
-                                      <p:cBhvr>
-                                        <p:cTn id="62" dur="500"/>
-                                        <p:tgtEl>
-                                          <p:spTgt spid="3">
-                                            <p:txEl>
-                                              <p:pRg st="11" end="11"/>
-                                            </p:txEl>
-                                          </p:spTgt>
-                                        </p:tgtEl>
-                                      </p:cBhvr>
-                                    </p:animEffect>
-                                  </p:childTnLst>
-                                </p:cTn>
-                              </p:par>
-                            </p:childTnLst>
-                          </p:cTn>
-                        </p:par>
-                      </p:childTnLst>
-                    </p:cTn>
-                  </p:par>
-                  <p:par>
-                    <p:cTn id="63" fill="hold">
-                      <p:stCondLst>
-                        <p:cond delay="indefinite"/>
-                      </p:stCondLst>
-                      <p:childTnLst>
-                        <p:par>
-                          <p:cTn id="64" fill="hold">
-                            <p:stCondLst>
-                              <p:cond delay="0"/>
-                            </p:stCondLst>
-                            <p:childTnLst>
-                              <p:par>
-                                <p:cTn id="65" presetID="22" presetClass="entr" presetSubtype="8" fill="hold" nodeType="clickEffect">
-                                  <p:stCondLst>
-                                    <p:cond delay="0"/>
-                                  </p:stCondLst>
-                                  <p:childTnLst>
-                                    <p:set>
-                                      <p:cBhvr>
-                                        <p:cTn id="66" dur="1" fill="hold">
-                                          <p:stCondLst>
-                                            <p:cond delay="0"/>
-                                          </p:stCondLst>
-                                        </p:cTn>
-                                        <p:tgtEl>
-                                          <p:spTgt spid="3">
-                                            <p:txEl>
-                                              <p:pRg st="12" end="12"/>
-                                            </p:txEl>
-                                          </p:spTgt>
-                                        </p:tgtEl>
-                                        <p:attrNameLst>
-                                          <p:attrName>style.visibility</p:attrName>
-                                        </p:attrNameLst>
-                                      </p:cBhvr>
-                                      <p:to>
-                                        <p:strVal val="visible"/>
-                                      </p:to>
-                                    </p:set>
-                                    <p:animEffect transition="in" filter="wipe(left)">
-                                      <p:cBhvr>
-                                        <p:cTn id="67" dur="500"/>
-                                        <p:tgtEl>
-                                          <p:spTgt spid="3">
-                                            <p:txEl>
-                                              <p:pRg st="12" end="12"/>
-                                            </p:txEl>
-                                          </p:spTgt>
-                                        </p:tgtEl>
-                                      </p:cBhvr>
-                                    </p:animEffect>
-                                  </p:childTnLst>
-                                </p:cTn>
-                              </p:par>
-                            </p:childTnLst>
-                          </p:cTn>
-                        </p:par>
-                      </p:childTnLst>
-                    </p:cTn>
-                  </p:par>
-                  <p:par>
-                    <p:cTn id="68" fill="hold">
-                      <p:stCondLst>
-                        <p:cond delay="indefinite"/>
-                      </p:stCondLst>
-                      <p:childTnLst>
-                        <p:par>
-                          <p:cTn id="69" fill="hold">
-                            <p:stCondLst>
-                              <p:cond delay="0"/>
-                            </p:stCondLst>
-                            <p:childTnLst>
-                              <p:par>
-                                <p:cTn id="70" presetID="22" presetClass="entr" presetSubtype="8" fill="hold" nodeType="clickEffect">
-                                  <p:stCondLst>
-                                    <p:cond delay="0"/>
-                                  </p:stCondLst>
-                                  <p:childTnLst>
-                                    <p:set>
-                                      <p:cBhvr>
-                                        <p:cTn id="71" dur="1" fill="hold">
-                                          <p:stCondLst>
-                                            <p:cond delay="0"/>
-                                          </p:stCondLst>
-                                        </p:cTn>
-                                        <p:tgtEl>
-                                          <p:spTgt spid="3">
-                                            <p:txEl>
-                                              <p:pRg st="13" end="13"/>
-                                            </p:txEl>
-                                          </p:spTgt>
-                                        </p:tgtEl>
-                                        <p:attrNameLst>
-                                          <p:attrName>style.visibility</p:attrName>
-                                        </p:attrNameLst>
-                                      </p:cBhvr>
-                                      <p:to>
-                                        <p:strVal val="visible"/>
-                                      </p:to>
-                                    </p:set>
-                                    <p:animEffect transition="in" filter="wipe(left)">
-                                      <p:cBhvr>
-                                        <p:cTn id="72" dur="500"/>
-                                        <p:tgtEl>
-                                          <p:spTgt spid="3">
-                                            <p:txEl>
-                                              <p:pRg st="13" end="13"/>
-                                            </p:txEl>
-                                          </p:spTgt>
-                                        </p:tgtEl>
-                                      </p:cBhvr>
-                                    </p:animEffect>
-                                  </p:childTnLst>
-                                </p:cTn>
-                              </p:par>
-                            </p:childTnLst>
-                          </p:cTn>
-                        </p:par>
-                      </p:childTnLst>
-                    </p:cTn>
-                  </p:par>
                 </p:childTnLst>
               </p:cTn>
               <p:prevCondLst>
@@ -10840,568 +10422,6 @@
             </p:seq>
           </p:childTnLst>
         </p:cTn>
-      </p:par>
-    </p:tnLst>
-  </p:timing>
-</p:sld>
-</file>
-
-<file path=ppt/slides/slide7.xml><?xml version="1.0" encoding="utf-8"?>
-<p:sld xmlns:a="http://schemas.openxmlformats.org/drawingml/2006/main" xmlns:r="http://schemas.openxmlformats.org/officeDocument/2006/relationships" xmlns:p="http://schemas.openxmlformats.org/presentationml/2006/main">
-  <p:cSld>
-    <p:bg>
-      <p:bgPr>
-        <a:blipFill dpi="0" rotWithShape="1">
-          <a:blip r:embed="rId3">
-            <a:lum/>
-          </a:blip>
-          <a:srcRect/>
-          <a:stretch>
-            <a:fillRect/>
-          </a:stretch>
-        </a:blipFill>
-        <a:effectLst/>
-      </p:bgPr>
-    </p:bg>
-    <p:spTree>
-      <p:nvGrpSpPr>
-        <p:cNvPr id="1" name=""/>
-        <p:cNvGrpSpPr/>
-        <p:nvPr/>
-      </p:nvGrpSpPr>
-      <p:grpSpPr>
-        <a:xfrm>
-          <a:off x="0" y="0"/>
-          <a:ext cx="0" cy="0"/>
-          <a:chOff x="0" y="0"/>
-          <a:chExt cx="0" cy="0"/>
-        </a:xfrm>
-      </p:grpSpPr>
-      <p:sp>
-        <p:nvSpPr>
-          <p:cNvPr id="2" name="Прямоугольник 1"/>
-          <p:cNvSpPr/>
-          <p:nvPr/>
-        </p:nvSpPr>
-        <p:spPr>
-          <a:xfrm>
-            <a:off x="4151169" y="139700"/>
-            <a:ext cx="3483262" cy="532903"/>
-          </a:xfrm>
-          <a:prstGeom prst="rect">
-            <a:avLst/>
-          </a:prstGeom>
-        </p:spPr>
-        <p:txBody>
-          <a:bodyPr wrap="none">
-            <a:spAutoFit/>
-          </a:bodyPr>
-          <a:lstStyle/>
-          <a:p>
-            <a:pPr marL="228600" algn="ctr">
-              <a:lnSpc>
-                <a:spcPct val="107000"/>
-              </a:lnSpc>
-              <a:spcAft>
-                <a:spcPts val="800"/>
-              </a:spcAft>
-            </a:pPr>
-            <a:r>
-              <a:rPr lang="ru-RU" sz="2800" b="1" dirty="0">
-                <a:latin typeface="Calibri" panose="020F0502020204030204" pitchFamily="34" charset="0"/>
-                <a:ea typeface="Calibri" panose="020F0502020204030204" pitchFamily="34" charset="0"/>
-                <a:cs typeface="Times New Roman" panose="02020603050405020304" pitchFamily="18" charset="0"/>
-              </a:rPr>
-              <a:t>Улучшение проекта</a:t>
-            </a:r>
-            <a:endParaRPr lang="ru-RU" sz="2800" dirty="0">
-              <a:effectLst/>
-              <a:latin typeface="Calibri" panose="020F0502020204030204" pitchFamily="34" charset="0"/>
-              <a:ea typeface="Calibri" panose="020F0502020204030204" pitchFamily="34" charset="0"/>
-              <a:cs typeface="Times New Roman" panose="02020603050405020304" pitchFamily="18" charset="0"/>
-            </a:endParaRPr>
-          </a:p>
-        </p:txBody>
-      </p:sp>
-      <p:sp>
-        <p:nvSpPr>
-          <p:cNvPr id="3" name="Прямоугольник 2"/>
-          <p:cNvSpPr/>
-          <p:nvPr/>
-        </p:nvSpPr>
-        <p:spPr>
-          <a:xfrm>
-            <a:off x="1308100" y="1079602"/>
-            <a:ext cx="9093200" cy="2117183"/>
-          </a:xfrm>
-          <a:prstGeom prst="rect">
-            <a:avLst/>
-          </a:prstGeom>
-        </p:spPr>
-        <p:txBody>
-          <a:bodyPr wrap="square">
-            <a:spAutoFit/>
-          </a:bodyPr>
-          <a:lstStyle/>
-          <a:p>
-            <a:pPr marL="571500" indent="-342900" algn="just">
-              <a:lnSpc>
-                <a:spcPct val="107000"/>
-              </a:lnSpc>
-              <a:spcBef>
-                <a:spcPts val="1200"/>
-              </a:spcBef>
-              <a:buFont typeface="Arial" panose="020B0604020202020204" pitchFamily="34" charset="0"/>
-              <a:buChar char="•"/>
-            </a:pPr>
-            <a:r>
-              <a:rPr lang="ru-RU" sz="2400" dirty="0" smtClean="0">
-                <a:latin typeface="Calibri" panose="020F0502020204030204" pitchFamily="34" charset="0"/>
-                <a:ea typeface="Calibri" panose="020F0502020204030204" pitchFamily="34" charset="0"/>
-                <a:cs typeface="Times New Roman" panose="02020603050405020304" pitchFamily="18" charset="0"/>
-              </a:rPr>
-              <a:t>Поиск экскурсий по заданному времени</a:t>
-            </a:r>
-          </a:p>
-          <a:p>
-            <a:pPr marL="571500" indent="-342900" algn="just">
-              <a:lnSpc>
-                <a:spcPct val="107000"/>
-              </a:lnSpc>
-              <a:spcBef>
-                <a:spcPts val="1200"/>
-              </a:spcBef>
-              <a:buFont typeface="Arial" panose="020B0604020202020204" pitchFamily="34" charset="0"/>
-              <a:buChar char="•"/>
-            </a:pPr>
-            <a:r>
-              <a:rPr lang="ru-RU" sz="2400" dirty="0" smtClean="0">
-                <a:effectLst/>
-                <a:latin typeface="Calibri" panose="020F0502020204030204" pitchFamily="34" charset="0"/>
-                <a:ea typeface="Calibri" panose="020F0502020204030204" pitchFamily="34" charset="0"/>
-                <a:cs typeface="Times New Roman" panose="02020603050405020304" pitchFamily="18" charset="0"/>
-              </a:rPr>
-              <a:t>Поиск ближайших 5 экскурсий</a:t>
-            </a:r>
-          </a:p>
-          <a:p>
-            <a:pPr marL="571500" indent="-342900" algn="just">
-              <a:lnSpc>
-                <a:spcPct val="107000"/>
-              </a:lnSpc>
-              <a:spcBef>
-                <a:spcPts val="1200"/>
-              </a:spcBef>
-              <a:buFont typeface="Arial" panose="020B0604020202020204" pitchFamily="34" charset="0"/>
-              <a:buChar char="•"/>
-            </a:pPr>
-            <a:r>
-              <a:rPr lang="ru-RU" sz="2400" dirty="0" smtClean="0">
-                <a:latin typeface="Calibri" panose="020F0502020204030204" pitchFamily="34" charset="0"/>
-                <a:ea typeface="Calibri" panose="020F0502020204030204" pitchFamily="34" charset="0"/>
-                <a:cs typeface="Times New Roman" panose="02020603050405020304" pitchFamily="18" charset="0"/>
-              </a:rPr>
-              <a:t>Поиск экскурсий по ключевым словам</a:t>
-            </a:r>
-          </a:p>
-          <a:p>
-            <a:pPr marL="571500" indent="-342900" algn="just">
-              <a:lnSpc>
-                <a:spcPct val="107000"/>
-              </a:lnSpc>
-              <a:spcBef>
-                <a:spcPts val="1200"/>
-              </a:spcBef>
-              <a:buFont typeface="Arial" panose="020B0604020202020204" pitchFamily="34" charset="0"/>
-              <a:buChar char="•"/>
-            </a:pPr>
-            <a:r>
-              <a:rPr lang="ru-RU" sz="2400" dirty="0" smtClean="0">
-                <a:effectLst/>
-                <a:latin typeface="Calibri" panose="020F0502020204030204" pitchFamily="34" charset="0"/>
-                <a:ea typeface="Calibri" panose="020F0502020204030204" pitchFamily="34" charset="0"/>
-                <a:cs typeface="Times New Roman" panose="02020603050405020304" pitchFamily="18" charset="0"/>
-              </a:rPr>
-              <a:t>Запись на экскурсию по </a:t>
-            </a:r>
-            <a:r>
-              <a:rPr lang="en-US" sz="2400" dirty="0" smtClean="0">
-                <a:latin typeface="Calibri" panose="020F0502020204030204" pitchFamily="34" charset="0"/>
-                <a:ea typeface="Calibri" panose="020F0502020204030204" pitchFamily="34" charset="0"/>
-                <a:cs typeface="Times New Roman" panose="02020603050405020304" pitchFamily="18" charset="0"/>
-              </a:rPr>
-              <a:t>e-mail</a:t>
-            </a:r>
-            <a:endParaRPr lang="ru-RU" sz="2400" dirty="0">
-              <a:effectLst/>
-              <a:latin typeface="Calibri" panose="020F0502020204030204" pitchFamily="34" charset="0"/>
-              <a:ea typeface="Calibri" panose="020F0502020204030204" pitchFamily="34" charset="0"/>
-              <a:cs typeface="Times New Roman" panose="02020603050405020304" pitchFamily="18" charset="0"/>
-            </a:endParaRPr>
-          </a:p>
-        </p:txBody>
-      </p:sp>
-    </p:spTree>
-    <p:extLst>
-      <p:ext uri="{BB962C8B-B14F-4D97-AF65-F5344CB8AC3E}">
-        <p14:creationId xmlns:p14="http://schemas.microsoft.com/office/powerpoint/2010/main" val="248368870"/>
-      </p:ext>
-    </p:extLst>
-  </p:cSld>
-  <p:clrMapOvr>
-    <a:masterClrMapping/>
-  </p:clrMapOvr>
-  <p:timing>
-    <p:tnLst>
-      <p:par>
-        <p:cTn id="1" dur="indefinite" restart="never" nodeType="tmRoot">
-          <p:childTnLst>
-            <p:seq concurrent="1" nextAc="seek">
-              <p:cTn id="2" dur="indefinite" nodeType="mainSeq">
-                <p:childTnLst>
-                  <p:par>
-                    <p:cTn id="3" fill="hold">
-                      <p:stCondLst>
-                        <p:cond delay="indefinite"/>
-                      </p:stCondLst>
-                      <p:childTnLst>
-                        <p:par>
-                          <p:cTn id="4" fill="hold">
-                            <p:stCondLst>
-                              <p:cond delay="0"/>
-                            </p:stCondLst>
-                            <p:childTnLst>
-                              <p:par>
-                                <p:cTn id="5" presetID="22" presetClass="entr" presetSubtype="8" fill="hold" nodeType="clickEffect">
-                                  <p:stCondLst>
-                                    <p:cond delay="0"/>
-                                  </p:stCondLst>
-                                  <p:childTnLst>
-                                    <p:set>
-                                      <p:cBhvr>
-                                        <p:cTn id="6" dur="1" fill="hold">
-                                          <p:stCondLst>
-                                            <p:cond delay="0"/>
-                                          </p:stCondLst>
-                                        </p:cTn>
-                                        <p:tgtEl>
-                                          <p:spTgt spid="3">
-                                            <p:txEl>
-                                              <p:pRg st="0" end="0"/>
-                                            </p:txEl>
-                                          </p:spTgt>
-                                        </p:tgtEl>
-                                        <p:attrNameLst>
-                                          <p:attrName>style.visibility</p:attrName>
-                                        </p:attrNameLst>
-                                      </p:cBhvr>
-                                      <p:to>
-                                        <p:strVal val="visible"/>
-                                      </p:to>
-                                    </p:set>
-                                    <p:animEffect transition="in" filter="wipe(left)">
-                                      <p:cBhvr>
-                                        <p:cTn id="7" dur="500"/>
-                                        <p:tgtEl>
-                                          <p:spTgt spid="3">
-                                            <p:txEl>
-                                              <p:pRg st="0" end="0"/>
-                                            </p:txEl>
-                                          </p:spTgt>
-                                        </p:tgtEl>
-                                      </p:cBhvr>
-                                    </p:animEffect>
-                                  </p:childTnLst>
-                                </p:cTn>
-                              </p:par>
-                            </p:childTnLst>
-                          </p:cTn>
-                        </p:par>
-                      </p:childTnLst>
-                    </p:cTn>
-                  </p:par>
-                  <p:par>
-                    <p:cTn id="8" fill="hold">
-                      <p:stCondLst>
-                        <p:cond delay="indefinite"/>
-                      </p:stCondLst>
-                      <p:childTnLst>
-                        <p:par>
-                          <p:cTn id="9" fill="hold">
-                            <p:stCondLst>
-                              <p:cond delay="0"/>
-                            </p:stCondLst>
-                            <p:childTnLst>
-                              <p:par>
-                                <p:cTn id="10" presetID="22" presetClass="entr" presetSubtype="8" fill="hold" nodeType="clickEffect">
-                                  <p:stCondLst>
-                                    <p:cond delay="0"/>
-                                  </p:stCondLst>
-                                  <p:childTnLst>
-                                    <p:set>
-                                      <p:cBhvr>
-                                        <p:cTn id="11" dur="1" fill="hold">
-                                          <p:stCondLst>
-                                            <p:cond delay="0"/>
-                                          </p:stCondLst>
-                                        </p:cTn>
-                                        <p:tgtEl>
-                                          <p:spTgt spid="3">
-                                            <p:txEl>
-                                              <p:pRg st="1" end="1"/>
-                                            </p:txEl>
-                                          </p:spTgt>
-                                        </p:tgtEl>
-                                        <p:attrNameLst>
-                                          <p:attrName>style.visibility</p:attrName>
-                                        </p:attrNameLst>
-                                      </p:cBhvr>
-                                      <p:to>
-                                        <p:strVal val="visible"/>
-                                      </p:to>
-                                    </p:set>
-                                    <p:animEffect transition="in" filter="wipe(left)">
-                                      <p:cBhvr>
-                                        <p:cTn id="12" dur="500"/>
-                                        <p:tgtEl>
-                                          <p:spTgt spid="3">
-                                            <p:txEl>
-                                              <p:pRg st="1" end="1"/>
-                                            </p:txEl>
-                                          </p:spTgt>
-                                        </p:tgtEl>
-                                      </p:cBhvr>
-                                    </p:animEffect>
-                                  </p:childTnLst>
-                                </p:cTn>
-                              </p:par>
-                            </p:childTnLst>
-                          </p:cTn>
-                        </p:par>
-                      </p:childTnLst>
-                    </p:cTn>
-                  </p:par>
-                  <p:par>
-                    <p:cTn id="13" fill="hold">
-                      <p:stCondLst>
-                        <p:cond delay="indefinite"/>
-                      </p:stCondLst>
-                      <p:childTnLst>
-                        <p:par>
-                          <p:cTn id="14" fill="hold">
-                            <p:stCondLst>
-                              <p:cond delay="0"/>
-                            </p:stCondLst>
-                            <p:childTnLst>
-                              <p:par>
-                                <p:cTn id="15" presetID="22" presetClass="entr" presetSubtype="8" fill="hold" nodeType="clickEffect">
-                                  <p:stCondLst>
-                                    <p:cond delay="0"/>
-                                  </p:stCondLst>
-                                  <p:childTnLst>
-                                    <p:set>
-                                      <p:cBhvr>
-                                        <p:cTn id="16" dur="1" fill="hold">
-                                          <p:stCondLst>
-                                            <p:cond delay="0"/>
-                                          </p:stCondLst>
-                                        </p:cTn>
-                                        <p:tgtEl>
-                                          <p:spTgt spid="3">
-                                            <p:txEl>
-                                              <p:pRg st="2" end="2"/>
-                                            </p:txEl>
-                                          </p:spTgt>
-                                        </p:tgtEl>
-                                        <p:attrNameLst>
-                                          <p:attrName>style.visibility</p:attrName>
-                                        </p:attrNameLst>
-                                      </p:cBhvr>
-                                      <p:to>
-                                        <p:strVal val="visible"/>
-                                      </p:to>
-                                    </p:set>
-                                    <p:animEffect transition="in" filter="wipe(left)">
-                                      <p:cBhvr>
-                                        <p:cTn id="17" dur="500"/>
-                                        <p:tgtEl>
-                                          <p:spTgt spid="3">
-                                            <p:txEl>
-                                              <p:pRg st="2" end="2"/>
-                                            </p:txEl>
-                                          </p:spTgt>
-                                        </p:tgtEl>
-                                      </p:cBhvr>
-                                    </p:animEffect>
-                                  </p:childTnLst>
-                                </p:cTn>
-                              </p:par>
-                            </p:childTnLst>
-                          </p:cTn>
-                        </p:par>
-                      </p:childTnLst>
-                    </p:cTn>
-                  </p:par>
-                  <p:par>
-                    <p:cTn id="18" fill="hold">
-                      <p:stCondLst>
-                        <p:cond delay="indefinite"/>
-                      </p:stCondLst>
-                      <p:childTnLst>
-                        <p:par>
-                          <p:cTn id="19" fill="hold">
-                            <p:stCondLst>
-                              <p:cond delay="0"/>
-                            </p:stCondLst>
-                            <p:childTnLst>
-                              <p:par>
-                                <p:cTn id="20" presetID="22" presetClass="entr" presetSubtype="8" fill="hold" nodeType="clickEffect">
-                                  <p:stCondLst>
-                                    <p:cond delay="0"/>
-                                  </p:stCondLst>
-                                  <p:childTnLst>
-                                    <p:set>
-                                      <p:cBhvr>
-                                        <p:cTn id="21" dur="1" fill="hold">
-                                          <p:stCondLst>
-                                            <p:cond delay="0"/>
-                                          </p:stCondLst>
-                                        </p:cTn>
-                                        <p:tgtEl>
-                                          <p:spTgt spid="3">
-                                            <p:txEl>
-                                              <p:pRg st="3" end="3"/>
-                                            </p:txEl>
-                                          </p:spTgt>
-                                        </p:tgtEl>
-                                        <p:attrNameLst>
-                                          <p:attrName>style.visibility</p:attrName>
-                                        </p:attrNameLst>
-                                      </p:cBhvr>
-                                      <p:to>
-                                        <p:strVal val="visible"/>
-                                      </p:to>
-                                    </p:set>
-                                    <p:animEffect transition="in" filter="wipe(left)">
-                                      <p:cBhvr>
-                                        <p:cTn id="22" dur="500"/>
-                                        <p:tgtEl>
-                                          <p:spTgt spid="3">
-                                            <p:txEl>
-                                              <p:pRg st="3" end="3"/>
-                                            </p:txEl>
-                                          </p:spTgt>
-                                        </p:tgtEl>
-                                      </p:cBhvr>
-                                    </p:animEffect>
-                                  </p:childTnLst>
-                                </p:cTn>
-                              </p:par>
-                            </p:childTnLst>
-                          </p:cTn>
-                        </p:par>
-                      </p:childTnLst>
-                    </p:cTn>
-                  </p:par>
-                </p:childTnLst>
-              </p:cTn>
-              <p:prevCondLst>
-                <p:cond evt="onPrev" delay="0">
-                  <p:tgtEl>
-                    <p:sldTgt/>
-                  </p:tgtEl>
-                </p:cond>
-              </p:prevCondLst>
-              <p:nextCondLst>
-                <p:cond evt="onNext" delay="0">
-                  <p:tgtEl>
-                    <p:sldTgt/>
-                  </p:tgtEl>
-                </p:cond>
-              </p:nextCondLst>
-            </p:seq>
-          </p:childTnLst>
-        </p:cTn>
-      </p:par>
-    </p:tnLst>
-  </p:timing>
-</p:sld>
-</file>
-
-<file path=ppt/slides/slide8.xml><?xml version="1.0" encoding="utf-8"?>
-<p:sld xmlns:a="http://schemas.openxmlformats.org/drawingml/2006/main" xmlns:r="http://schemas.openxmlformats.org/officeDocument/2006/relationships" xmlns:p="http://schemas.openxmlformats.org/presentationml/2006/main">
-  <p:cSld>
-    <p:bg>
-      <p:bgPr>
-        <a:blipFill dpi="0" rotWithShape="1">
-          <a:blip r:embed="rId3">
-            <a:lum/>
-          </a:blip>
-          <a:srcRect/>
-          <a:stretch>
-            <a:fillRect/>
-          </a:stretch>
-        </a:blipFill>
-        <a:effectLst/>
-      </p:bgPr>
-    </p:bg>
-    <p:spTree>
-      <p:nvGrpSpPr>
-        <p:cNvPr id="1" name=""/>
-        <p:cNvGrpSpPr/>
-        <p:nvPr/>
-      </p:nvGrpSpPr>
-      <p:grpSpPr>
-        <a:xfrm>
-          <a:off x="0" y="0"/>
-          <a:ext cx="0" cy="0"/>
-          <a:chOff x="0" y="0"/>
-          <a:chExt cx="0" cy="0"/>
-        </a:xfrm>
-      </p:grpSpPr>
-      <p:sp>
-        <p:nvSpPr>
-          <p:cNvPr id="2" name="Прямоугольник 1"/>
-          <p:cNvSpPr/>
-          <p:nvPr/>
-        </p:nvSpPr>
-        <p:spPr>
-          <a:xfrm>
-            <a:off x="5098113" y="2520434"/>
-            <a:ext cx="1988045" cy="1569660"/>
-          </a:xfrm>
-          <a:prstGeom prst="rect">
-            <a:avLst/>
-          </a:prstGeom>
-        </p:spPr>
-        <p:txBody>
-          <a:bodyPr wrap="none">
-            <a:spAutoFit/>
-          </a:bodyPr>
-          <a:lstStyle/>
-          <a:p>
-            <a:r>
-              <a:rPr lang="ru-RU" sz="9600" dirty="0" smtClean="0"/>
-              <a:t>Всё</a:t>
-            </a:r>
-            <a:endParaRPr lang="ru-RU" sz="9600" dirty="0"/>
-          </a:p>
-        </p:txBody>
-      </p:sp>
-    </p:spTree>
-    <p:extLst>
-      <p:ext uri="{BB962C8B-B14F-4D97-AF65-F5344CB8AC3E}">
-        <p14:creationId xmlns:p14="http://schemas.microsoft.com/office/powerpoint/2010/main" val="3271915467"/>
-      </p:ext>
-    </p:extLst>
-  </p:cSld>
-  <p:clrMapOvr>
-    <a:masterClrMapping/>
-  </p:clrMapOvr>
-  <p:timing>
-    <p:tnLst>
-      <p:par>
-        <p:cTn id="1" dur="indefinite" restart="never" nodeType="tmRoot"/>
       </p:par>
     </p:tnLst>
   </p:timing>
